--- a/프로젝트 UI.pptx
+++ b/프로젝트 UI.pptx
@@ -22,6 +22,7 @@
     <p:sldId id="269" r:id="rId16"/>
     <p:sldId id="271" r:id="rId17"/>
     <p:sldId id="272" r:id="rId18"/>
+    <p:sldId id="273" r:id="rId19"/>
   </p:sldIdLst>
   <p:sldSz cx="12192000" cy="6858000"/>
   <p:notesSz cx="6858000" cy="9144000"/>
@@ -170,9 +171,10 @@
           </a:lstStyle>
           <a:p>
             <a:r>
-              <a:rPr lang="ko-KR" altLang="en-US"/>
+              <a:rPr lang="ko-KR" altLang="en-US" smtClean="0"/>
               <a:t>마스터 제목 스타일 편집</a:t>
             </a:r>
+            <a:endParaRPr lang="ko-KR" altLang="en-US"/>
           </a:p>
         </p:txBody>
       </p:sp>
@@ -234,9 +236,10 @@
           </a:lstStyle>
           <a:p>
             <a:r>
-              <a:rPr lang="ko-KR" altLang="en-US"/>
+              <a:rPr lang="ko-KR" altLang="en-US" smtClean="0"/>
               <a:t>클릭하여 마스터 부제목 스타일 편집</a:t>
             </a:r>
+            <a:endParaRPr lang="ko-KR" altLang="en-US"/>
           </a:p>
         </p:txBody>
       </p:sp>
@@ -257,7 +260,7 @@
           <a:p>
             <a:fld id="{F0E7B708-8D72-4D20-B763-42FE681C87D1}" type="datetimeFigureOut">
               <a:rPr lang="ko-KR" altLang="en-US" smtClean="0"/>
-              <a:t>2021-09-30</a:t>
+              <a:t>2021-10-01</a:t>
             </a:fld>
             <a:endParaRPr lang="ko-KR" altLang="en-US"/>
           </a:p>
@@ -351,9 +354,10 @@
           <a:lstStyle/>
           <a:p>
             <a:r>
-              <a:rPr lang="ko-KR" altLang="en-US"/>
+              <a:rPr lang="ko-KR" altLang="en-US" smtClean="0"/>
               <a:t>마스터 제목 스타일 편집</a:t>
             </a:r>
+            <a:endParaRPr lang="ko-KR" altLang="en-US"/>
           </a:p>
         </p:txBody>
       </p:sp>
@@ -374,37 +378,38 @@
           <a:p>
             <a:pPr lvl="0"/>
             <a:r>
-              <a:rPr lang="ko-KR" altLang="en-US"/>
+              <a:rPr lang="ko-KR" altLang="en-US" smtClean="0"/>
               <a:t>마스터 텍스트 스타일 편집</a:t>
             </a:r>
           </a:p>
           <a:p>
             <a:pPr lvl="1"/>
             <a:r>
-              <a:rPr lang="ko-KR" altLang="en-US"/>
+              <a:rPr lang="ko-KR" altLang="en-US" smtClean="0"/>
               <a:t>둘째 수준</a:t>
             </a:r>
           </a:p>
           <a:p>
             <a:pPr lvl="2"/>
             <a:r>
-              <a:rPr lang="ko-KR" altLang="en-US"/>
+              <a:rPr lang="ko-KR" altLang="en-US" smtClean="0"/>
               <a:t>셋째 수준</a:t>
             </a:r>
           </a:p>
           <a:p>
             <a:pPr lvl="3"/>
             <a:r>
-              <a:rPr lang="ko-KR" altLang="en-US"/>
+              <a:rPr lang="ko-KR" altLang="en-US" smtClean="0"/>
               <a:t>넷째 수준</a:t>
             </a:r>
           </a:p>
           <a:p>
             <a:pPr lvl="4"/>
             <a:r>
-              <a:rPr lang="ko-KR" altLang="en-US"/>
+              <a:rPr lang="ko-KR" altLang="en-US" smtClean="0"/>
               <a:t>다섯째 수준</a:t>
             </a:r>
+            <a:endParaRPr lang="ko-KR" altLang="en-US"/>
           </a:p>
         </p:txBody>
       </p:sp>
@@ -425,7 +430,7 @@
           <a:p>
             <a:fld id="{F0E7B708-8D72-4D20-B763-42FE681C87D1}" type="datetimeFigureOut">
               <a:rPr lang="ko-KR" altLang="en-US" smtClean="0"/>
-              <a:t>2021-09-30</a:t>
+              <a:t>2021-10-01</a:t>
             </a:fld>
             <a:endParaRPr lang="ko-KR" altLang="en-US"/>
           </a:p>
@@ -524,9 +529,10 @@
           <a:lstStyle/>
           <a:p>
             <a:r>
-              <a:rPr lang="ko-KR" altLang="en-US"/>
+              <a:rPr lang="ko-KR" altLang="en-US" smtClean="0"/>
               <a:t>마스터 제목 스타일 편집</a:t>
             </a:r>
+            <a:endParaRPr lang="ko-KR" altLang="en-US"/>
           </a:p>
         </p:txBody>
       </p:sp>
@@ -552,37 +558,38 @@
           <a:p>
             <a:pPr lvl="0"/>
             <a:r>
-              <a:rPr lang="ko-KR" altLang="en-US"/>
+              <a:rPr lang="ko-KR" altLang="en-US" smtClean="0"/>
               <a:t>마스터 텍스트 스타일 편집</a:t>
             </a:r>
           </a:p>
           <a:p>
             <a:pPr lvl="1"/>
             <a:r>
-              <a:rPr lang="ko-KR" altLang="en-US"/>
+              <a:rPr lang="ko-KR" altLang="en-US" smtClean="0"/>
               <a:t>둘째 수준</a:t>
             </a:r>
           </a:p>
           <a:p>
             <a:pPr lvl="2"/>
             <a:r>
-              <a:rPr lang="ko-KR" altLang="en-US"/>
+              <a:rPr lang="ko-KR" altLang="en-US" smtClean="0"/>
               <a:t>셋째 수준</a:t>
             </a:r>
           </a:p>
           <a:p>
             <a:pPr lvl="3"/>
             <a:r>
-              <a:rPr lang="ko-KR" altLang="en-US"/>
+              <a:rPr lang="ko-KR" altLang="en-US" smtClean="0"/>
               <a:t>넷째 수준</a:t>
             </a:r>
           </a:p>
           <a:p>
             <a:pPr lvl="4"/>
             <a:r>
-              <a:rPr lang="ko-KR" altLang="en-US"/>
+              <a:rPr lang="ko-KR" altLang="en-US" smtClean="0"/>
               <a:t>다섯째 수준</a:t>
             </a:r>
+            <a:endParaRPr lang="ko-KR" altLang="en-US"/>
           </a:p>
         </p:txBody>
       </p:sp>
@@ -603,7 +610,7 @@
           <a:p>
             <a:fld id="{F0E7B708-8D72-4D20-B763-42FE681C87D1}" type="datetimeFigureOut">
               <a:rPr lang="ko-KR" altLang="en-US" smtClean="0"/>
-              <a:t>2021-09-30</a:t>
+              <a:t>2021-10-01</a:t>
             </a:fld>
             <a:endParaRPr lang="ko-KR" altLang="en-US"/>
           </a:p>
@@ -697,9 +704,10 @@
           <a:lstStyle/>
           <a:p>
             <a:r>
-              <a:rPr lang="ko-KR" altLang="en-US"/>
+              <a:rPr lang="ko-KR" altLang="en-US" smtClean="0"/>
               <a:t>마스터 제목 스타일 편집</a:t>
             </a:r>
+            <a:endParaRPr lang="ko-KR" altLang="en-US"/>
           </a:p>
         </p:txBody>
       </p:sp>
@@ -720,37 +728,38 @@
           <a:p>
             <a:pPr lvl="0"/>
             <a:r>
-              <a:rPr lang="ko-KR" altLang="en-US"/>
+              <a:rPr lang="ko-KR" altLang="en-US" smtClean="0"/>
               <a:t>마스터 텍스트 스타일 편집</a:t>
             </a:r>
           </a:p>
           <a:p>
             <a:pPr lvl="1"/>
             <a:r>
-              <a:rPr lang="ko-KR" altLang="en-US"/>
+              <a:rPr lang="ko-KR" altLang="en-US" smtClean="0"/>
               <a:t>둘째 수준</a:t>
             </a:r>
           </a:p>
           <a:p>
             <a:pPr lvl="2"/>
             <a:r>
-              <a:rPr lang="ko-KR" altLang="en-US"/>
+              <a:rPr lang="ko-KR" altLang="en-US" smtClean="0"/>
               <a:t>셋째 수준</a:t>
             </a:r>
           </a:p>
           <a:p>
             <a:pPr lvl="3"/>
             <a:r>
-              <a:rPr lang="ko-KR" altLang="en-US"/>
+              <a:rPr lang="ko-KR" altLang="en-US" smtClean="0"/>
               <a:t>넷째 수준</a:t>
             </a:r>
           </a:p>
           <a:p>
             <a:pPr lvl="4"/>
             <a:r>
-              <a:rPr lang="ko-KR" altLang="en-US"/>
+              <a:rPr lang="ko-KR" altLang="en-US" smtClean="0"/>
               <a:t>다섯째 수준</a:t>
             </a:r>
+            <a:endParaRPr lang="ko-KR" altLang="en-US"/>
           </a:p>
         </p:txBody>
       </p:sp>
@@ -771,7 +780,7 @@
           <a:p>
             <a:fld id="{F0E7B708-8D72-4D20-B763-42FE681C87D1}" type="datetimeFigureOut">
               <a:rPr lang="ko-KR" altLang="en-US" smtClean="0"/>
-              <a:t>2021-09-30</a:t>
+              <a:t>2021-10-01</a:t>
             </a:fld>
             <a:endParaRPr lang="ko-KR" altLang="en-US"/>
           </a:p>
@@ -874,9 +883,10 @@
           </a:lstStyle>
           <a:p>
             <a:r>
-              <a:rPr lang="ko-KR" altLang="en-US"/>
+              <a:rPr lang="ko-KR" altLang="en-US" smtClean="0"/>
               <a:t>마스터 제목 스타일 편집</a:t>
             </a:r>
+            <a:endParaRPr lang="ko-KR" altLang="en-US"/>
           </a:p>
         </p:txBody>
       </p:sp>
@@ -993,7 +1003,7 @@
           <a:p>
             <a:pPr lvl="0"/>
             <a:r>
-              <a:rPr lang="ko-KR" altLang="en-US"/>
+              <a:rPr lang="ko-KR" altLang="en-US" smtClean="0"/>
               <a:t>마스터 텍스트 스타일 편집</a:t>
             </a:r>
           </a:p>
@@ -1016,7 +1026,7 @@
           <a:p>
             <a:fld id="{F0E7B708-8D72-4D20-B763-42FE681C87D1}" type="datetimeFigureOut">
               <a:rPr lang="ko-KR" altLang="en-US" smtClean="0"/>
-              <a:t>2021-09-30</a:t>
+              <a:t>2021-10-01</a:t>
             </a:fld>
             <a:endParaRPr lang="ko-KR" altLang="en-US"/>
           </a:p>
@@ -1110,9 +1120,10 @@
           <a:lstStyle/>
           <a:p>
             <a:r>
-              <a:rPr lang="ko-KR" altLang="en-US"/>
+              <a:rPr lang="ko-KR" altLang="en-US" smtClean="0"/>
               <a:t>마스터 제목 스타일 편집</a:t>
             </a:r>
+            <a:endParaRPr lang="ko-KR" altLang="en-US"/>
           </a:p>
         </p:txBody>
       </p:sp>
@@ -1138,37 +1149,38 @@
           <a:p>
             <a:pPr lvl="0"/>
             <a:r>
-              <a:rPr lang="ko-KR" altLang="en-US"/>
+              <a:rPr lang="ko-KR" altLang="en-US" smtClean="0"/>
               <a:t>마스터 텍스트 스타일 편집</a:t>
             </a:r>
           </a:p>
           <a:p>
             <a:pPr lvl="1"/>
             <a:r>
-              <a:rPr lang="ko-KR" altLang="en-US"/>
+              <a:rPr lang="ko-KR" altLang="en-US" smtClean="0"/>
               <a:t>둘째 수준</a:t>
             </a:r>
           </a:p>
           <a:p>
             <a:pPr lvl="2"/>
             <a:r>
-              <a:rPr lang="ko-KR" altLang="en-US"/>
+              <a:rPr lang="ko-KR" altLang="en-US" smtClean="0"/>
               <a:t>셋째 수준</a:t>
             </a:r>
           </a:p>
           <a:p>
             <a:pPr lvl="3"/>
             <a:r>
-              <a:rPr lang="ko-KR" altLang="en-US"/>
+              <a:rPr lang="ko-KR" altLang="en-US" smtClean="0"/>
               <a:t>넷째 수준</a:t>
             </a:r>
           </a:p>
           <a:p>
             <a:pPr lvl="4"/>
             <a:r>
-              <a:rPr lang="ko-KR" altLang="en-US"/>
+              <a:rPr lang="ko-KR" altLang="en-US" smtClean="0"/>
               <a:t>다섯째 수준</a:t>
             </a:r>
+            <a:endParaRPr lang="ko-KR" altLang="en-US"/>
           </a:p>
         </p:txBody>
       </p:sp>
@@ -1194,37 +1206,38 @@
           <a:p>
             <a:pPr lvl="0"/>
             <a:r>
-              <a:rPr lang="ko-KR" altLang="en-US"/>
+              <a:rPr lang="ko-KR" altLang="en-US" smtClean="0"/>
               <a:t>마스터 텍스트 스타일 편집</a:t>
             </a:r>
           </a:p>
           <a:p>
             <a:pPr lvl="1"/>
             <a:r>
-              <a:rPr lang="ko-KR" altLang="en-US"/>
+              <a:rPr lang="ko-KR" altLang="en-US" smtClean="0"/>
               <a:t>둘째 수준</a:t>
             </a:r>
           </a:p>
           <a:p>
             <a:pPr lvl="2"/>
             <a:r>
-              <a:rPr lang="ko-KR" altLang="en-US"/>
+              <a:rPr lang="ko-KR" altLang="en-US" smtClean="0"/>
               <a:t>셋째 수준</a:t>
             </a:r>
           </a:p>
           <a:p>
             <a:pPr lvl="3"/>
             <a:r>
-              <a:rPr lang="ko-KR" altLang="en-US"/>
+              <a:rPr lang="ko-KR" altLang="en-US" smtClean="0"/>
               <a:t>넷째 수준</a:t>
             </a:r>
           </a:p>
           <a:p>
             <a:pPr lvl="4"/>
             <a:r>
-              <a:rPr lang="ko-KR" altLang="en-US"/>
+              <a:rPr lang="ko-KR" altLang="en-US" smtClean="0"/>
               <a:t>다섯째 수준</a:t>
             </a:r>
+            <a:endParaRPr lang="ko-KR" altLang="en-US"/>
           </a:p>
         </p:txBody>
       </p:sp>
@@ -1245,7 +1258,7 @@
           <a:p>
             <a:fld id="{F0E7B708-8D72-4D20-B763-42FE681C87D1}" type="datetimeFigureOut">
               <a:rPr lang="ko-KR" altLang="en-US" smtClean="0"/>
-              <a:t>2021-09-30</a:t>
+              <a:t>2021-10-01</a:t>
             </a:fld>
             <a:endParaRPr lang="ko-KR" altLang="en-US"/>
           </a:p>
@@ -1344,9 +1357,10 @@
           <a:lstStyle/>
           <a:p>
             <a:r>
-              <a:rPr lang="ko-KR" altLang="en-US"/>
+              <a:rPr lang="ko-KR" altLang="en-US" smtClean="0"/>
               <a:t>마스터 제목 스타일 편집</a:t>
             </a:r>
+            <a:endParaRPr lang="ko-KR" altLang="en-US"/>
           </a:p>
         </p:txBody>
       </p:sp>
@@ -1409,7 +1423,7 @@
           <a:p>
             <a:pPr lvl="0"/>
             <a:r>
-              <a:rPr lang="ko-KR" altLang="en-US"/>
+              <a:rPr lang="ko-KR" altLang="en-US" smtClean="0"/>
               <a:t>마스터 텍스트 스타일 편집</a:t>
             </a:r>
           </a:p>
@@ -1437,37 +1451,38 @@
           <a:p>
             <a:pPr lvl="0"/>
             <a:r>
-              <a:rPr lang="ko-KR" altLang="en-US"/>
+              <a:rPr lang="ko-KR" altLang="en-US" smtClean="0"/>
               <a:t>마스터 텍스트 스타일 편집</a:t>
             </a:r>
           </a:p>
           <a:p>
             <a:pPr lvl="1"/>
             <a:r>
-              <a:rPr lang="ko-KR" altLang="en-US"/>
+              <a:rPr lang="ko-KR" altLang="en-US" smtClean="0"/>
               <a:t>둘째 수준</a:t>
             </a:r>
           </a:p>
           <a:p>
             <a:pPr lvl="2"/>
             <a:r>
-              <a:rPr lang="ko-KR" altLang="en-US"/>
+              <a:rPr lang="ko-KR" altLang="en-US" smtClean="0"/>
               <a:t>셋째 수준</a:t>
             </a:r>
           </a:p>
           <a:p>
             <a:pPr lvl="3"/>
             <a:r>
-              <a:rPr lang="ko-KR" altLang="en-US"/>
+              <a:rPr lang="ko-KR" altLang="en-US" smtClean="0"/>
               <a:t>넷째 수준</a:t>
             </a:r>
           </a:p>
           <a:p>
             <a:pPr lvl="4"/>
             <a:r>
-              <a:rPr lang="ko-KR" altLang="en-US"/>
+              <a:rPr lang="ko-KR" altLang="en-US" smtClean="0"/>
               <a:t>다섯째 수준</a:t>
             </a:r>
+            <a:endParaRPr lang="ko-KR" altLang="en-US"/>
           </a:p>
         </p:txBody>
       </p:sp>
@@ -1530,7 +1545,7 @@
           <a:p>
             <a:pPr lvl="0"/>
             <a:r>
-              <a:rPr lang="ko-KR" altLang="en-US"/>
+              <a:rPr lang="ko-KR" altLang="en-US" smtClean="0"/>
               <a:t>마스터 텍스트 스타일 편집</a:t>
             </a:r>
           </a:p>
@@ -1558,37 +1573,38 @@
           <a:p>
             <a:pPr lvl="0"/>
             <a:r>
-              <a:rPr lang="ko-KR" altLang="en-US"/>
+              <a:rPr lang="ko-KR" altLang="en-US" smtClean="0"/>
               <a:t>마스터 텍스트 스타일 편집</a:t>
             </a:r>
           </a:p>
           <a:p>
             <a:pPr lvl="1"/>
             <a:r>
-              <a:rPr lang="ko-KR" altLang="en-US"/>
+              <a:rPr lang="ko-KR" altLang="en-US" smtClean="0"/>
               <a:t>둘째 수준</a:t>
             </a:r>
           </a:p>
           <a:p>
             <a:pPr lvl="2"/>
             <a:r>
-              <a:rPr lang="ko-KR" altLang="en-US"/>
+              <a:rPr lang="ko-KR" altLang="en-US" smtClean="0"/>
               <a:t>셋째 수준</a:t>
             </a:r>
           </a:p>
           <a:p>
             <a:pPr lvl="3"/>
             <a:r>
-              <a:rPr lang="ko-KR" altLang="en-US"/>
+              <a:rPr lang="ko-KR" altLang="en-US" smtClean="0"/>
               <a:t>넷째 수준</a:t>
             </a:r>
           </a:p>
           <a:p>
             <a:pPr lvl="4"/>
             <a:r>
-              <a:rPr lang="ko-KR" altLang="en-US"/>
+              <a:rPr lang="ko-KR" altLang="en-US" smtClean="0"/>
               <a:t>다섯째 수준</a:t>
             </a:r>
+            <a:endParaRPr lang="ko-KR" altLang="en-US"/>
           </a:p>
         </p:txBody>
       </p:sp>
@@ -1609,7 +1625,7 @@
           <a:p>
             <a:fld id="{F0E7B708-8D72-4D20-B763-42FE681C87D1}" type="datetimeFigureOut">
               <a:rPr lang="ko-KR" altLang="en-US" smtClean="0"/>
-              <a:t>2021-09-30</a:t>
+              <a:t>2021-10-01</a:t>
             </a:fld>
             <a:endParaRPr lang="ko-KR" altLang="en-US"/>
           </a:p>
@@ -1703,9 +1719,10 @@
           <a:lstStyle/>
           <a:p>
             <a:r>
-              <a:rPr lang="ko-KR" altLang="en-US"/>
+              <a:rPr lang="ko-KR" altLang="en-US" smtClean="0"/>
               <a:t>마스터 제목 스타일 편집</a:t>
             </a:r>
+            <a:endParaRPr lang="ko-KR" altLang="en-US"/>
           </a:p>
         </p:txBody>
       </p:sp>
@@ -1726,7 +1743,7 @@
           <a:p>
             <a:fld id="{F0E7B708-8D72-4D20-B763-42FE681C87D1}" type="datetimeFigureOut">
               <a:rPr lang="ko-KR" altLang="en-US" smtClean="0"/>
-              <a:t>2021-09-30</a:t>
+              <a:t>2021-10-01</a:t>
             </a:fld>
             <a:endParaRPr lang="ko-KR" altLang="en-US"/>
           </a:p>
@@ -1821,7 +1838,7 @@
           <a:p>
             <a:fld id="{F0E7B708-8D72-4D20-B763-42FE681C87D1}" type="datetimeFigureOut">
               <a:rPr lang="ko-KR" altLang="en-US" smtClean="0"/>
-              <a:t>2021-09-30</a:t>
+              <a:t>2021-10-01</a:t>
             </a:fld>
             <a:endParaRPr lang="ko-KR" altLang="en-US"/>
           </a:p>
@@ -1924,9 +1941,10 @@
           </a:lstStyle>
           <a:p>
             <a:r>
-              <a:rPr lang="ko-KR" altLang="en-US"/>
+              <a:rPr lang="ko-KR" altLang="en-US" smtClean="0"/>
               <a:t>마스터 제목 스타일 편집</a:t>
             </a:r>
+            <a:endParaRPr lang="ko-KR" altLang="en-US"/>
           </a:p>
         </p:txBody>
       </p:sp>
@@ -1980,37 +1998,38 @@
           <a:p>
             <a:pPr lvl="0"/>
             <a:r>
-              <a:rPr lang="ko-KR" altLang="en-US"/>
+              <a:rPr lang="ko-KR" altLang="en-US" smtClean="0"/>
               <a:t>마스터 텍스트 스타일 편집</a:t>
             </a:r>
           </a:p>
           <a:p>
             <a:pPr lvl="1"/>
             <a:r>
-              <a:rPr lang="ko-KR" altLang="en-US"/>
+              <a:rPr lang="ko-KR" altLang="en-US" smtClean="0"/>
               <a:t>둘째 수준</a:t>
             </a:r>
           </a:p>
           <a:p>
             <a:pPr lvl="2"/>
             <a:r>
-              <a:rPr lang="ko-KR" altLang="en-US"/>
+              <a:rPr lang="ko-KR" altLang="en-US" smtClean="0"/>
               <a:t>셋째 수준</a:t>
             </a:r>
           </a:p>
           <a:p>
             <a:pPr lvl="3"/>
             <a:r>
-              <a:rPr lang="ko-KR" altLang="en-US"/>
+              <a:rPr lang="ko-KR" altLang="en-US" smtClean="0"/>
               <a:t>넷째 수준</a:t>
             </a:r>
           </a:p>
           <a:p>
             <a:pPr lvl="4"/>
             <a:r>
-              <a:rPr lang="ko-KR" altLang="en-US"/>
+              <a:rPr lang="ko-KR" altLang="en-US" smtClean="0"/>
               <a:t>다섯째 수준</a:t>
             </a:r>
+            <a:endParaRPr lang="ko-KR" altLang="en-US"/>
           </a:p>
         </p:txBody>
       </p:sp>
@@ -2073,7 +2092,7 @@
           <a:p>
             <a:pPr lvl="0"/>
             <a:r>
-              <a:rPr lang="ko-KR" altLang="en-US"/>
+              <a:rPr lang="ko-KR" altLang="en-US" smtClean="0"/>
               <a:t>마스터 텍스트 스타일 편집</a:t>
             </a:r>
           </a:p>
@@ -2096,7 +2115,7 @@
           <a:p>
             <a:fld id="{F0E7B708-8D72-4D20-B763-42FE681C87D1}" type="datetimeFigureOut">
               <a:rPr lang="ko-KR" altLang="en-US" smtClean="0"/>
-              <a:t>2021-09-30</a:t>
+              <a:t>2021-10-01</a:t>
             </a:fld>
             <a:endParaRPr lang="ko-KR" altLang="en-US"/>
           </a:p>
@@ -2199,9 +2218,10 @@
           </a:lstStyle>
           <a:p>
             <a:r>
-              <a:rPr lang="ko-KR" altLang="en-US"/>
+              <a:rPr lang="ko-KR" altLang="en-US" smtClean="0"/>
               <a:t>마스터 제목 스타일 편집</a:t>
             </a:r>
+            <a:endParaRPr lang="ko-KR" altLang="en-US"/>
           </a:p>
         </p:txBody>
       </p:sp>
@@ -2325,7 +2345,7 @@
           <a:p>
             <a:pPr lvl="0"/>
             <a:r>
-              <a:rPr lang="ko-KR" altLang="en-US"/>
+              <a:rPr lang="ko-KR" altLang="en-US" smtClean="0"/>
               <a:t>마스터 텍스트 스타일 편집</a:t>
             </a:r>
           </a:p>
@@ -2348,7 +2368,7 @@
           <a:p>
             <a:fld id="{F0E7B708-8D72-4D20-B763-42FE681C87D1}" type="datetimeFigureOut">
               <a:rPr lang="ko-KR" altLang="en-US" smtClean="0"/>
-              <a:t>2021-09-30</a:t>
+              <a:t>2021-10-01</a:t>
             </a:fld>
             <a:endParaRPr lang="ko-KR" altLang="en-US"/>
           </a:p>
@@ -2457,9 +2477,10 @@
           <a:lstStyle/>
           <a:p>
             <a:r>
-              <a:rPr lang="ko-KR" altLang="en-US"/>
+              <a:rPr lang="ko-KR" altLang="en-US" smtClean="0"/>
               <a:t>마스터 제목 스타일 편집</a:t>
             </a:r>
+            <a:endParaRPr lang="ko-KR" altLang="en-US"/>
           </a:p>
         </p:txBody>
       </p:sp>
@@ -2490,37 +2511,38 @@
           <a:p>
             <a:pPr lvl="0"/>
             <a:r>
-              <a:rPr lang="ko-KR" altLang="en-US"/>
+              <a:rPr lang="ko-KR" altLang="en-US" smtClean="0"/>
               <a:t>마스터 텍스트 스타일 편집</a:t>
             </a:r>
           </a:p>
           <a:p>
             <a:pPr lvl="1"/>
             <a:r>
-              <a:rPr lang="ko-KR" altLang="en-US"/>
+              <a:rPr lang="ko-KR" altLang="en-US" smtClean="0"/>
               <a:t>둘째 수준</a:t>
             </a:r>
           </a:p>
           <a:p>
             <a:pPr lvl="2"/>
             <a:r>
-              <a:rPr lang="ko-KR" altLang="en-US"/>
+              <a:rPr lang="ko-KR" altLang="en-US" smtClean="0"/>
               <a:t>셋째 수준</a:t>
             </a:r>
           </a:p>
           <a:p>
             <a:pPr lvl="3"/>
             <a:r>
-              <a:rPr lang="ko-KR" altLang="en-US"/>
+              <a:rPr lang="ko-KR" altLang="en-US" smtClean="0"/>
               <a:t>넷째 수준</a:t>
             </a:r>
           </a:p>
           <a:p>
             <a:pPr lvl="4"/>
             <a:r>
-              <a:rPr lang="ko-KR" altLang="en-US"/>
+              <a:rPr lang="ko-KR" altLang="en-US" smtClean="0"/>
               <a:t>다섯째 수준</a:t>
             </a:r>
+            <a:endParaRPr lang="ko-KR" altLang="en-US"/>
           </a:p>
         </p:txBody>
       </p:sp>
@@ -2559,7 +2581,7 @@
           <a:p>
             <a:fld id="{F0E7B708-8D72-4D20-B763-42FE681C87D1}" type="datetimeFigureOut">
               <a:rPr lang="ko-KR" altLang="en-US" smtClean="0"/>
-              <a:t>2021-09-30</a:t>
+              <a:t>2021-10-01</a:t>
             </a:fld>
             <a:endParaRPr lang="ko-KR" altLang="en-US"/>
           </a:p>
@@ -3044,9 +3066,10 @@
           <a:p>
             <a:pPr algn="ctr"/>
             <a:r>
-              <a:rPr lang="ko-KR" altLang="en-US" dirty="0"/>
+              <a:rPr lang="ko-KR" altLang="en-US" dirty="0" smtClean="0"/>
               <a:t>아이콘</a:t>
             </a:r>
+            <a:endParaRPr lang="ko-KR" altLang="en-US" dirty="0"/>
           </a:p>
         </p:txBody>
       </p:sp>
@@ -3087,9 +3110,10 @@
           <a:p>
             <a:pPr algn="ctr"/>
             <a:r>
-              <a:rPr lang="ko-KR" altLang="en-US"/>
+              <a:rPr lang="ko-KR" altLang="en-US" smtClean="0"/>
               <a:t>로그인</a:t>
             </a:r>
+            <a:endParaRPr lang="ko-KR" altLang="en-US"/>
           </a:p>
         </p:txBody>
       </p:sp>
@@ -3681,9 +3705,10 @@
           <a:p>
             <a:pPr algn="ctr"/>
             <a:r>
-              <a:rPr lang="ko-KR" altLang="en-US" sz="1200" dirty="0"/>
+              <a:rPr lang="ko-KR" altLang="en-US" sz="1200" dirty="0" smtClean="0"/>
               <a:t>김태민</a:t>
             </a:r>
+            <a:endParaRPr lang="ko-KR" altLang="en-US" sz="1200" dirty="0"/>
           </a:p>
         </p:txBody>
       </p:sp>
@@ -3802,9 +3827,10 @@
           <a:p>
             <a:pPr algn="ctr"/>
             <a:r>
-              <a:rPr lang="ko-KR" altLang="en-US" sz="800" dirty="0"/>
+              <a:rPr lang="ko-KR" altLang="en-US" sz="800" dirty="0" smtClean="0"/>
               <a:t>좋아요</a:t>
             </a:r>
+            <a:endParaRPr lang="ko-KR" altLang="en-US" sz="800" dirty="0"/>
           </a:p>
         </p:txBody>
       </p:sp>
@@ -3831,21 +3857,22 @@
           <a:lstStyle/>
           <a:p>
             <a:r>
-              <a:rPr lang="en-US" altLang="ko-KR" sz="1200" dirty="0"/>
+              <a:rPr lang="en-US" altLang="ko-KR" sz="1200" dirty="0" smtClean="0"/>
               <a:t># </a:t>
             </a:r>
             <a:r>
-              <a:rPr lang="ko-KR" altLang="en-US" sz="1200" dirty="0"/>
+              <a:rPr lang="ko-KR" altLang="en-US" sz="1200" dirty="0" smtClean="0"/>
               <a:t>제주도 </a:t>
             </a:r>
             <a:r>
-              <a:rPr lang="en-US" altLang="ko-KR" sz="1200" dirty="0"/>
+              <a:rPr lang="en-US" altLang="ko-KR" sz="1200" dirty="0" smtClean="0"/>
               <a:t>#</a:t>
             </a:r>
             <a:r>
-              <a:rPr lang="ko-KR" altLang="en-US" sz="1200" dirty="0"/>
+              <a:rPr lang="ko-KR" altLang="en-US" sz="1200" dirty="0" smtClean="0"/>
               <a:t>여행</a:t>
             </a:r>
+            <a:endParaRPr lang="ko-KR" altLang="en-US" sz="1200" dirty="0"/>
           </a:p>
         </p:txBody>
       </p:sp>
@@ -3990,9 +4017,10 @@
           <a:p>
             <a:pPr algn="ctr"/>
             <a:r>
-              <a:rPr lang="ko-KR" altLang="en-US" sz="1200" dirty="0"/>
+              <a:rPr lang="ko-KR" altLang="en-US" sz="1200" dirty="0" smtClean="0"/>
               <a:t>김태민</a:t>
             </a:r>
+            <a:endParaRPr lang="ko-KR" altLang="en-US" sz="1200" dirty="0"/>
           </a:p>
         </p:txBody>
       </p:sp>
@@ -4111,9 +4139,10 @@
           <a:p>
             <a:pPr algn="ctr"/>
             <a:r>
-              <a:rPr lang="ko-KR" altLang="en-US" sz="800" dirty="0"/>
+              <a:rPr lang="ko-KR" altLang="en-US" sz="800" dirty="0" smtClean="0"/>
               <a:t>좋아요</a:t>
             </a:r>
+            <a:endParaRPr lang="ko-KR" altLang="en-US" sz="800" dirty="0"/>
           </a:p>
         </p:txBody>
       </p:sp>
@@ -4140,21 +4169,22 @@
           <a:lstStyle/>
           <a:p>
             <a:r>
-              <a:rPr lang="en-US" altLang="ko-KR" sz="1200" dirty="0"/>
+              <a:rPr lang="en-US" altLang="ko-KR" sz="1200" dirty="0" smtClean="0"/>
               <a:t># </a:t>
             </a:r>
             <a:r>
-              <a:rPr lang="ko-KR" altLang="en-US" sz="1200" dirty="0"/>
+              <a:rPr lang="ko-KR" altLang="en-US" sz="1200" dirty="0" smtClean="0"/>
               <a:t>제주도 </a:t>
             </a:r>
             <a:r>
-              <a:rPr lang="en-US" altLang="ko-KR" sz="1200" dirty="0"/>
+              <a:rPr lang="en-US" altLang="ko-KR" sz="1200" dirty="0" smtClean="0"/>
               <a:t>#</a:t>
             </a:r>
             <a:r>
-              <a:rPr lang="ko-KR" altLang="en-US" sz="1200" dirty="0"/>
+              <a:rPr lang="ko-KR" altLang="en-US" sz="1200" dirty="0" smtClean="0"/>
               <a:t>여행</a:t>
             </a:r>
+            <a:endParaRPr lang="ko-KR" altLang="en-US" sz="1200" dirty="0"/>
           </a:p>
         </p:txBody>
       </p:sp>
@@ -4299,9 +4329,10 @@
           <a:p>
             <a:pPr algn="ctr"/>
             <a:r>
-              <a:rPr lang="ko-KR" altLang="en-US" sz="1200" dirty="0"/>
+              <a:rPr lang="ko-KR" altLang="en-US" sz="1200" dirty="0" smtClean="0"/>
               <a:t>김태민</a:t>
             </a:r>
+            <a:endParaRPr lang="ko-KR" altLang="en-US" sz="1200" dirty="0"/>
           </a:p>
         </p:txBody>
       </p:sp>
@@ -4420,9 +4451,10 @@
           <a:p>
             <a:pPr algn="ctr"/>
             <a:r>
-              <a:rPr lang="ko-KR" altLang="en-US" sz="800" dirty="0"/>
+              <a:rPr lang="ko-KR" altLang="en-US" sz="800" dirty="0" smtClean="0"/>
               <a:t>좋아요</a:t>
             </a:r>
+            <a:endParaRPr lang="ko-KR" altLang="en-US" sz="800" dirty="0"/>
           </a:p>
         </p:txBody>
       </p:sp>
@@ -4449,21 +4481,22 @@
           <a:lstStyle/>
           <a:p>
             <a:r>
-              <a:rPr lang="en-US" altLang="ko-KR" sz="1200" dirty="0"/>
+              <a:rPr lang="en-US" altLang="ko-KR" sz="1200" dirty="0" smtClean="0"/>
               <a:t># </a:t>
             </a:r>
             <a:r>
-              <a:rPr lang="ko-KR" altLang="en-US" sz="1200" dirty="0"/>
+              <a:rPr lang="ko-KR" altLang="en-US" sz="1200" dirty="0" smtClean="0"/>
               <a:t>제주도 </a:t>
             </a:r>
             <a:r>
-              <a:rPr lang="en-US" altLang="ko-KR" sz="1200" dirty="0"/>
+              <a:rPr lang="en-US" altLang="ko-KR" sz="1200" dirty="0" smtClean="0"/>
               <a:t>#</a:t>
             </a:r>
             <a:r>
-              <a:rPr lang="ko-KR" altLang="en-US" sz="1200" dirty="0"/>
+              <a:rPr lang="ko-KR" altLang="en-US" sz="1200" dirty="0" smtClean="0"/>
               <a:t>여행</a:t>
             </a:r>
+            <a:endParaRPr lang="ko-KR" altLang="en-US" sz="1200" dirty="0"/>
           </a:p>
         </p:txBody>
       </p:sp>
@@ -4624,9 +4657,10 @@
           <a:lstStyle/>
           <a:p>
             <a:r>
-              <a:rPr lang="ko-KR" altLang="en-US"/>
+              <a:rPr lang="ko-KR" altLang="en-US" smtClean="0"/>
               <a:t>메인 페이지</a:t>
             </a:r>
+            <a:endParaRPr lang="ko-KR" altLang="en-US"/>
           </a:p>
         </p:txBody>
       </p:sp>
@@ -4653,9 +4687,10 @@
           <a:lstStyle/>
           <a:p>
             <a:r>
-              <a:rPr lang="ko-KR" altLang="en-US"/>
+              <a:rPr lang="ko-KR" altLang="en-US" smtClean="0"/>
               <a:t>로그인 페이지</a:t>
             </a:r>
+            <a:endParaRPr lang="ko-KR" altLang="en-US"/>
           </a:p>
         </p:txBody>
       </p:sp>
@@ -4682,9 +4717,10 @@
           <a:lstStyle/>
           <a:p>
             <a:r>
-              <a:rPr lang="ko-KR" altLang="en-US"/>
+              <a:rPr lang="ko-KR" altLang="en-US" smtClean="0"/>
               <a:t>마이 페이지</a:t>
             </a:r>
+            <a:endParaRPr lang="ko-KR" altLang="en-US"/>
           </a:p>
         </p:txBody>
       </p:sp>
@@ -4711,9 +4747,10 @@
           <a:lstStyle/>
           <a:p>
             <a:r>
-              <a:rPr lang="ko-KR" altLang="en-US" dirty="0"/>
+              <a:rPr lang="ko-KR" altLang="en-US" dirty="0" smtClean="0"/>
               <a:t>게시물 보기</a:t>
             </a:r>
+            <a:endParaRPr lang="ko-KR" altLang="en-US" dirty="0"/>
           </a:p>
         </p:txBody>
       </p:sp>
@@ -4773,9 +4810,10 @@
           <a:lstStyle/>
           <a:p>
             <a:r>
-              <a:rPr lang="ko-KR" altLang="en-US"/>
+              <a:rPr lang="ko-KR" altLang="en-US" smtClean="0"/>
               <a:t>검색기능</a:t>
             </a:r>
+            <a:endParaRPr lang="ko-KR" altLang="en-US"/>
           </a:p>
         </p:txBody>
       </p:sp>
@@ -4814,7 +4852,7 @@
           <a:p>
             <a:pPr algn="ctr"/>
             <a:r>
-              <a:rPr lang="ko-KR" altLang="en-US" dirty="0" err="1"/>
+              <a:rPr lang="ko-KR" altLang="en-US" dirty="0" err="1" smtClean="0"/>
               <a:t>사이트맵</a:t>
             </a:r>
             <a:endParaRPr lang="ko-KR" altLang="en-US" dirty="0"/>
@@ -4877,9 +4915,10 @@
           <a:lstStyle/>
           <a:p>
             <a:r>
-              <a:rPr lang="ko-KR" altLang="en-US" dirty="0"/>
+              <a:rPr lang="ko-KR" altLang="en-US" dirty="0" smtClean="0"/>
               <a:t>가이드 페이지</a:t>
             </a:r>
+            <a:endParaRPr lang="ko-KR" altLang="en-US" dirty="0"/>
           </a:p>
         </p:txBody>
       </p:sp>
@@ -4920,13 +4959,14 @@
           <a:p>
             <a:pPr algn="ctr"/>
             <a:r>
-              <a:rPr lang="en-US" altLang="ko-KR" dirty="0"/>
+              <a:rPr lang="en-US" altLang="ko-KR" dirty="0" smtClean="0"/>
               <a:t>1:1 </a:t>
             </a:r>
             <a:r>
-              <a:rPr lang="ko-KR" altLang="en-US" dirty="0"/>
+              <a:rPr lang="ko-KR" altLang="en-US" dirty="0" smtClean="0"/>
               <a:t>채팅</a:t>
             </a:r>
+            <a:endParaRPr lang="ko-KR" altLang="en-US" dirty="0"/>
           </a:p>
         </p:txBody>
       </p:sp>
@@ -4967,7 +5007,7 @@
           <a:p>
             <a:pPr algn="ctr"/>
             <a:r>
-              <a:rPr lang="ko-KR" altLang="en-US"/>
+              <a:rPr lang="ko-KR" altLang="en-US" smtClean="0"/>
               <a:t>다크모드</a:t>
             </a:r>
             <a:endParaRPr lang="ko-KR" altLang="en-US" dirty="0"/>
@@ -4984,6 +5024,13 @@
   <p:clrMapOvr>
     <a:masterClrMapping/>
   </p:clrMapOvr>
+  <p:timing>
+    <p:tnLst>
+      <p:par>
+        <p:cTn id="1" dur="indefinite" restart="never" nodeType="tmRoot"/>
+      </p:par>
+    </p:tnLst>
+  </p:timing>
 </p:sld>
 </file>
 
@@ -5084,9 +5131,10 @@
           <a:p>
             <a:pPr algn="ctr"/>
             <a:r>
-              <a:rPr lang="ko-KR" altLang="en-US" dirty="0"/>
+              <a:rPr lang="ko-KR" altLang="en-US" dirty="0" smtClean="0"/>
               <a:t>아이콘</a:t>
             </a:r>
+            <a:endParaRPr lang="ko-KR" altLang="en-US" dirty="0"/>
           </a:p>
         </p:txBody>
       </p:sp>
@@ -5127,9 +5175,10 @@
           <a:p>
             <a:pPr algn="ctr"/>
             <a:r>
-              <a:rPr lang="ko-KR" altLang="en-US" sz="1200" dirty="0"/>
+              <a:rPr lang="ko-KR" altLang="en-US" sz="1200" dirty="0" smtClean="0"/>
               <a:t>로그아웃</a:t>
             </a:r>
+            <a:endParaRPr lang="ko-KR" altLang="en-US" sz="1200" dirty="0"/>
           </a:p>
         </p:txBody>
       </p:sp>
@@ -5168,13 +5217,14 @@
           <a:p>
             <a:pPr algn="ctr"/>
             <a:r>
-              <a:rPr lang="ko-KR" altLang="en-US"/>
+              <a:rPr lang="ko-KR" altLang="en-US" smtClean="0"/>
               <a:t>찜한</a:t>
             </a:r>
             <a:r>
-              <a:rPr lang="ko-KR" altLang="en-US" dirty="0"/>
+              <a:rPr lang="ko-KR" altLang="en-US" dirty="0" smtClean="0"/>
               <a:t> 게시물</a:t>
             </a:r>
+            <a:endParaRPr lang="ko-KR" altLang="en-US" dirty="0"/>
           </a:p>
         </p:txBody>
       </p:sp>
@@ -5213,9 +5263,10 @@
           <a:p>
             <a:pPr algn="ctr"/>
             <a:r>
-              <a:rPr lang="ko-KR" altLang="en-US" dirty="0"/>
+              <a:rPr lang="ko-KR" altLang="en-US" dirty="0" smtClean="0"/>
               <a:t>글쓰기</a:t>
             </a:r>
+            <a:endParaRPr lang="ko-KR" altLang="en-US" dirty="0"/>
           </a:p>
         </p:txBody>
       </p:sp>
@@ -5272,9 +5323,10 @@
           <a:lstStyle/>
           <a:p>
             <a:r>
-              <a:rPr lang="ko-KR" altLang="en-US" dirty="0"/>
+              <a:rPr lang="ko-KR" altLang="en-US" dirty="0" smtClean="0"/>
               <a:t>비밀번호 변경</a:t>
             </a:r>
+            <a:endParaRPr lang="ko-KR" altLang="en-US" dirty="0"/>
           </a:p>
         </p:txBody>
       </p:sp>
@@ -5439,13 +5491,18 @@
           <a:p>
             <a:pPr algn="ctr"/>
             <a:r>
-              <a:rPr lang="ko-KR" altLang="en-US" dirty="0">
+              <a:rPr lang="ko-KR" altLang="en-US" dirty="0" smtClean="0">
                 <a:solidFill>
                   <a:schemeClr val="tx1"/>
                 </a:solidFill>
               </a:rPr>
               <a:t>회원정보</a:t>
             </a:r>
+            <a:endParaRPr lang="ko-KR" altLang="en-US" dirty="0">
+              <a:solidFill>
+                <a:schemeClr val="tx1"/>
+              </a:solidFill>
+            </a:endParaRPr>
           </a:p>
         </p:txBody>
       </p:sp>
@@ -5522,9 +5579,10 @@
           <a:p>
             <a:pPr algn="ctr"/>
             <a:r>
-              <a:rPr lang="ko-KR" altLang="en-US" sz="1200" dirty="0"/>
+              <a:rPr lang="ko-KR" altLang="en-US" sz="1200" dirty="0" smtClean="0"/>
               <a:t>김태민</a:t>
             </a:r>
+            <a:endParaRPr lang="ko-KR" altLang="en-US" sz="1200" dirty="0"/>
           </a:p>
         </p:txBody>
       </p:sp>
@@ -5643,7 +5701,7 @@
           <a:p>
             <a:pPr algn="ctr"/>
             <a:r>
-              <a:rPr lang="ko-KR" altLang="en-US" sz="1200" dirty="0" err="1"/>
+              <a:rPr lang="ko-KR" altLang="en-US" sz="1200" dirty="0" err="1" smtClean="0"/>
               <a:t>내정보</a:t>
             </a:r>
             <a:endParaRPr lang="ko-KR" altLang="en-US" sz="1200" dirty="0"/>
@@ -5685,9 +5743,10 @@
           <a:p>
             <a:pPr algn="ctr"/>
             <a:r>
-              <a:rPr lang="ko-KR" altLang="en-US" dirty="0"/>
+              <a:rPr lang="ko-KR" altLang="en-US" dirty="0" smtClean="0"/>
               <a:t>닉네임</a:t>
             </a:r>
+            <a:endParaRPr lang="ko-KR" altLang="en-US" dirty="0"/>
           </a:p>
         </p:txBody>
       </p:sp>
@@ -5793,9 +5852,10 @@
           <a:lstStyle/>
           <a:p>
             <a:r>
-              <a:rPr lang="ko-KR" altLang="en-US" dirty="0"/>
+              <a:rPr lang="ko-KR" altLang="en-US" dirty="0" smtClean="0"/>
               <a:t>닉네임 변경</a:t>
             </a:r>
+            <a:endParaRPr lang="ko-KR" altLang="en-US" dirty="0"/>
           </a:p>
         </p:txBody>
       </p:sp>
@@ -5974,9 +6034,10 @@
           <a:lstStyle/>
           <a:p>
             <a:r>
-              <a:rPr lang="ko-KR" altLang="en-US" dirty="0"/>
+              <a:rPr lang="ko-KR" altLang="en-US" dirty="0" smtClean="0"/>
               <a:t>아이디</a:t>
             </a:r>
+            <a:endParaRPr lang="ko-KR" altLang="en-US" dirty="0"/>
           </a:p>
         </p:txBody>
       </p:sp>
@@ -6003,9 +6064,10 @@
           <a:lstStyle/>
           <a:p>
             <a:r>
-              <a:rPr lang="ko-KR" altLang="en-US" dirty="0"/>
+              <a:rPr lang="ko-KR" altLang="en-US" dirty="0" smtClean="0"/>
               <a:t>이메일</a:t>
             </a:r>
+            <a:endParaRPr lang="ko-KR" altLang="en-US" dirty="0"/>
           </a:p>
         </p:txBody>
       </p:sp>
@@ -6032,9 +6094,10 @@
           <a:lstStyle/>
           <a:p>
             <a:r>
-              <a:rPr lang="ko-KR" altLang="en-US"/>
+              <a:rPr lang="ko-KR" altLang="en-US" smtClean="0"/>
               <a:t>생년월일</a:t>
             </a:r>
+            <a:endParaRPr lang="ko-KR" altLang="en-US"/>
           </a:p>
         </p:txBody>
       </p:sp>
@@ -6061,9 +6124,10 @@
           <a:lstStyle/>
           <a:p>
             <a:r>
-              <a:rPr lang="ko-KR" altLang="en-US" dirty="0"/>
+              <a:rPr lang="ko-KR" altLang="en-US" dirty="0" smtClean="0"/>
               <a:t>가입 날짜</a:t>
             </a:r>
+            <a:endParaRPr lang="ko-KR" altLang="en-US" dirty="0"/>
           </a:p>
         </p:txBody>
       </p:sp>
@@ -6114,7 +6178,7 @@
           <a:lstStyle/>
           <a:p>
             <a:r>
-              <a:rPr lang="ko-KR" altLang="en-US"/>
+              <a:rPr lang="ko-KR" altLang="en-US" smtClean="0"/>
               <a:t>연동계정</a:t>
             </a:r>
             <a:endParaRPr lang="ko-KR" altLang="en-US" dirty="0"/>
@@ -6247,9 +6311,10 @@
           <a:lstStyle/>
           <a:p>
             <a:r>
-              <a:rPr lang="ko-KR" altLang="en-US"/>
+              <a:rPr lang="ko-KR" altLang="en-US" smtClean="0"/>
               <a:t>생년월일 변경</a:t>
             </a:r>
+            <a:endParaRPr lang="ko-KR" altLang="en-US"/>
           </a:p>
         </p:txBody>
       </p:sp>
@@ -6276,9 +6341,10 @@
           <a:lstStyle/>
           <a:p>
             <a:r>
-              <a:rPr lang="ko-KR" altLang="en-US"/>
+              <a:rPr lang="ko-KR" altLang="en-US" smtClean="0"/>
               <a:t>회원 탈퇴</a:t>
             </a:r>
+            <a:endParaRPr lang="ko-KR" altLang="en-US"/>
           </a:p>
         </p:txBody>
       </p:sp>
@@ -6292,6 +6358,13 @@
   <p:clrMapOvr>
     <a:masterClrMapping/>
   </p:clrMapOvr>
+  <p:timing>
+    <p:tnLst>
+      <p:par>
+        <p:cTn id="1" dur="indefinite" restart="never" nodeType="tmRoot"/>
+      </p:par>
+    </p:tnLst>
+  </p:timing>
 </p:sld>
 </file>
 
@@ -6392,9 +6465,10 @@
           <a:p>
             <a:pPr algn="ctr"/>
             <a:r>
-              <a:rPr lang="ko-KR" altLang="en-US" dirty="0"/>
+              <a:rPr lang="ko-KR" altLang="en-US" dirty="0" smtClean="0"/>
               <a:t>아이콘</a:t>
             </a:r>
+            <a:endParaRPr lang="ko-KR" altLang="en-US" dirty="0"/>
           </a:p>
         </p:txBody>
       </p:sp>
@@ -6435,9 +6509,10 @@
           <a:p>
             <a:pPr algn="ctr"/>
             <a:r>
-              <a:rPr lang="ko-KR" altLang="en-US" sz="1200" dirty="0"/>
+              <a:rPr lang="ko-KR" altLang="en-US" sz="1200" dirty="0" smtClean="0"/>
               <a:t>로그아웃</a:t>
             </a:r>
+            <a:endParaRPr lang="ko-KR" altLang="en-US" sz="1200" dirty="0"/>
           </a:p>
         </p:txBody>
       </p:sp>
@@ -6476,13 +6551,14 @@
           <a:p>
             <a:pPr algn="ctr"/>
             <a:r>
-              <a:rPr lang="ko-KR" altLang="en-US"/>
+              <a:rPr lang="ko-KR" altLang="en-US" smtClean="0"/>
               <a:t>찜한</a:t>
             </a:r>
             <a:r>
-              <a:rPr lang="ko-KR" altLang="en-US" dirty="0"/>
+              <a:rPr lang="ko-KR" altLang="en-US" dirty="0" smtClean="0"/>
               <a:t> 게시물</a:t>
             </a:r>
+            <a:endParaRPr lang="ko-KR" altLang="en-US" dirty="0"/>
           </a:p>
         </p:txBody>
       </p:sp>
@@ -6521,9 +6597,10 @@
           <a:p>
             <a:pPr algn="ctr"/>
             <a:r>
-              <a:rPr lang="ko-KR" altLang="en-US" dirty="0"/>
+              <a:rPr lang="ko-KR" altLang="en-US" dirty="0" smtClean="0"/>
               <a:t>글쓰기</a:t>
             </a:r>
+            <a:endParaRPr lang="ko-KR" altLang="en-US" dirty="0"/>
           </a:p>
         </p:txBody>
       </p:sp>
@@ -6580,9 +6657,10 @@
           <a:lstStyle/>
           <a:p>
             <a:r>
-              <a:rPr lang="ko-KR" altLang="en-US" dirty="0"/>
+              <a:rPr lang="ko-KR" altLang="en-US" dirty="0" smtClean="0"/>
               <a:t>회원정보</a:t>
             </a:r>
+            <a:endParaRPr lang="ko-KR" altLang="en-US" dirty="0"/>
           </a:p>
         </p:txBody>
       </p:sp>
@@ -6629,13 +6707,18 @@
           <a:p>
             <a:pPr algn="ctr"/>
             <a:r>
-              <a:rPr lang="ko-KR" altLang="en-US" dirty="0">
+              <a:rPr lang="ko-KR" altLang="en-US" dirty="0" smtClean="0">
                 <a:solidFill>
                   <a:schemeClr val="tx1"/>
                 </a:solidFill>
               </a:rPr>
               <a:t>비밀번호 변경</a:t>
             </a:r>
+            <a:endParaRPr lang="ko-KR" altLang="en-US" dirty="0">
+              <a:solidFill>
+                <a:schemeClr val="tx1"/>
+              </a:solidFill>
+            </a:endParaRPr>
           </a:p>
         </p:txBody>
       </p:sp>
@@ -6712,9 +6795,10 @@
           <a:p>
             <a:pPr algn="ctr"/>
             <a:r>
-              <a:rPr lang="ko-KR" altLang="en-US" sz="1200" dirty="0"/>
+              <a:rPr lang="ko-KR" altLang="en-US" sz="1200" dirty="0" smtClean="0"/>
               <a:t>김태민</a:t>
             </a:r>
+            <a:endParaRPr lang="ko-KR" altLang="en-US" sz="1200" dirty="0"/>
           </a:p>
         </p:txBody>
       </p:sp>
@@ -6833,7 +6917,7 @@
           <a:p>
             <a:pPr algn="ctr"/>
             <a:r>
-              <a:rPr lang="ko-KR" altLang="en-US" sz="1200" dirty="0" err="1"/>
+              <a:rPr lang="ko-KR" altLang="en-US" sz="1200" dirty="0" err="1" smtClean="0"/>
               <a:t>내정보</a:t>
             </a:r>
             <a:endParaRPr lang="ko-KR" altLang="en-US" sz="1200" dirty="0"/>
@@ -6939,13 +7023,14 @@
           <a:p>
             <a:pPr algn="ctr"/>
             <a:r>
-              <a:rPr lang="en-US" altLang="ko-KR" dirty="0"/>
+              <a:rPr lang="en-US" altLang="ko-KR" dirty="0" smtClean="0"/>
               <a:t>1:1 </a:t>
             </a:r>
             <a:r>
-              <a:rPr lang="ko-KR" altLang="en-US" dirty="0"/>
+              <a:rPr lang="ko-KR" altLang="en-US" dirty="0" smtClean="0"/>
               <a:t>채팅</a:t>
             </a:r>
+            <a:endParaRPr lang="ko-KR" altLang="en-US" dirty="0"/>
           </a:p>
         </p:txBody>
       </p:sp>
@@ -6986,7 +7071,7 @@
           <a:p>
             <a:pPr algn="ctr"/>
             <a:r>
-              <a:rPr lang="ko-KR" altLang="en-US"/>
+              <a:rPr lang="ko-KR" altLang="en-US" smtClean="0"/>
               <a:t>다크모드</a:t>
             </a:r>
             <a:endParaRPr lang="ko-KR" altLang="en-US" dirty="0"/>
@@ -7016,9 +7101,10 @@
           <a:lstStyle/>
           <a:p>
             <a:r>
-              <a:rPr lang="ko-KR" altLang="en-US"/>
+              <a:rPr lang="ko-KR" altLang="en-US" smtClean="0"/>
               <a:t>회원 탈퇴</a:t>
             </a:r>
+            <a:endParaRPr lang="ko-KR" altLang="en-US"/>
           </a:p>
         </p:txBody>
       </p:sp>
@@ -7032,6 +7118,13 @@
   <p:clrMapOvr>
     <a:masterClrMapping/>
   </p:clrMapOvr>
+  <p:timing>
+    <p:tnLst>
+      <p:par>
+        <p:cTn id="1" dur="indefinite" restart="never" nodeType="tmRoot"/>
+      </p:par>
+    </p:tnLst>
+  </p:timing>
 </p:sld>
 </file>
 
@@ -7132,9 +7225,10 @@
           <a:p>
             <a:pPr algn="ctr"/>
             <a:r>
-              <a:rPr lang="ko-KR" altLang="en-US" dirty="0"/>
+              <a:rPr lang="ko-KR" altLang="en-US" dirty="0" smtClean="0"/>
               <a:t>아이콘</a:t>
             </a:r>
+            <a:endParaRPr lang="ko-KR" altLang="en-US" dirty="0"/>
           </a:p>
         </p:txBody>
       </p:sp>
@@ -7175,9 +7269,10 @@
           <a:p>
             <a:pPr algn="ctr"/>
             <a:r>
-              <a:rPr lang="ko-KR" altLang="en-US" sz="1200" dirty="0"/>
+              <a:rPr lang="ko-KR" altLang="en-US" sz="1200" dirty="0" smtClean="0"/>
               <a:t>로그아웃</a:t>
             </a:r>
+            <a:endParaRPr lang="ko-KR" altLang="en-US" sz="1200" dirty="0"/>
           </a:p>
         </p:txBody>
       </p:sp>
@@ -7216,13 +7311,14 @@
           <a:p>
             <a:pPr algn="ctr"/>
             <a:r>
-              <a:rPr lang="ko-KR" altLang="en-US"/>
+              <a:rPr lang="ko-KR" altLang="en-US" smtClean="0"/>
               <a:t>찜한</a:t>
             </a:r>
             <a:r>
-              <a:rPr lang="ko-KR" altLang="en-US" dirty="0"/>
+              <a:rPr lang="ko-KR" altLang="en-US" dirty="0" smtClean="0"/>
               <a:t> 게시물</a:t>
             </a:r>
+            <a:endParaRPr lang="ko-KR" altLang="en-US" dirty="0"/>
           </a:p>
         </p:txBody>
       </p:sp>
@@ -7261,9 +7357,10 @@
           <a:p>
             <a:pPr algn="ctr"/>
             <a:r>
-              <a:rPr lang="ko-KR" altLang="en-US" dirty="0"/>
+              <a:rPr lang="ko-KR" altLang="en-US" dirty="0" smtClean="0"/>
               <a:t>글쓰기</a:t>
             </a:r>
+            <a:endParaRPr lang="ko-KR" altLang="en-US" dirty="0"/>
           </a:p>
         </p:txBody>
       </p:sp>
@@ -7320,9 +7417,10 @@
           <a:lstStyle/>
           <a:p>
             <a:r>
-              <a:rPr lang="ko-KR" altLang="en-US" dirty="0"/>
+              <a:rPr lang="ko-KR" altLang="en-US" dirty="0" smtClean="0"/>
               <a:t>회원정보</a:t>
             </a:r>
+            <a:endParaRPr lang="ko-KR" altLang="en-US" dirty="0"/>
           </a:p>
         </p:txBody>
       </p:sp>
@@ -7365,13 +7463,18 @@
           <a:p>
             <a:pPr algn="ctr"/>
             <a:r>
-              <a:rPr lang="ko-KR" altLang="en-US" dirty="0">
+              <a:rPr lang="ko-KR" altLang="en-US" dirty="0" smtClean="0">
                 <a:solidFill>
                   <a:schemeClr val="tx1"/>
                 </a:solidFill>
               </a:rPr>
               <a:t>비밀번호 변경</a:t>
             </a:r>
+            <a:endParaRPr lang="ko-KR" altLang="en-US" dirty="0">
+              <a:solidFill>
+                <a:schemeClr val="tx1"/>
+              </a:solidFill>
+            </a:endParaRPr>
           </a:p>
         </p:txBody>
       </p:sp>
@@ -7448,9 +7551,10 @@
           <a:p>
             <a:pPr algn="ctr"/>
             <a:r>
-              <a:rPr lang="ko-KR" altLang="en-US" sz="1200" dirty="0"/>
+              <a:rPr lang="ko-KR" altLang="en-US" sz="1200" dirty="0" smtClean="0"/>
               <a:t>김태민</a:t>
             </a:r>
+            <a:endParaRPr lang="ko-KR" altLang="en-US" sz="1200" dirty="0"/>
           </a:p>
         </p:txBody>
       </p:sp>
@@ -7569,7 +7673,7 @@
           <a:p>
             <a:pPr algn="ctr"/>
             <a:r>
-              <a:rPr lang="ko-KR" altLang="en-US" sz="1200" dirty="0" err="1"/>
+              <a:rPr lang="ko-KR" altLang="en-US" sz="1200" dirty="0" err="1" smtClean="0"/>
               <a:t>내정보</a:t>
             </a:r>
             <a:endParaRPr lang="ko-KR" altLang="en-US" sz="1200" dirty="0"/>
@@ -7651,13 +7755,14 @@
           <a:p>
             <a:pPr algn="ctr"/>
             <a:r>
-              <a:rPr lang="en-US" altLang="ko-KR" dirty="0"/>
+              <a:rPr lang="en-US" altLang="ko-KR" dirty="0" smtClean="0"/>
               <a:t>1:1 </a:t>
             </a:r>
             <a:r>
-              <a:rPr lang="ko-KR" altLang="en-US" dirty="0"/>
+              <a:rPr lang="ko-KR" altLang="en-US" dirty="0" smtClean="0"/>
               <a:t>채팅</a:t>
             </a:r>
+            <a:endParaRPr lang="ko-KR" altLang="en-US" dirty="0"/>
           </a:p>
         </p:txBody>
       </p:sp>
@@ -7698,7 +7803,7 @@
           <a:p>
             <a:pPr algn="ctr"/>
             <a:r>
-              <a:rPr lang="ko-KR" altLang="en-US"/>
+              <a:rPr lang="ko-KR" altLang="en-US" smtClean="0"/>
               <a:t>다크모드</a:t>
             </a:r>
             <a:endParaRPr lang="ko-KR" altLang="en-US" dirty="0"/>
@@ -7748,9 +7853,10 @@
           <a:lstStyle/>
           <a:p>
             <a:r>
-              <a:rPr lang="ko-KR" altLang="en-US" dirty="0"/>
+              <a:rPr lang="ko-KR" altLang="en-US" dirty="0" smtClean="0"/>
               <a:t>회원 탈퇴</a:t>
             </a:r>
+            <a:endParaRPr lang="ko-KR" altLang="en-US" dirty="0"/>
           </a:p>
         </p:txBody>
       </p:sp>
@@ -7794,9 +7900,10 @@
           <a:p>
             <a:pPr algn="ctr"/>
             <a:r>
-              <a:rPr lang="ko-KR" altLang="en-US"/>
+              <a:rPr lang="ko-KR" altLang="en-US" smtClean="0"/>
               <a:t>탈퇴하기</a:t>
             </a:r>
+            <a:endParaRPr lang="ko-KR" altLang="en-US"/>
           </a:p>
         </p:txBody>
       </p:sp>
@@ -7835,9 +7942,10 @@
           <a:p>
             <a:pPr algn="ctr"/>
             <a:r>
-              <a:rPr lang="ko-KR" altLang="en-US"/>
+              <a:rPr lang="ko-KR" altLang="en-US" smtClean="0"/>
               <a:t>취소</a:t>
             </a:r>
+            <a:endParaRPr lang="ko-KR" altLang="en-US"/>
           </a:p>
         </p:txBody>
       </p:sp>
@@ -7864,11 +7972,11 @@
           <a:lstStyle/>
           <a:p>
             <a:r>
-              <a:rPr lang="ko-KR" altLang="en-US" dirty="0"/>
+              <a:rPr lang="ko-KR" altLang="en-US" dirty="0" smtClean="0"/>
               <a:t>정말 탈퇴하시겠습니까</a:t>
             </a:r>
             <a:r>
-              <a:rPr lang="en-US" altLang="ko-KR" dirty="0"/>
+              <a:rPr lang="en-US" altLang="ko-KR" dirty="0" smtClean="0"/>
               <a:t>?</a:t>
             </a:r>
             <a:endParaRPr lang="ko-KR" altLang="en-US" dirty="0"/>
@@ -7910,13 +8018,82 @@
           <a:p>
             <a:pPr algn="ctr"/>
             <a:r>
-              <a:rPr lang="en-US" altLang="ko-KR" dirty="0"/>
+              <a:rPr lang="en-US" altLang="ko-KR" dirty="0" smtClean="0"/>
               <a:t>Password </a:t>
             </a:r>
             <a:r>
-              <a:rPr lang="ko-KR" altLang="en-US" dirty="0"/>
+              <a:rPr lang="ko-KR" altLang="en-US" dirty="0" smtClean="0"/>
               <a:t>입력</a:t>
             </a:r>
+            <a:endParaRPr lang="ko-KR" altLang="en-US" dirty="0"/>
+          </a:p>
+        </p:txBody>
+      </p:sp>
+      <p:sp>
+        <p:nvSpPr>
+          <p:cNvPr id="6" name="TextBox 5"/>
+          <p:cNvSpPr txBox="1"/>
+          <p:nvPr/>
+        </p:nvSpPr>
+        <p:spPr>
+          <a:xfrm>
+            <a:off x="3708602" y="4394710"/>
+            <a:ext cx="3199915" cy="369332"/>
+          </a:xfrm>
+          <a:prstGeom prst="rect">
+            <a:avLst/>
+          </a:prstGeom>
+          <a:noFill/>
+        </p:spPr>
+        <p:txBody>
+          <a:bodyPr wrap="none" rtlCol="0">
+            <a:spAutoFit/>
+          </a:bodyPr>
+          <a:lstStyle/>
+          <a:p>
+            <a:r>
+              <a:rPr lang="ko-KR" altLang="en-US" dirty="0" smtClean="0"/>
+              <a:t>작성한 데이터 모두 삭제하기</a:t>
+            </a:r>
+            <a:endParaRPr lang="ko-KR" altLang="en-US" dirty="0"/>
+          </a:p>
+        </p:txBody>
+      </p:sp>
+      <p:sp>
+        <p:nvSpPr>
+          <p:cNvPr id="12" name="모서리가 둥근 직사각형 11"/>
+          <p:cNvSpPr/>
+          <p:nvPr/>
+        </p:nvSpPr>
+        <p:spPr>
+          <a:xfrm>
+            <a:off x="7133453" y="4440382"/>
+            <a:ext cx="304800" cy="268242"/>
+          </a:xfrm>
+          <a:prstGeom prst="roundRect">
+            <a:avLst/>
+          </a:prstGeom>
+        </p:spPr>
+        <p:style>
+          <a:lnRef idx="2">
+            <a:schemeClr val="accent1"/>
+          </a:lnRef>
+          <a:fillRef idx="1">
+            <a:schemeClr val="lt1"/>
+          </a:fillRef>
+          <a:effectRef idx="0">
+            <a:schemeClr val="accent1"/>
+          </a:effectRef>
+          <a:fontRef idx="minor">
+            <a:schemeClr val="dk1"/>
+          </a:fontRef>
+        </p:style>
+        <p:txBody>
+          <a:bodyPr rtlCol="0" anchor="ctr"/>
+          <a:lstStyle/>
+          <a:p>
+            <a:pPr algn="ctr"/>
+            <a:endParaRPr lang="ko-KR" altLang="en-US"/>
           </a:p>
         </p:txBody>
       </p:sp>
@@ -7930,6 +8107,13 @@
   <p:clrMapOvr>
     <a:masterClrMapping/>
   </p:clrMapOvr>
+  <p:timing>
+    <p:tnLst>
+      <p:par>
+        <p:cTn id="1" dur="indefinite" restart="never" nodeType="tmRoot"/>
+      </p:par>
+    </p:tnLst>
+  </p:timing>
 </p:sld>
 </file>
 
@@ -8106,9 +8290,10 @@
           <a:p>
             <a:pPr algn="ctr"/>
             <a:r>
-              <a:rPr lang="ko-KR" altLang="en-US" dirty="0"/>
+              <a:rPr lang="ko-KR" altLang="en-US" dirty="0" smtClean="0"/>
               <a:t>아이콘</a:t>
             </a:r>
+            <a:endParaRPr lang="ko-KR" altLang="en-US" dirty="0"/>
           </a:p>
         </p:txBody>
       </p:sp>
@@ -8149,9 +8334,10 @@
           <a:p>
             <a:pPr algn="ctr"/>
             <a:r>
-              <a:rPr lang="ko-KR" altLang="en-US" dirty="0"/>
+              <a:rPr lang="ko-KR" altLang="en-US" dirty="0" smtClean="0"/>
               <a:t>로그인</a:t>
             </a:r>
+            <a:endParaRPr lang="ko-KR" altLang="en-US" dirty="0"/>
           </a:p>
         </p:txBody>
       </p:sp>
@@ -8190,9 +8376,10 @@
           <a:p>
             <a:pPr algn="ctr"/>
             <a:r>
-              <a:rPr lang="ko-KR" altLang="en-US" dirty="0"/>
+              <a:rPr lang="ko-KR" altLang="en-US" dirty="0" smtClean="0"/>
               <a:t>글쓰기</a:t>
             </a:r>
+            <a:endParaRPr lang="ko-KR" altLang="en-US" dirty="0"/>
           </a:p>
         </p:txBody>
       </p:sp>
@@ -8219,9 +8406,10 @@
           <a:lstStyle/>
           <a:p>
             <a:r>
-              <a:rPr lang="ko-KR" altLang="en-US" dirty="0"/>
+              <a:rPr lang="ko-KR" altLang="en-US" dirty="0" smtClean="0"/>
               <a:t>로그인</a:t>
             </a:r>
+            <a:endParaRPr lang="ko-KR" altLang="en-US" dirty="0"/>
           </a:p>
         </p:txBody>
       </p:sp>
@@ -8260,7 +8448,7 @@
           <a:p>
             <a:pPr algn="ctr"/>
             <a:r>
-              <a:rPr lang="en-US" altLang="ko-KR" dirty="0"/>
+              <a:rPr lang="en-US" altLang="ko-KR" dirty="0" smtClean="0"/>
               <a:t>ID</a:t>
             </a:r>
             <a:endParaRPr lang="ko-KR" altLang="en-US" dirty="0"/>
@@ -8302,7 +8490,7 @@
           <a:p>
             <a:pPr algn="ctr"/>
             <a:r>
-              <a:rPr lang="en-US" altLang="ko-KR" dirty="0"/>
+              <a:rPr lang="en-US" altLang="ko-KR" dirty="0" smtClean="0"/>
               <a:t>PASSWORD</a:t>
             </a:r>
             <a:endParaRPr lang="ko-KR" altLang="en-US" dirty="0"/>
@@ -8372,7 +8560,7 @@
           <a:p>
             <a:pPr algn="ctr"/>
             <a:r>
-              <a:rPr lang="ko-KR" altLang="en-US"/>
+              <a:rPr lang="ko-KR" altLang="en-US" smtClean="0"/>
               <a:t>로그인</a:t>
             </a:r>
             <a:endParaRPr lang="ko-KR" altLang="en-US" dirty="0"/>
@@ -8444,9 +8632,10 @@
           <a:p>
             <a:pPr algn="ctr"/>
             <a:r>
-              <a:rPr lang="ko-KR" altLang="en-US" sz="1200" dirty="0"/>
+              <a:rPr lang="ko-KR" altLang="en-US" sz="1200" dirty="0" smtClean="0"/>
               <a:t>일반 회원가입</a:t>
             </a:r>
+            <a:endParaRPr lang="ko-KR" altLang="en-US" sz="1200" dirty="0"/>
           </a:p>
         </p:txBody>
       </p:sp>
@@ -8485,13 +8674,14 @@
           <a:p>
             <a:pPr algn="ctr"/>
             <a:r>
-              <a:rPr lang="ko-KR" altLang="en-US" sz="1200" dirty="0" err="1"/>
+              <a:rPr lang="ko-KR" altLang="en-US" sz="1200" dirty="0" err="1" smtClean="0"/>
               <a:t>카카오톡</a:t>
             </a:r>
             <a:r>
-              <a:rPr lang="ko-KR" altLang="en-US" sz="1200" dirty="0"/>
+              <a:rPr lang="ko-KR" altLang="en-US" sz="1200" dirty="0" smtClean="0"/>
               <a:t> 간편 회원가입</a:t>
             </a:r>
+            <a:endParaRPr lang="ko-KR" altLang="en-US" sz="1200" dirty="0"/>
           </a:p>
         </p:txBody>
       </p:sp>
@@ -8518,9 +8708,10 @@
           <a:lstStyle/>
           <a:p>
             <a:r>
-              <a:rPr lang="ko-KR" altLang="en-US"/>
+              <a:rPr lang="ko-KR" altLang="en-US" smtClean="0"/>
               <a:t>아이디 찾기 비밀번호 찾기</a:t>
             </a:r>
+            <a:endParaRPr lang="ko-KR" altLang="en-US"/>
           </a:p>
         </p:txBody>
       </p:sp>
@@ -8534,6 +8725,13 @@
   <p:clrMapOvr>
     <a:masterClrMapping/>
   </p:clrMapOvr>
+  <p:timing>
+    <p:tnLst>
+      <p:par>
+        <p:cTn id="1" dur="indefinite" restart="never" nodeType="tmRoot"/>
+      </p:par>
+    </p:tnLst>
+  </p:timing>
 </p:sld>
 </file>
 
@@ -8634,9 +8832,10 @@
           <a:p>
             <a:pPr algn="ctr"/>
             <a:r>
-              <a:rPr lang="ko-KR" altLang="en-US" dirty="0"/>
+              <a:rPr lang="ko-KR" altLang="en-US" dirty="0" smtClean="0"/>
               <a:t>아이콘</a:t>
             </a:r>
+            <a:endParaRPr lang="ko-KR" altLang="en-US" dirty="0"/>
           </a:p>
         </p:txBody>
       </p:sp>
@@ -8675,9 +8874,10 @@
           <a:p>
             <a:pPr algn="ctr"/>
             <a:r>
-              <a:rPr lang="ko-KR" altLang="en-US" dirty="0"/>
+              <a:rPr lang="ko-KR" altLang="en-US" dirty="0" smtClean="0"/>
               <a:t>글쓰기</a:t>
             </a:r>
+            <a:endParaRPr lang="ko-KR" altLang="en-US" dirty="0"/>
           </a:p>
         </p:txBody>
       </p:sp>
@@ -8742,9 +8942,10 @@
           <a:lstStyle/>
           <a:p>
             <a:r>
-              <a:rPr lang="ko-KR" altLang="en-US" dirty="0"/>
+              <a:rPr lang="ko-KR" altLang="en-US" dirty="0" smtClean="0"/>
               <a:t>회원가입</a:t>
             </a:r>
+            <a:endParaRPr lang="ko-KR" altLang="en-US" dirty="0"/>
           </a:p>
         </p:txBody>
       </p:sp>
@@ -8771,9 +8972,10 @@
           <a:lstStyle/>
           <a:p>
             <a:r>
-              <a:rPr lang="ko-KR" altLang="en-US" dirty="0"/>
+              <a:rPr lang="ko-KR" altLang="en-US" dirty="0" smtClean="0"/>
               <a:t>아이디</a:t>
             </a:r>
+            <a:endParaRPr lang="ko-KR" altLang="en-US" dirty="0"/>
           </a:p>
         </p:txBody>
       </p:sp>
@@ -8838,9 +9040,10 @@
           <a:lstStyle/>
           <a:p>
             <a:r>
-              <a:rPr lang="ko-KR" altLang="en-US" dirty="0"/>
+              <a:rPr lang="ko-KR" altLang="en-US" dirty="0" smtClean="0"/>
               <a:t>비밀번호</a:t>
             </a:r>
+            <a:endParaRPr lang="ko-KR" altLang="en-US" dirty="0"/>
           </a:p>
         </p:txBody>
       </p:sp>
@@ -8905,9 +9108,10 @@
           <a:lstStyle/>
           <a:p>
             <a:r>
-              <a:rPr lang="ko-KR" altLang="en-US" dirty="0"/>
+              <a:rPr lang="ko-KR" altLang="en-US" dirty="0" smtClean="0"/>
               <a:t>비밀번호 확인</a:t>
             </a:r>
+            <a:endParaRPr lang="ko-KR" altLang="en-US" dirty="0"/>
           </a:p>
         </p:txBody>
       </p:sp>
@@ -8972,9 +9176,10 @@
           <a:lstStyle/>
           <a:p>
             <a:r>
-              <a:rPr lang="ko-KR" altLang="en-US" dirty="0"/>
+              <a:rPr lang="ko-KR" altLang="en-US" dirty="0" smtClean="0"/>
               <a:t>닉네임</a:t>
             </a:r>
+            <a:endParaRPr lang="ko-KR" altLang="en-US" dirty="0"/>
           </a:p>
         </p:txBody>
       </p:sp>
@@ -9039,9 +9244,10 @@
           <a:lstStyle/>
           <a:p>
             <a:r>
-              <a:rPr lang="ko-KR" altLang="en-US" dirty="0"/>
+              <a:rPr lang="ko-KR" altLang="en-US" dirty="0" smtClean="0"/>
               <a:t>이메일</a:t>
             </a:r>
+            <a:endParaRPr lang="ko-KR" altLang="en-US" dirty="0"/>
           </a:p>
         </p:txBody>
       </p:sp>
@@ -9106,9 +9312,10 @@
           <a:lstStyle/>
           <a:p>
             <a:r>
-              <a:rPr lang="ko-KR" altLang="en-US" dirty="0"/>
+              <a:rPr lang="ko-KR" altLang="en-US" dirty="0" smtClean="0"/>
               <a:t>생년월일</a:t>
             </a:r>
+            <a:endParaRPr lang="ko-KR" altLang="en-US" dirty="0"/>
           </a:p>
         </p:txBody>
       </p:sp>
@@ -9149,9 +9356,10 @@
           <a:p>
             <a:pPr algn="ctr"/>
             <a:r>
-              <a:rPr lang="ko-KR" altLang="en-US" dirty="0"/>
+              <a:rPr lang="ko-KR" altLang="en-US" dirty="0" smtClean="0"/>
               <a:t>회원가입</a:t>
             </a:r>
+            <a:endParaRPr lang="ko-KR" altLang="en-US" dirty="0"/>
           </a:p>
         </p:txBody>
       </p:sp>
@@ -9190,7 +9398,7 @@
           <a:p>
             <a:pPr algn="ctr"/>
             <a:r>
-              <a:rPr lang="ko-KR" altLang="en-US"/>
+              <a:rPr lang="ko-KR" altLang="en-US" smtClean="0"/>
               <a:t>취소</a:t>
             </a:r>
             <a:endParaRPr lang="ko-KR" altLang="en-US" dirty="0"/>
@@ -9234,9 +9442,10 @@
           <a:p>
             <a:pPr algn="ctr"/>
             <a:r>
-              <a:rPr lang="ko-KR" altLang="en-US"/>
+              <a:rPr lang="ko-KR" altLang="en-US" smtClean="0"/>
               <a:t>로그인</a:t>
             </a:r>
+            <a:endParaRPr lang="ko-KR" altLang="en-US"/>
           </a:p>
         </p:txBody>
       </p:sp>
@@ -9250,6 +9459,13 @@
   <p:clrMapOvr>
     <a:masterClrMapping/>
   </p:clrMapOvr>
+  <p:timing>
+    <p:tnLst>
+      <p:par>
+        <p:cTn id="1" dur="indefinite" restart="never" nodeType="tmRoot"/>
+      </p:par>
+    </p:tnLst>
+  </p:timing>
 </p:sld>
 </file>
 
@@ -9350,9 +9566,10 @@
           <a:p>
             <a:pPr algn="ctr"/>
             <a:r>
-              <a:rPr lang="ko-KR" altLang="en-US" dirty="0"/>
+              <a:rPr lang="ko-KR" altLang="en-US" dirty="0" smtClean="0"/>
               <a:t>아이콘</a:t>
             </a:r>
+            <a:endParaRPr lang="ko-KR" altLang="en-US" dirty="0"/>
           </a:p>
         </p:txBody>
       </p:sp>
@@ -9391,9 +9608,10 @@
           <a:p>
             <a:pPr algn="ctr"/>
             <a:r>
-              <a:rPr lang="ko-KR" altLang="en-US" dirty="0"/>
+              <a:rPr lang="ko-KR" altLang="en-US" dirty="0" smtClean="0"/>
               <a:t>글쓰기</a:t>
             </a:r>
+            <a:endParaRPr lang="ko-KR" altLang="en-US" dirty="0"/>
           </a:p>
         </p:txBody>
       </p:sp>
@@ -9458,9 +9676,10 @@
           <a:lstStyle/>
           <a:p>
             <a:r>
-              <a:rPr lang="ko-KR" altLang="en-US" dirty="0"/>
+              <a:rPr lang="ko-KR" altLang="en-US" dirty="0" smtClean="0"/>
               <a:t>회원가입</a:t>
             </a:r>
+            <a:endParaRPr lang="ko-KR" altLang="en-US" dirty="0"/>
           </a:p>
         </p:txBody>
       </p:sp>
@@ -9487,9 +9706,10 @@
           <a:lstStyle/>
           <a:p>
             <a:r>
-              <a:rPr lang="ko-KR" altLang="en-US" dirty="0"/>
+              <a:rPr lang="ko-KR" altLang="en-US" dirty="0" smtClean="0"/>
               <a:t>아이디</a:t>
             </a:r>
+            <a:endParaRPr lang="ko-KR" altLang="en-US" dirty="0"/>
           </a:p>
         </p:txBody>
       </p:sp>
@@ -9554,9 +9774,10 @@
           <a:lstStyle/>
           <a:p>
             <a:r>
-              <a:rPr lang="ko-KR" altLang="en-US" dirty="0"/>
+              <a:rPr lang="ko-KR" altLang="en-US" dirty="0" smtClean="0"/>
               <a:t>비밀번호</a:t>
             </a:r>
+            <a:endParaRPr lang="ko-KR" altLang="en-US" dirty="0"/>
           </a:p>
         </p:txBody>
       </p:sp>
@@ -9597,9 +9818,10 @@
           <a:p>
             <a:pPr algn="ctr"/>
             <a:r>
-              <a:rPr lang="ko-KR" altLang="en-US" dirty="0"/>
+              <a:rPr lang="ko-KR" altLang="en-US" dirty="0" smtClean="0"/>
               <a:t>회원가입</a:t>
             </a:r>
+            <a:endParaRPr lang="ko-KR" altLang="en-US" dirty="0"/>
           </a:p>
         </p:txBody>
       </p:sp>
@@ -9638,9 +9860,10 @@
           <a:p>
             <a:pPr algn="ctr"/>
             <a:r>
-              <a:rPr lang="ko-KR" altLang="en-US" dirty="0"/>
+              <a:rPr lang="ko-KR" altLang="en-US" dirty="0" smtClean="0"/>
               <a:t>취소</a:t>
             </a:r>
+            <a:endParaRPr lang="ko-KR" altLang="en-US" dirty="0"/>
           </a:p>
         </p:txBody>
       </p:sp>
@@ -9681,9 +9904,10 @@
           <a:p>
             <a:pPr algn="ctr"/>
             <a:r>
-              <a:rPr lang="ko-KR" altLang="en-US"/>
+              <a:rPr lang="ko-KR" altLang="en-US" smtClean="0"/>
               <a:t>로그인</a:t>
             </a:r>
+            <a:endParaRPr lang="ko-KR" altLang="en-US"/>
           </a:p>
         </p:txBody>
       </p:sp>
@@ -9748,9 +9972,10 @@
           <a:lstStyle/>
           <a:p>
             <a:r>
-              <a:rPr lang="ko-KR" altLang="en-US" dirty="0"/>
+              <a:rPr lang="ko-KR" altLang="en-US" dirty="0" smtClean="0"/>
               <a:t>비밀번호 확인</a:t>
             </a:r>
+            <a:endParaRPr lang="ko-KR" altLang="en-US" dirty="0"/>
           </a:p>
         </p:txBody>
       </p:sp>
@@ -9764,6 +9989,13 @@
   <p:clrMapOvr>
     <a:masterClrMapping/>
   </p:clrMapOvr>
+  <p:timing>
+    <p:tnLst>
+      <p:par>
+        <p:cTn id="1" dur="indefinite" restart="never" nodeType="tmRoot"/>
+      </p:par>
+    </p:tnLst>
+  </p:timing>
 </p:sld>
 </file>
 
@@ -9864,9 +10096,10 @@
           <a:p>
             <a:pPr algn="ctr"/>
             <a:r>
-              <a:rPr lang="ko-KR" altLang="en-US" dirty="0"/>
+              <a:rPr lang="ko-KR" altLang="en-US" dirty="0" smtClean="0"/>
               <a:t>아이콘</a:t>
             </a:r>
+            <a:endParaRPr lang="ko-KR" altLang="en-US" dirty="0"/>
           </a:p>
         </p:txBody>
       </p:sp>
@@ -9907,9 +10140,10 @@
           <a:p>
             <a:pPr algn="ctr"/>
             <a:r>
-              <a:rPr lang="ko-KR" altLang="en-US" sz="1200" dirty="0"/>
+              <a:rPr lang="ko-KR" altLang="en-US" sz="1200" dirty="0" smtClean="0"/>
               <a:t>로그아웃</a:t>
             </a:r>
+            <a:endParaRPr lang="ko-KR" altLang="en-US" sz="1200" dirty="0"/>
           </a:p>
         </p:txBody>
       </p:sp>
@@ -10433,9 +10667,10 @@
           <a:p>
             <a:pPr algn="ctr"/>
             <a:r>
-              <a:rPr lang="ko-KR" altLang="en-US" sz="1200" dirty="0"/>
+              <a:rPr lang="ko-KR" altLang="en-US" sz="1200" dirty="0" smtClean="0"/>
               <a:t>관리자</a:t>
             </a:r>
+            <a:endParaRPr lang="ko-KR" altLang="en-US" sz="1200" dirty="0"/>
           </a:p>
         </p:txBody>
       </p:sp>
@@ -10592,9 +10827,10 @@
           <a:p>
             <a:pPr algn="ctr"/>
             <a:r>
-              <a:rPr lang="ko-KR" altLang="en-US" sz="1200" dirty="0"/>
+              <a:rPr lang="ko-KR" altLang="en-US" sz="1200" dirty="0" smtClean="0"/>
               <a:t>김태민</a:t>
             </a:r>
+            <a:endParaRPr lang="ko-KR" altLang="en-US" sz="1200" dirty="0"/>
           </a:p>
         </p:txBody>
       </p:sp>
@@ -10751,9 +10987,10 @@
           <a:p>
             <a:pPr algn="ctr"/>
             <a:r>
-              <a:rPr lang="ko-KR" altLang="en-US" sz="1200" dirty="0"/>
+              <a:rPr lang="ko-KR" altLang="en-US" sz="1200" dirty="0" smtClean="0"/>
               <a:t>김태민</a:t>
             </a:r>
+            <a:endParaRPr lang="ko-KR" altLang="en-US" sz="1200" dirty="0"/>
           </a:p>
         </p:txBody>
       </p:sp>
@@ -10910,9 +11147,10 @@
           <a:p>
             <a:pPr algn="ctr"/>
             <a:r>
-              <a:rPr lang="ko-KR" altLang="en-US" sz="1200" dirty="0"/>
+              <a:rPr lang="ko-KR" altLang="en-US" sz="1200" dirty="0" smtClean="0"/>
               <a:t>김태민</a:t>
             </a:r>
+            <a:endParaRPr lang="ko-KR" altLang="en-US" sz="1200" dirty="0"/>
           </a:p>
         </p:txBody>
       </p:sp>
@@ -11031,9 +11269,10 @@
           <a:p>
             <a:pPr algn="ctr"/>
             <a:r>
-              <a:rPr lang="ko-KR" altLang="en-US" sz="800" dirty="0"/>
+              <a:rPr lang="ko-KR" altLang="en-US" sz="800" dirty="0" smtClean="0"/>
               <a:t>좋아요</a:t>
             </a:r>
+            <a:endParaRPr lang="ko-KR" altLang="en-US" sz="800" dirty="0"/>
           </a:p>
         </p:txBody>
       </p:sp>
@@ -11060,21 +11299,22 @@
           <a:lstStyle/>
           <a:p>
             <a:r>
-              <a:rPr lang="en-US" altLang="ko-KR" sz="1200" dirty="0"/>
+              <a:rPr lang="en-US" altLang="ko-KR" sz="1200" dirty="0" smtClean="0"/>
               <a:t># </a:t>
             </a:r>
             <a:r>
-              <a:rPr lang="ko-KR" altLang="en-US" sz="1200" dirty="0"/>
+              <a:rPr lang="ko-KR" altLang="en-US" sz="1200" dirty="0" smtClean="0"/>
               <a:t>제주도 </a:t>
             </a:r>
             <a:r>
-              <a:rPr lang="en-US" altLang="ko-KR" sz="1200" dirty="0"/>
+              <a:rPr lang="en-US" altLang="ko-KR" sz="1200" dirty="0" smtClean="0"/>
               <a:t>#</a:t>
             </a:r>
             <a:r>
-              <a:rPr lang="ko-KR" altLang="en-US" sz="1200" dirty="0"/>
+              <a:rPr lang="ko-KR" altLang="en-US" sz="1200" dirty="0" smtClean="0"/>
               <a:t>여행</a:t>
             </a:r>
+            <a:endParaRPr lang="ko-KR" altLang="en-US" sz="1200" dirty="0"/>
           </a:p>
         </p:txBody>
       </p:sp>
@@ -11101,21 +11341,22 @@
           <a:lstStyle/>
           <a:p>
             <a:r>
-              <a:rPr lang="en-US" altLang="ko-KR" sz="1200" dirty="0"/>
+              <a:rPr lang="en-US" altLang="ko-KR" sz="1200" dirty="0" smtClean="0"/>
               <a:t># </a:t>
             </a:r>
             <a:r>
-              <a:rPr lang="ko-KR" altLang="en-US" sz="1200" dirty="0"/>
+              <a:rPr lang="ko-KR" altLang="en-US" sz="1200" dirty="0" smtClean="0"/>
               <a:t>제주도 </a:t>
             </a:r>
             <a:r>
-              <a:rPr lang="en-US" altLang="ko-KR" sz="1200" dirty="0"/>
+              <a:rPr lang="en-US" altLang="ko-KR" sz="1200" dirty="0" smtClean="0"/>
               <a:t>#</a:t>
             </a:r>
             <a:r>
-              <a:rPr lang="ko-KR" altLang="en-US" sz="1200" dirty="0"/>
+              <a:rPr lang="ko-KR" altLang="en-US" sz="1200" dirty="0" smtClean="0"/>
               <a:t>여행</a:t>
             </a:r>
+            <a:endParaRPr lang="ko-KR" altLang="en-US" sz="1200" dirty="0"/>
           </a:p>
         </p:txBody>
       </p:sp>
@@ -11142,21 +11383,22 @@
           <a:lstStyle/>
           <a:p>
             <a:r>
-              <a:rPr lang="en-US" altLang="ko-KR" sz="1200" dirty="0"/>
+              <a:rPr lang="en-US" altLang="ko-KR" sz="1200" dirty="0" smtClean="0"/>
               <a:t># </a:t>
             </a:r>
             <a:r>
-              <a:rPr lang="ko-KR" altLang="en-US" sz="1200" dirty="0"/>
+              <a:rPr lang="ko-KR" altLang="en-US" sz="1200" dirty="0" smtClean="0"/>
               <a:t>제주도 </a:t>
             </a:r>
             <a:r>
-              <a:rPr lang="en-US" altLang="ko-KR" sz="1200" dirty="0"/>
+              <a:rPr lang="en-US" altLang="ko-KR" sz="1200" dirty="0" smtClean="0"/>
               <a:t>#</a:t>
             </a:r>
             <a:r>
-              <a:rPr lang="ko-KR" altLang="en-US" sz="1200" dirty="0"/>
+              <a:rPr lang="ko-KR" altLang="en-US" sz="1200" dirty="0" smtClean="0"/>
               <a:t>여행</a:t>
             </a:r>
+            <a:endParaRPr lang="ko-KR" altLang="en-US" sz="1200" dirty="0"/>
           </a:p>
         </p:txBody>
       </p:sp>
@@ -11195,9 +11437,10 @@
           <a:p>
             <a:pPr algn="ctr"/>
             <a:r>
-              <a:rPr lang="ko-KR" altLang="en-US" sz="800" dirty="0"/>
+              <a:rPr lang="ko-KR" altLang="en-US" sz="800" dirty="0" smtClean="0"/>
               <a:t>좋아요</a:t>
             </a:r>
+            <a:endParaRPr lang="ko-KR" altLang="en-US" sz="800" dirty="0"/>
           </a:p>
         </p:txBody>
       </p:sp>
@@ -11236,9 +11479,10 @@
           <a:p>
             <a:pPr algn="ctr"/>
             <a:r>
-              <a:rPr lang="ko-KR" altLang="en-US" sz="800" dirty="0"/>
+              <a:rPr lang="ko-KR" altLang="en-US" sz="800" dirty="0" smtClean="0"/>
               <a:t>좋아요</a:t>
             </a:r>
+            <a:endParaRPr lang="ko-KR" altLang="en-US" sz="800" dirty="0"/>
           </a:p>
         </p:txBody>
       </p:sp>
@@ -11277,13 +11521,14 @@
           <a:p>
             <a:pPr algn="ctr"/>
             <a:r>
-              <a:rPr lang="ko-KR" altLang="en-US"/>
+              <a:rPr lang="ko-KR" altLang="en-US" smtClean="0"/>
               <a:t>찜한</a:t>
             </a:r>
             <a:r>
-              <a:rPr lang="ko-KR" altLang="en-US" dirty="0"/>
+              <a:rPr lang="ko-KR" altLang="en-US" dirty="0" smtClean="0"/>
               <a:t> 게시물</a:t>
             </a:r>
+            <a:endParaRPr lang="ko-KR" altLang="en-US" dirty="0"/>
           </a:p>
         </p:txBody>
       </p:sp>
@@ -11322,9 +11567,10 @@
           <a:p>
             <a:pPr algn="ctr"/>
             <a:r>
-              <a:rPr lang="ko-KR" altLang="en-US" dirty="0"/>
+              <a:rPr lang="ko-KR" altLang="en-US" dirty="0" smtClean="0"/>
               <a:t>글쓰기</a:t>
             </a:r>
+            <a:endParaRPr lang="ko-KR" altLang="en-US" dirty="0"/>
           </a:p>
         </p:txBody>
       </p:sp>
@@ -11363,9 +11609,10 @@
           <a:p>
             <a:pPr algn="ctr"/>
             <a:r>
-              <a:rPr lang="ko-KR" altLang="en-US" sz="1200" dirty="0"/>
+              <a:rPr lang="ko-KR" altLang="en-US" sz="1200" dirty="0" smtClean="0"/>
               <a:t>관리자 페이지</a:t>
             </a:r>
+            <a:endParaRPr lang="ko-KR" altLang="en-US" sz="1200" dirty="0"/>
           </a:p>
         </p:txBody>
       </p:sp>
@@ -11484,13 +11731,14 @@
           <a:p>
             <a:pPr algn="ctr"/>
             <a:r>
-              <a:rPr lang="en-US" altLang="ko-KR" dirty="0"/>
+              <a:rPr lang="en-US" altLang="ko-KR" dirty="0" smtClean="0"/>
               <a:t>1:1 </a:t>
             </a:r>
             <a:r>
-              <a:rPr lang="ko-KR" altLang="en-US" dirty="0"/>
+              <a:rPr lang="ko-KR" altLang="en-US" dirty="0" smtClean="0"/>
               <a:t>채팅</a:t>
             </a:r>
+            <a:endParaRPr lang="ko-KR" altLang="en-US" dirty="0"/>
           </a:p>
         </p:txBody>
       </p:sp>
@@ -11531,7 +11779,7 @@
           <a:p>
             <a:pPr algn="ctr"/>
             <a:r>
-              <a:rPr lang="ko-KR" altLang="en-US"/>
+              <a:rPr lang="ko-KR" altLang="en-US" smtClean="0"/>
               <a:t>다크모드</a:t>
             </a:r>
             <a:endParaRPr lang="ko-KR" altLang="en-US" dirty="0"/>
@@ -11594,9 +11842,10 @@
           <a:lstStyle/>
           <a:p>
             <a:r>
-              <a:rPr lang="ko-KR" altLang="en-US"/>
+              <a:rPr lang="ko-KR" altLang="en-US" smtClean="0"/>
               <a:t>관리자 페이지 이동</a:t>
             </a:r>
+            <a:endParaRPr lang="ko-KR" altLang="en-US"/>
           </a:p>
         </p:txBody>
       </p:sp>
@@ -11610,6 +11859,13 @@
   <p:clrMapOvr>
     <a:masterClrMapping/>
   </p:clrMapOvr>
+  <p:timing>
+    <p:tnLst>
+      <p:par>
+        <p:cTn id="1" dur="indefinite" restart="never" nodeType="tmRoot"/>
+      </p:par>
+    </p:tnLst>
+  </p:timing>
 </p:sld>
 </file>
 
@@ -11710,9 +11966,10 @@
           <a:p>
             <a:pPr algn="ctr"/>
             <a:r>
-              <a:rPr lang="ko-KR" altLang="en-US" dirty="0"/>
+              <a:rPr lang="ko-KR" altLang="en-US" dirty="0" smtClean="0"/>
               <a:t>아이콘</a:t>
             </a:r>
+            <a:endParaRPr lang="ko-KR" altLang="en-US" dirty="0"/>
           </a:p>
         </p:txBody>
       </p:sp>
@@ -11753,9 +12010,10 @@
           <a:p>
             <a:pPr algn="ctr"/>
             <a:r>
-              <a:rPr lang="ko-KR" altLang="en-US" sz="1200" dirty="0"/>
+              <a:rPr lang="ko-KR" altLang="en-US" sz="1200" dirty="0" smtClean="0"/>
               <a:t>로그아웃</a:t>
             </a:r>
+            <a:endParaRPr lang="ko-KR" altLang="en-US" sz="1200" dirty="0"/>
           </a:p>
         </p:txBody>
       </p:sp>
@@ -11794,13 +12052,14 @@
           <a:p>
             <a:pPr algn="ctr"/>
             <a:r>
-              <a:rPr lang="ko-KR" altLang="en-US"/>
+              <a:rPr lang="ko-KR" altLang="en-US" smtClean="0"/>
               <a:t>찜한</a:t>
             </a:r>
             <a:r>
-              <a:rPr lang="ko-KR" altLang="en-US" dirty="0"/>
+              <a:rPr lang="ko-KR" altLang="en-US" dirty="0" smtClean="0"/>
               <a:t> 게시물</a:t>
             </a:r>
+            <a:endParaRPr lang="ko-KR" altLang="en-US" dirty="0"/>
           </a:p>
         </p:txBody>
       </p:sp>
@@ -11839,9 +12098,10 @@
           <a:p>
             <a:pPr algn="ctr"/>
             <a:r>
-              <a:rPr lang="ko-KR" altLang="en-US" dirty="0"/>
+              <a:rPr lang="ko-KR" altLang="en-US" dirty="0" smtClean="0"/>
               <a:t>글쓰기</a:t>
             </a:r>
+            <a:endParaRPr lang="ko-KR" altLang="en-US" dirty="0"/>
           </a:p>
         </p:txBody>
       </p:sp>
@@ -11898,11 +12158,11 @@
           <a:lstStyle/>
           <a:p>
             <a:r>
-              <a:rPr lang="ko-KR" altLang="en-US" dirty="0"/>
+              <a:rPr lang="ko-KR" altLang="en-US" dirty="0" smtClean="0"/>
               <a:t>신고된 </a:t>
             </a:r>
             <a:r>
-              <a:rPr lang="ko-KR" altLang="en-US" dirty="0" err="1"/>
+              <a:rPr lang="ko-KR" altLang="en-US" dirty="0" err="1" smtClean="0"/>
               <a:t>게시글</a:t>
             </a:r>
             <a:endParaRPr lang="ko-KR" altLang="en-US" dirty="0"/>
@@ -11952,7 +12212,7 @@
           <a:p>
             <a:pPr algn="ctr"/>
             <a:r>
-              <a:rPr lang="ko-KR" altLang="en-US">
+              <a:rPr lang="ko-KR" altLang="en-US" smtClean="0">
                 <a:solidFill>
                   <a:schemeClr val="tx1"/>
                 </a:solidFill>
@@ -12040,9 +12300,10 @@
           <a:p>
             <a:pPr algn="ctr"/>
             <a:r>
-              <a:rPr lang="ko-KR" altLang="en-US" sz="1200" dirty="0"/>
+              <a:rPr lang="ko-KR" altLang="en-US" sz="1200" dirty="0" smtClean="0"/>
               <a:t>김태민</a:t>
             </a:r>
+            <a:endParaRPr lang="ko-KR" altLang="en-US" sz="1200" dirty="0"/>
           </a:p>
         </p:txBody>
       </p:sp>
@@ -12161,7 +12422,7 @@
           <a:p>
             <a:pPr algn="ctr"/>
             <a:r>
-              <a:rPr lang="ko-KR" altLang="en-US" sz="1200" dirty="0" err="1"/>
+              <a:rPr lang="ko-KR" altLang="en-US" sz="1200" dirty="0" err="1" smtClean="0"/>
               <a:t>내정보</a:t>
             </a:r>
             <a:endParaRPr lang="ko-KR" altLang="en-US" sz="1200" dirty="0"/>
@@ -12170,13 +12431,13 @@
       </p:sp>
       <p:sp>
         <p:nvSpPr>
-          <p:cNvPr id="46" name="TextBox 45"/>
+          <p:cNvPr id="41" name="TextBox 40"/>
           <p:cNvSpPr txBox="1"/>
           <p:nvPr/>
         </p:nvSpPr>
         <p:spPr>
           <a:xfrm>
-            <a:off x="5152364" y="663696"/>
+            <a:off x="5100892" y="672799"/>
             <a:ext cx="1420582" cy="369332"/>
           </a:xfrm>
           <a:prstGeom prst="rect">
@@ -12191,38 +12452,10 @@
           <a:lstStyle/>
           <a:p>
             <a:r>
-              <a:rPr lang="ko-KR" altLang="en-US" dirty="0"/>
-              <a:t>신고된 회원</a:t>
-            </a:r>
-          </a:p>
-        </p:txBody>
-      </p:sp>
-      <p:sp>
-        <p:nvSpPr>
-          <p:cNvPr id="41" name="TextBox 40"/>
-          <p:cNvSpPr txBox="1"/>
-          <p:nvPr/>
-        </p:nvSpPr>
-        <p:spPr>
-          <a:xfrm>
-            <a:off x="6656134" y="661800"/>
-            <a:ext cx="1420582" cy="369332"/>
-          </a:xfrm>
-          <a:prstGeom prst="rect">
-            <a:avLst/>
-          </a:prstGeom>
-          <a:noFill/>
-        </p:spPr>
-        <p:txBody>
-          <a:bodyPr wrap="none" rtlCol="0">
-            <a:spAutoFit/>
-          </a:bodyPr>
-          <a:lstStyle/>
-          <a:p>
-            <a:r>
-              <a:rPr lang="ko-KR" altLang="en-US" dirty="0"/>
+              <a:rPr lang="ko-KR" altLang="en-US" dirty="0" smtClean="0"/>
               <a:t>신고된 댓글</a:t>
             </a:r>
+            <a:endParaRPr lang="ko-KR" altLang="en-US" dirty="0"/>
           </a:p>
         </p:txBody>
       </p:sp>
@@ -12261,9 +12494,10 @@
           <a:p>
             <a:pPr algn="ctr"/>
             <a:r>
-              <a:rPr lang="ko-KR" altLang="en-US" dirty="0"/>
+              <a:rPr lang="ko-KR" altLang="en-US" dirty="0" smtClean="0"/>
               <a:t>회원 검색</a:t>
             </a:r>
+            <a:endParaRPr lang="ko-KR" altLang="en-US" dirty="0"/>
           </a:p>
         </p:txBody>
       </p:sp>
@@ -12910,7 +13144,7 @@
           <a:p>
             <a:pPr algn="ctr"/>
             <a:r>
-              <a:rPr lang="en-US" altLang="ko-KR" dirty="0"/>
+              <a:rPr lang="en-US" altLang="ko-KR" dirty="0" smtClean="0"/>
               <a:t>1</a:t>
             </a:r>
             <a:endParaRPr lang="ko-KR" altLang="en-US" dirty="0"/>
@@ -12952,7 +13186,7 @@
           <a:p>
             <a:pPr algn="ctr"/>
             <a:r>
-              <a:rPr lang="en-US" altLang="ko-KR" dirty="0"/>
+              <a:rPr lang="en-US" altLang="ko-KR" dirty="0" smtClean="0"/>
               <a:t>2</a:t>
             </a:r>
             <a:endParaRPr lang="ko-KR" altLang="en-US" dirty="0"/>
@@ -12994,7 +13228,7 @@
           <a:p>
             <a:pPr algn="ctr"/>
             <a:r>
-              <a:rPr lang="en-US" altLang="ko-KR" dirty="0"/>
+              <a:rPr lang="en-US" altLang="ko-KR" dirty="0" smtClean="0"/>
               <a:t>4</a:t>
             </a:r>
             <a:endParaRPr lang="ko-KR" altLang="en-US" dirty="0"/>
@@ -13036,7 +13270,7 @@
           <a:p>
             <a:pPr algn="ctr"/>
             <a:r>
-              <a:rPr lang="en-US" altLang="ko-KR" dirty="0"/>
+              <a:rPr lang="en-US" altLang="ko-KR" dirty="0" smtClean="0"/>
               <a:t>3</a:t>
             </a:r>
             <a:endParaRPr lang="ko-KR" altLang="en-US" dirty="0"/>
@@ -13053,6 +13287,594 @@
   <p:clrMapOvr>
     <a:masterClrMapping/>
   </p:clrMapOvr>
+  <p:timing>
+    <p:tnLst>
+      <p:par>
+        <p:cTn id="1" dur="indefinite" restart="never" nodeType="tmRoot"/>
+      </p:par>
+    </p:tnLst>
+  </p:timing>
+</p:sld>
+</file>
+
+<file path=ppt/slides/slide18.xml><?xml version="1.0" encoding="utf-8"?>
+<p:sld xmlns:a="http://schemas.openxmlformats.org/drawingml/2006/main" xmlns:r="http://schemas.openxmlformats.org/officeDocument/2006/relationships" xmlns:p="http://schemas.openxmlformats.org/presentationml/2006/main">
+  <p:cSld>
+    <p:spTree>
+      <p:nvGrpSpPr>
+        <p:cNvPr id="1" name=""/>
+        <p:cNvGrpSpPr/>
+        <p:nvPr/>
+      </p:nvGrpSpPr>
+      <p:grpSpPr>
+        <a:xfrm>
+          <a:off x="0" y="0"/>
+          <a:ext cx="0" cy="0"/>
+          <a:chOff x="0" y="0"/>
+          <a:chExt cx="0" cy="0"/>
+        </a:xfrm>
+      </p:grpSpPr>
+      <p:sp>
+        <p:nvSpPr>
+          <p:cNvPr id="4" name="모서리가 둥근 직사각형 3"/>
+          <p:cNvSpPr/>
+          <p:nvPr/>
+        </p:nvSpPr>
+        <p:spPr>
+          <a:xfrm>
+            <a:off x="0" y="0"/>
+            <a:ext cx="12192000" cy="656705"/>
+          </a:xfrm>
+          <a:prstGeom prst="roundRect">
+            <a:avLst/>
+          </a:prstGeom>
+          <a:solidFill>
+            <a:schemeClr val="bg1"/>
+          </a:solidFill>
+        </p:spPr>
+        <p:style>
+          <a:lnRef idx="2">
+            <a:schemeClr val="accent1">
+              <a:shade val="50000"/>
+            </a:schemeClr>
+          </a:lnRef>
+          <a:fillRef idx="1">
+            <a:schemeClr val="accent1"/>
+          </a:fillRef>
+          <a:effectRef idx="0">
+            <a:schemeClr val="accent1"/>
+          </a:effectRef>
+          <a:fontRef idx="minor">
+            <a:schemeClr val="lt1"/>
+          </a:fontRef>
+        </p:style>
+        <p:txBody>
+          <a:bodyPr rtlCol="0" anchor="ctr"/>
+          <a:lstStyle/>
+          <a:p>
+            <a:pPr algn="ctr"/>
+            <a:endParaRPr lang="ko-KR" altLang="en-US"/>
+          </a:p>
+        </p:txBody>
+      </p:sp>
+      <p:sp>
+        <p:nvSpPr>
+          <p:cNvPr id="7" name="모서리가 둥근 직사각형 6"/>
+          <p:cNvSpPr/>
+          <p:nvPr/>
+        </p:nvSpPr>
+        <p:spPr>
+          <a:xfrm>
+            <a:off x="11244349" y="169020"/>
+            <a:ext cx="858983" cy="307571"/>
+          </a:xfrm>
+          <a:prstGeom prst="roundRect">
+            <a:avLst/>
+          </a:prstGeom>
+        </p:spPr>
+        <p:style>
+          <a:lnRef idx="2">
+            <a:schemeClr val="accent1">
+              <a:shade val="50000"/>
+            </a:schemeClr>
+          </a:lnRef>
+          <a:fillRef idx="1">
+            <a:schemeClr val="accent1"/>
+          </a:fillRef>
+          <a:effectRef idx="0">
+            <a:schemeClr val="accent1"/>
+          </a:effectRef>
+          <a:fontRef idx="minor">
+            <a:schemeClr val="lt1"/>
+          </a:fontRef>
+        </p:style>
+        <p:txBody>
+          <a:bodyPr rtlCol="0" anchor="ctr"/>
+          <a:lstStyle/>
+          <a:p>
+            <a:pPr algn="ctr"/>
+            <a:r>
+              <a:rPr lang="ko-KR" altLang="en-US" sz="1200" dirty="0" smtClean="0"/>
+              <a:t>로그아웃</a:t>
+            </a:r>
+            <a:endParaRPr lang="ko-KR" altLang="en-US" sz="1200" dirty="0"/>
+          </a:p>
+        </p:txBody>
+      </p:sp>
+      <p:cxnSp>
+        <p:nvCxnSpPr>
+          <p:cNvPr id="8" name="직선 연결선 7"/>
+          <p:cNvCxnSpPr/>
+          <p:nvPr/>
+        </p:nvCxnSpPr>
+        <p:spPr>
+          <a:xfrm>
+            <a:off x="0" y="1021404"/>
+            <a:ext cx="12192000" cy="9728"/>
+          </a:xfrm>
+          <a:prstGeom prst="line">
+            <a:avLst/>
+          </a:prstGeom>
+        </p:spPr>
+        <p:style>
+          <a:lnRef idx="1">
+            <a:schemeClr val="accent1"/>
+          </a:lnRef>
+          <a:fillRef idx="0">
+            <a:schemeClr val="accent1"/>
+          </a:fillRef>
+          <a:effectRef idx="0">
+            <a:schemeClr val="accent1"/>
+          </a:effectRef>
+          <a:fontRef idx="minor">
+            <a:schemeClr val="tx1"/>
+          </a:fontRef>
+        </p:style>
+      </p:cxnSp>
+      <p:sp>
+        <p:nvSpPr>
+          <p:cNvPr id="39" name="다이아몬드 38"/>
+          <p:cNvSpPr/>
+          <p:nvPr/>
+        </p:nvSpPr>
+        <p:spPr>
+          <a:xfrm>
+            <a:off x="3699163" y="2044929"/>
+            <a:ext cx="2820786" cy="831273"/>
+          </a:xfrm>
+          <a:prstGeom prst="diamond">
+            <a:avLst/>
+          </a:prstGeom>
+        </p:spPr>
+        <p:style>
+          <a:lnRef idx="2">
+            <a:schemeClr val="accent1">
+              <a:shade val="50000"/>
+            </a:schemeClr>
+          </a:lnRef>
+          <a:fillRef idx="1">
+            <a:schemeClr val="accent1"/>
+          </a:fillRef>
+          <a:effectRef idx="0">
+            <a:schemeClr val="accent1"/>
+          </a:effectRef>
+          <a:fontRef idx="minor">
+            <a:schemeClr val="lt1"/>
+          </a:fontRef>
+        </p:style>
+        <p:txBody>
+          <a:bodyPr rtlCol="0" anchor="ctr"/>
+          <a:lstStyle/>
+          <a:p>
+            <a:pPr algn="ctr"/>
+            <a:r>
+              <a:rPr lang="ko-KR" altLang="en-US" dirty="0" smtClean="0"/>
+              <a:t>지역</a:t>
+            </a:r>
+            <a:endParaRPr lang="ko-KR" altLang="en-US" dirty="0"/>
+          </a:p>
+        </p:txBody>
+      </p:sp>
+      <p:sp>
+        <p:nvSpPr>
+          <p:cNvPr id="42" name="다이아몬드 41"/>
+          <p:cNvSpPr/>
+          <p:nvPr/>
+        </p:nvSpPr>
+        <p:spPr>
+          <a:xfrm>
+            <a:off x="3699163" y="3128358"/>
+            <a:ext cx="2820786" cy="831273"/>
+          </a:xfrm>
+          <a:prstGeom prst="diamond">
+            <a:avLst/>
+          </a:prstGeom>
+        </p:spPr>
+        <p:style>
+          <a:lnRef idx="2">
+            <a:schemeClr val="accent1">
+              <a:shade val="50000"/>
+            </a:schemeClr>
+          </a:lnRef>
+          <a:fillRef idx="1">
+            <a:schemeClr val="accent1"/>
+          </a:fillRef>
+          <a:effectRef idx="0">
+            <a:schemeClr val="accent1"/>
+          </a:effectRef>
+          <a:fontRef idx="minor">
+            <a:schemeClr val="lt1"/>
+          </a:fontRef>
+        </p:style>
+        <p:txBody>
+          <a:bodyPr rtlCol="0" anchor="ctr"/>
+          <a:lstStyle/>
+          <a:p>
+            <a:pPr algn="ctr"/>
+            <a:r>
+              <a:rPr lang="ko-KR" altLang="en-US" dirty="0" smtClean="0"/>
+              <a:t>날짜</a:t>
+            </a:r>
+            <a:endParaRPr lang="ko-KR" altLang="en-US" dirty="0"/>
+          </a:p>
+        </p:txBody>
+      </p:sp>
+      <p:sp>
+        <p:nvSpPr>
+          <p:cNvPr id="18" name="직사각형 17"/>
+          <p:cNvSpPr/>
+          <p:nvPr/>
+        </p:nvSpPr>
+        <p:spPr>
+          <a:xfrm>
+            <a:off x="3584172" y="5763492"/>
+            <a:ext cx="1920240" cy="955964"/>
+          </a:xfrm>
+          <a:prstGeom prst="rect">
+            <a:avLst/>
+          </a:prstGeom>
+        </p:spPr>
+        <p:style>
+          <a:lnRef idx="2">
+            <a:schemeClr val="accent1">
+              <a:shade val="50000"/>
+            </a:schemeClr>
+          </a:lnRef>
+          <a:fillRef idx="1">
+            <a:schemeClr val="accent1"/>
+          </a:fillRef>
+          <a:effectRef idx="0">
+            <a:schemeClr val="accent1"/>
+          </a:effectRef>
+          <a:fontRef idx="minor">
+            <a:schemeClr val="lt1"/>
+          </a:fontRef>
+        </p:style>
+        <p:txBody>
+          <a:bodyPr rtlCol="0" anchor="ctr"/>
+          <a:lstStyle/>
+          <a:p>
+            <a:pPr algn="ctr"/>
+            <a:r>
+              <a:rPr lang="ko-KR" altLang="en-US" dirty="0" smtClean="0"/>
+              <a:t>지역</a:t>
+            </a:r>
+            <a:endParaRPr lang="ko-KR" altLang="en-US" dirty="0"/>
+          </a:p>
+        </p:txBody>
+      </p:sp>
+      <p:sp>
+        <p:nvSpPr>
+          <p:cNvPr id="66" name="직사각형 65"/>
+          <p:cNvSpPr/>
+          <p:nvPr/>
+        </p:nvSpPr>
+        <p:spPr>
+          <a:xfrm>
+            <a:off x="467244" y="3897600"/>
+            <a:ext cx="1920240" cy="955964"/>
+          </a:xfrm>
+          <a:prstGeom prst="rect">
+            <a:avLst/>
+          </a:prstGeom>
+        </p:spPr>
+        <p:style>
+          <a:lnRef idx="2">
+            <a:schemeClr val="accent1">
+              <a:shade val="50000"/>
+            </a:schemeClr>
+          </a:lnRef>
+          <a:fillRef idx="1">
+            <a:schemeClr val="accent1"/>
+          </a:fillRef>
+          <a:effectRef idx="0">
+            <a:schemeClr val="accent1"/>
+          </a:effectRef>
+          <a:fontRef idx="minor">
+            <a:schemeClr val="lt1"/>
+          </a:fontRef>
+        </p:style>
+        <p:txBody>
+          <a:bodyPr rtlCol="0" anchor="ctr"/>
+          <a:lstStyle/>
+          <a:p>
+            <a:pPr algn="ctr"/>
+            <a:r>
+              <a:rPr lang="ko-KR" altLang="en-US" dirty="0" smtClean="0"/>
+              <a:t>검색</a:t>
+            </a:r>
+            <a:endParaRPr lang="ko-KR" altLang="en-US" dirty="0"/>
+          </a:p>
+        </p:txBody>
+      </p:sp>
+      <p:sp>
+        <p:nvSpPr>
+          <p:cNvPr id="67" name="직사각형 66"/>
+          <p:cNvSpPr/>
+          <p:nvPr/>
+        </p:nvSpPr>
+        <p:spPr>
+          <a:xfrm>
+            <a:off x="467244" y="5580254"/>
+            <a:ext cx="1920240" cy="955964"/>
+          </a:xfrm>
+          <a:prstGeom prst="rect">
+            <a:avLst/>
+          </a:prstGeom>
+        </p:spPr>
+        <p:style>
+          <a:lnRef idx="2">
+            <a:schemeClr val="accent1">
+              <a:shade val="50000"/>
+            </a:schemeClr>
+          </a:lnRef>
+          <a:fillRef idx="1">
+            <a:schemeClr val="accent1"/>
+          </a:fillRef>
+          <a:effectRef idx="0">
+            <a:schemeClr val="accent1"/>
+          </a:effectRef>
+          <a:fontRef idx="minor">
+            <a:schemeClr val="lt1"/>
+          </a:fontRef>
+        </p:style>
+        <p:txBody>
+          <a:bodyPr rtlCol="0" anchor="ctr"/>
+          <a:lstStyle/>
+          <a:p>
+            <a:pPr algn="ctr"/>
+            <a:r>
+              <a:rPr lang="ko-KR" altLang="en-US" dirty="0" smtClean="0"/>
+              <a:t>검색</a:t>
+            </a:r>
+            <a:endParaRPr lang="ko-KR" altLang="en-US" dirty="0"/>
+          </a:p>
+        </p:txBody>
+      </p:sp>
+      <p:sp>
+        <p:nvSpPr>
+          <p:cNvPr id="68" name="직사각형 67"/>
+          <p:cNvSpPr/>
+          <p:nvPr/>
+        </p:nvSpPr>
+        <p:spPr>
+          <a:xfrm>
+            <a:off x="7277794" y="5106786"/>
+            <a:ext cx="1920240" cy="955964"/>
+          </a:xfrm>
+          <a:prstGeom prst="rect">
+            <a:avLst/>
+          </a:prstGeom>
+        </p:spPr>
+        <p:style>
+          <a:lnRef idx="2">
+            <a:schemeClr val="accent1">
+              <a:shade val="50000"/>
+            </a:schemeClr>
+          </a:lnRef>
+          <a:fillRef idx="1">
+            <a:schemeClr val="accent1"/>
+          </a:fillRef>
+          <a:effectRef idx="0">
+            <a:schemeClr val="accent1"/>
+          </a:effectRef>
+          <a:fontRef idx="minor">
+            <a:schemeClr val="lt1"/>
+          </a:fontRef>
+        </p:style>
+        <p:txBody>
+          <a:bodyPr rtlCol="0" anchor="ctr"/>
+          <a:lstStyle/>
+          <a:p>
+            <a:pPr algn="ctr"/>
+            <a:endParaRPr lang="ko-KR" altLang="en-US"/>
+          </a:p>
+        </p:txBody>
+      </p:sp>
+      <p:cxnSp>
+        <p:nvCxnSpPr>
+          <p:cNvPr id="27" name="직선 화살표 연결선 26"/>
+          <p:cNvCxnSpPr>
+            <a:endCxn id="39" idx="0"/>
+          </p:cNvCxnSpPr>
+          <p:nvPr/>
+        </p:nvCxnSpPr>
+        <p:spPr>
+          <a:xfrm>
+            <a:off x="5109556" y="1775102"/>
+            <a:ext cx="0" cy="269827"/>
+          </a:xfrm>
+          <a:prstGeom prst="straightConnector1">
+            <a:avLst/>
+          </a:prstGeom>
+          <a:ln>
+            <a:tailEnd type="triangle"/>
+          </a:ln>
+        </p:spPr>
+        <p:style>
+          <a:lnRef idx="1">
+            <a:schemeClr val="accent1"/>
+          </a:lnRef>
+          <a:fillRef idx="0">
+            <a:schemeClr val="accent1"/>
+          </a:fillRef>
+          <a:effectRef idx="0">
+            <a:schemeClr val="accent1"/>
+          </a:effectRef>
+          <a:fontRef idx="minor">
+            <a:schemeClr val="tx1"/>
+          </a:fontRef>
+        </p:style>
+      </p:cxnSp>
+      <p:cxnSp>
+        <p:nvCxnSpPr>
+          <p:cNvPr id="31" name="직선 화살표 연결선 30"/>
+          <p:cNvCxnSpPr/>
+          <p:nvPr/>
+        </p:nvCxnSpPr>
+        <p:spPr>
+          <a:xfrm>
+            <a:off x="4619106" y="4075314"/>
+            <a:ext cx="0" cy="313806"/>
+          </a:xfrm>
+          <a:prstGeom prst="straightConnector1">
+            <a:avLst/>
+          </a:prstGeom>
+          <a:ln>
+            <a:tailEnd type="triangle"/>
+          </a:ln>
+        </p:spPr>
+        <p:style>
+          <a:lnRef idx="1">
+            <a:schemeClr val="accent1"/>
+          </a:lnRef>
+          <a:fillRef idx="0">
+            <a:schemeClr val="accent1"/>
+          </a:fillRef>
+          <a:effectRef idx="0">
+            <a:schemeClr val="accent1"/>
+          </a:effectRef>
+          <a:fontRef idx="minor">
+            <a:schemeClr val="tx1"/>
+          </a:fontRef>
+        </p:style>
+      </p:cxnSp>
+      <p:cxnSp>
+        <p:nvCxnSpPr>
+          <p:cNvPr id="33" name="직선 화살표 연결선 32"/>
+          <p:cNvCxnSpPr/>
+          <p:nvPr/>
+        </p:nvCxnSpPr>
+        <p:spPr>
+          <a:xfrm flipH="1">
+            <a:off x="2585257" y="3804111"/>
+            <a:ext cx="998915" cy="541030"/>
+          </a:xfrm>
+          <a:prstGeom prst="straightConnector1">
+            <a:avLst/>
+          </a:prstGeom>
+          <a:ln>
+            <a:tailEnd type="triangle"/>
+          </a:ln>
+        </p:spPr>
+        <p:style>
+          <a:lnRef idx="1">
+            <a:schemeClr val="accent1"/>
+          </a:lnRef>
+          <a:fillRef idx="0">
+            <a:schemeClr val="accent1"/>
+          </a:fillRef>
+          <a:effectRef idx="0">
+            <a:schemeClr val="accent1"/>
+          </a:effectRef>
+          <a:fontRef idx="minor">
+            <a:schemeClr val="tx1"/>
+          </a:fontRef>
+        </p:style>
+      </p:cxnSp>
+      <p:cxnSp>
+        <p:nvCxnSpPr>
+          <p:cNvPr id="37" name="직선 화살표 연결선 36"/>
+          <p:cNvCxnSpPr/>
+          <p:nvPr/>
+        </p:nvCxnSpPr>
+        <p:spPr>
+          <a:xfrm>
+            <a:off x="4574772" y="5285510"/>
+            <a:ext cx="0" cy="390698"/>
+          </a:xfrm>
+          <a:prstGeom prst="straightConnector1">
+            <a:avLst/>
+          </a:prstGeom>
+          <a:ln>
+            <a:tailEnd type="triangle"/>
+          </a:ln>
+        </p:spPr>
+        <p:style>
+          <a:lnRef idx="1">
+            <a:schemeClr val="accent1"/>
+          </a:lnRef>
+          <a:fillRef idx="0">
+            <a:schemeClr val="accent1"/>
+          </a:fillRef>
+          <a:effectRef idx="0">
+            <a:schemeClr val="accent1"/>
+          </a:effectRef>
+          <a:fontRef idx="minor">
+            <a:schemeClr val="tx1"/>
+          </a:fontRef>
+        </p:style>
+      </p:cxnSp>
+      <p:cxnSp>
+        <p:nvCxnSpPr>
+          <p:cNvPr id="69" name="직선 화살표 연결선 68"/>
+          <p:cNvCxnSpPr/>
+          <p:nvPr/>
+        </p:nvCxnSpPr>
+        <p:spPr>
+          <a:xfrm flipH="1">
+            <a:off x="2585257" y="4979324"/>
+            <a:ext cx="756459" cy="415282"/>
+          </a:xfrm>
+          <a:prstGeom prst="straightConnector1">
+            <a:avLst/>
+          </a:prstGeom>
+          <a:ln>
+            <a:tailEnd type="triangle"/>
+          </a:ln>
+        </p:spPr>
+        <p:style>
+          <a:lnRef idx="1">
+            <a:schemeClr val="accent1"/>
+          </a:lnRef>
+          <a:fillRef idx="0">
+            <a:schemeClr val="accent1"/>
+          </a:fillRef>
+          <a:effectRef idx="0">
+            <a:schemeClr val="accent1"/>
+          </a:effectRef>
+          <a:fontRef idx="minor">
+            <a:schemeClr val="tx1"/>
+          </a:fontRef>
+        </p:style>
+      </p:cxnSp>
+    </p:spTree>
+    <p:extLst>
+      <p:ext uri="{BB962C8B-B14F-4D97-AF65-F5344CB8AC3E}">
+        <p14:creationId xmlns:p14="http://schemas.microsoft.com/office/powerpoint/2010/main" val="2889990170"/>
+      </p:ext>
+    </p:extLst>
+  </p:cSld>
+  <p:clrMapOvr>
+    <a:masterClrMapping/>
+  </p:clrMapOvr>
+  <p:timing>
+    <p:tnLst>
+      <p:par>
+        <p:cTn id="1" dur="indefinite" restart="never" nodeType="tmRoot"/>
+      </p:par>
+    </p:tnLst>
+  </p:timing>
 </p:sld>
 </file>
 
@@ -13153,9 +13975,10 @@
           <a:p>
             <a:pPr algn="ctr"/>
             <a:r>
-              <a:rPr lang="ko-KR" altLang="en-US" dirty="0"/>
+              <a:rPr lang="ko-KR" altLang="en-US" dirty="0" smtClean="0"/>
               <a:t>아이콘</a:t>
             </a:r>
+            <a:endParaRPr lang="ko-KR" altLang="en-US" dirty="0"/>
           </a:p>
         </p:txBody>
       </p:sp>
@@ -13196,9 +14019,10 @@
           <a:p>
             <a:pPr algn="ctr"/>
             <a:r>
-              <a:rPr lang="ko-KR" altLang="en-US" sz="1200" dirty="0"/>
+              <a:rPr lang="ko-KR" altLang="en-US" sz="1200" dirty="0" smtClean="0"/>
               <a:t>로그아웃</a:t>
             </a:r>
+            <a:endParaRPr lang="ko-KR" altLang="en-US" sz="1200" dirty="0"/>
           </a:p>
         </p:txBody>
       </p:sp>
@@ -13722,9 +14546,10 @@
           <a:p>
             <a:pPr algn="ctr"/>
             <a:r>
-              <a:rPr lang="ko-KR" altLang="en-US" sz="1200" dirty="0"/>
+              <a:rPr lang="ko-KR" altLang="en-US" sz="1200" dirty="0" smtClean="0"/>
               <a:t>김태민</a:t>
             </a:r>
+            <a:endParaRPr lang="ko-KR" altLang="en-US" sz="1200" dirty="0"/>
           </a:p>
         </p:txBody>
       </p:sp>
@@ -13881,9 +14706,10 @@
           <a:p>
             <a:pPr algn="ctr"/>
             <a:r>
-              <a:rPr lang="ko-KR" altLang="en-US" sz="1200" dirty="0"/>
+              <a:rPr lang="ko-KR" altLang="en-US" sz="1200" dirty="0" smtClean="0"/>
               <a:t>김태민</a:t>
             </a:r>
+            <a:endParaRPr lang="ko-KR" altLang="en-US" sz="1200" dirty="0"/>
           </a:p>
         </p:txBody>
       </p:sp>
@@ -14040,9 +14866,10 @@
           <a:p>
             <a:pPr algn="ctr"/>
             <a:r>
-              <a:rPr lang="ko-KR" altLang="en-US" sz="1200" dirty="0"/>
+              <a:rPr lang="ko-KR" altLang="en-US" sz="1200" dirty="0" smtClean="0"/>
               <a:t>김태민</a:t>
             </a:r>
+            <a:endParaRPr lang="ko-KR" altLang="en-US" sz="1200" dirty="0"/>
           </a:p>
         </p:txBody>
       </p:sp>
@@ -14199,9 +15026,10 @@
           <a:p>
             <a:pPr algn="ctr"/>
             <a:r>
-              <a:rPr lang="ko-KR" altLang="en-US" sz="1200" dirty="0"/>
+              <a:rPr lang="ko-KR" altLang="en-US" sz="1200" dirty="0" smtClean="0"/>
               <a:t>김태민</a:t>
             </a:r>
+            <a:endParaRPr lang="ko-KR" altLang="en-US" sz="1200" dirty="0"/>
           </a:p>
         </p:txBody>
       </p:sp>
@@ -14320,9 +15148,10 @@
           <a:p>
             <a:pPr algn="ctr"/>
             <a:r>
-              <a:rPr lang="ko-KR" altLang="en-US" sz="800" dirty="0"/>
+              <a:rPr lang="ko-KR" altLang="en-US" sz="800" dirty="0" smtClean="0"/>
               <a:t>좋아요</a:t>
             </a:r>
+            <a:endParaRPr lang="ko-KR" altLang="en-US" sz="800" dirty="0"/>
           </a:p>
         </p:txBody>
       </p:sp>
@@ -14349,21 +15178,22 @@
           <a:lstStyle/>
           <a:p>
             <a:r>
-              <a:rPr lang="en-US" altLang="ko-KR" sz="1200" dirty="0"/>
+              <a:rPr lang="en-US" altLang="ko-KR" sz="1200" dirty="0" smtClean="0"/>
               <a:t># </a:t>
             </a:r>
             <a:r>
-              <a:rPr lang="ko-KR" altLang="en-US" sz="1200" dirty="0"/>
+              <a:rPr lang="ko-KR" altLang="en-US" sz="1200" dirty="0" smtClean="0"/>
               <a:t>제주도 </a:t>
             </a:r>
             <a:r>
-              <a:rPr lang="en-US" altLang="ko-KR" sz="1200" dirty="0"/>
+              <a:rPr lang="en-US" altLang="ko-KR" sz="1200" dirty="0" smtClean="0"/>
               <a:t>#</a:t>
             </a:r>
             <a:r>
-              <a:rPr lang="ko-KR" altLang="en-US" sz="1200" dirty="0"/>
+              <a:rPr lang="ko-KR" altLang="en-US" sz="1200" dirty="0" smtClean="0"/>
               <a:t>여행</a:t>
             </a:r>
+            <a:endParaRPr lang="ko-KR" altLang="en-US" sz="1200" dirty="0"/>
           </a:p>
         </p:txBody>
       </p:sp>
@@ -14390,21 +15220,22 @@
           <a:lstStyle/>
           <a:p>
             <a:r>
-              <a:rPr lang="en-US" altLang="ko-KR" sz="1200" dirty="0"/>
+              <a:rPr lang="en-US" altLang="ko-KR" sz="1200" dirty="0" smtClean="0"/>
               <a:t># </a:t>
             </a:r>
             <a:r>
-              <a:rPr lang="ko-KR" altLang="en-US" sz="1200" dirty="0"/>
+              <a:rPr lang="ko-KR" altLang="en-US" sz="1200" dirty="0" smtClean="0"/>
               <a:t>제주도 </a:t>
             </a:r>
             <a:r>
-              <a:rPr lang="en-US" altLang="ko-KR" sz="1200" dirty="0"/>
+              <a:rPr lang="en-US" altLang="ko-KR" sz="1200" dirty="0" smtClean="0"/>
               <a:t>#</a:t>
             </a:r>
             <a:r>
-              <a:rPr lang="ko-KR" altLang="en-US" sz="1200" dirty="0"/>
+              <a:rPr lang="ko-KR" altLang="en-US" sz="1200" dirty="0" smtClean="0"/>
               <a:t>여행</a:t>
             </a:r>
+            <a:endParaRPr lang="ko-KR" altLang="en-US" sz="1200" dirty="0"/>
           </a:p>
         </p:txBody>
       </p:sp>
@@ -14431,21 +15262,22 @@
           <a:lstStyle/>
           <a:p>
             <a:r>
-              <a:rPr lang="en-US" altLang="ko-KR" sz="1200" dirty="0"/>
+              <a:rPr lang="en-US" altLang="ko-KR" sz="1200" dirty="0" smtClean="0"/>
               <a:t># </a:t>
             </a:r>
             <a:r>
-              <a:rPr lang="ko-KR" altLang="en-US" sz="1200" dirty="0"/>
+              <a:rPr lang="ko-KR" altLang="en-US" sz="1200" dirty="0" smtClean="0"/>
               <a:t>제주도 </a:t>
             </a:r>
             <a:r>
-              <a:rPr lang="en-US" altLang="ko-KR" sz="1200" dirty="0"/>
+              <a:rPr lang="en-US" altLang="ko-KR" sz="1200" dirty="0" smtClean="0"/>
               <a:t>#</a:t>
             </a:r>
             <a:r>
-              <a:rPr lang="ko-KR" altLang="en-US" sz="1200" dirty="0"/>
+              <a:rPr lang="ko-KR" altLang="en-US" sz="1200" dirty="0" smtClean="0"/>
               <a:t>여행</a:t>
             </a:r>
+            <a:endParaRPr lang="ko-KR" altLang="en-US" sz="1200" dirty="0"/>
           </a:p>
         </p:txBody>
       </p:sp>
@@ -14484,9 +15316,10 @@
           <a:p>
             <a:pPr algn="ctr"/>
             <a:r>
-              <a:rPr lang="ko-KR" altLang="en-US" sz="800" dirty="0"/>
+              <a:rPr lang="ko-KR" altLang="en-US" sz="800" dirty="0" smtClean="0"/>
               <a:t>좋아요</a:t>
             </a:r>
+            <a:endParaRPr lang="ko-KR" altLang="en-US" sz="800" dirty="0"/>
           </a:p>
         </p:txBody>
       </p:sp>
@@ -14525,9 +15358,10 @@
           <a:p>
             <a:pPr algn="ctr"/>
             <a:r>
-              <a:rPr lang="ko-KR" altLang="en-US" sz="800" dirty="0"/>
+              <a:rPr lang="ko-KR" altLang="en-US" sz="800" dirty="0" smtClean="0"/>
               <a:t>좋아요</a:t>
             </a:r>
+            <a:endParaRPr lang="ko-KR" altLang="en-US" sz="800" dirty="0"/>
           </a:p>
         </p:txBody>
       </p:sp>
@@ -14587,9 +15421,10 @@
           <a:lstStyle/>
           <a:p>
             <a:r>
-              <a:rPr lang="ko-KR" altLang="en-US"/>
+              <a:rPr lang="ko-KR" altLang="en-US" smtClean="0"/>
               <a:t>마이 페이지</a:t>
             </a:r>
+            <a:endParaRPr lang="ko-KR" altLang="en-US"/>
           </a:p>
         </p:txBody>
       </p:sp>
@@ -14649,9 +15484,10 @@
           <a:lstStyle/>
           <a:p>
             <a:r>
-              <a:rPr lang="ko-KR" altLang="en-US"/>
+              <a:rPr lang="ko-KR" altLang="en-US" smtClean="0"/>
               <a:t>로그아웃</a:t>
             </a:r>
+            <a:endParaRPr lang="ko-KR" altLang="en-US"/>
           </a:p>
         </p:txBody>
       </p:sp>
@@ -14690,13 +15526,14 @@
           <a:p>
             <a:pPr algn="ctr"/>
             <a:r>
-              <a:rPr lang="ko-KR" altLang="en-US"/>
+              <a:rPr lang="ko-KR" altLang="en-US" smtClean="0"/>
               <a:t>찜한</a:t>
             </a:r>
             <a:r>
-              <a:rPr lang="ko-KR" altLang="en-US" dirty="0"/>
+              <a:rPr lang="ko-KR" altLang="en-US" dirty="0" smtClean="0"/>
               <a:t> 게시물</a:t>
             </a:r>
+            <a:endParaRPr lang="ko-KR" altLang="en-US" dirty="0"/>
           </a:p>
         </p:txBody>
       </p:sp>
@@ -14756,17 +15593,18 @@
           <a:lstStyle/>
           <a:p>
             <a:r>
-              <a:rPr lang="ko-KR" altLang="en-US" dirty="0"/>
+              <a:rPr lang="ko-KR" altLang="en-US" dirty="0" smtClean="0"/>
               <a:t>내가 </a:t>
             </a:r>
             <a:r>
-              <a:rPr lang="ko-KR" altLang="en-US" dirty="0" err="1"/>
+              <a:rPr lang="ko-KR" altLang="en-US" dirty="0" err="1" smtClean="0"/>
               <a:t>찜한</a:t>
             </a:r>
             <a:r>
-              <a:rPr lang="ko-KR" altLang="en-US" dirty="0"/>
+              <a:rPr lang="ko-KR" altLang="en-US" dirty="0" smtClean="0"/>
               <a:t> 게시물만 정렬해서 보여주기</a:t>
             </a:r>
+            <a:endParaRPr lang="ko-KR" altLang="en-US" dirty="0"/>
           </a:p>
         </p:txBody>
       </p:sp>
@@ -14805,9 +15643,10 @@
           <a:p>
             <a:pPr algn="ctr"/>
             <a:r>
-              <a:rPr lang="ko-KR" altLang="en-US" dirty="0"/>
+              <a:rPr lang="ko-KR" altLang="en-US" dirty="0" smtClean="0"/>
               <a:t>글쓰기</a:t>
             </a:r>
+            <a:endParaRPr lang="ko-KR" altLang="en-US" dirty="0"/>
           </a:p>
         </p:txBody>
       </p:sp>
@@ -14846,7 +15685,7 @@
           <a:p>
             <a:pPr algn="ctr"/>
             <a:r>
-              <a:rPr lang="ko-KR" altLang="en-US" sz="1200" dirty="0" err="1"/>
+              <a:rPr lang="ko-KR" altLang="en-US" sz="1200" dirty="0" err="1" smtClean="0"/>
               <a:t>내정보</a:t>
             </a:r>
             <a:endParaRPr lang="ko-KR" altLang="en-US" sz="1200" dirty="0"/>
@@ -14911,11 +15750,11 @@
           <a:lstStyle/>
           <a:p>
             <a:r>
-              <a:rPr lang="ko-KR" altLang="en-US" dirty="0"/>
+              <a:rPr lang="ko-KR" altLang="en-US" dirty="0" smtClean="0"/>
               <a:t>내 </a:t>
             </a:r>
             <a:r>
-              <a:rPr lang="ko-KR" altLang="en-US" dirty="0" err="1"/>
+              <a:rPr lang="ko-KR" altLang="en-US" dirty="0" err="1" smtClean="0"/>
               <a:t>정보보기</a:t>
             </a:r>
             <a:endParaRPr lang="ko-KR" altLang="en-US" dirty="0"/>
@@ -15037,13 +15876,14 @@
           <a:p>
             <a:pPr algn="ctr"/>
             <a:r>
-              <a:rPr lang="en-US" altLang="ko-KR" dirty="0"/>
+              <a:rPr lang="en-US" altLang="ko-KR" dirty="0" smtClean="0"/>
               <a:t>1:1 </a:t>
             </a:r>
             <a:r>
-              <a:rPr lang="ko-KR" altLang="en-US" dirty="0"/>
+              <a:rPr lang="ko-KR" altLang="en-US" dirty="0" smtClean="0"/>
               <a:t>채팅</a:t>
             </a:r>
+            <a:endParaRPr lang="ko-KR" altLang="en-US" dirty="0"/>
           </a:p>
         </p:txBody>
       </p:sp>
@@ -15084,7 +15924,7 @@
           <a:p>
             <a:pPr algn="ctr"/>
             <a:r>
-              <a:rPr lang="ko-KR" altLang="en-US"/>
+              <a:rPr lang="ko-KR" altLang="en-US" smtClean="0"/>
               <a:t>다크모드</a:t>
             </a:r>
             <a:endParaRPr lang="ko-KR" altLang="en-US" dirty="0"/>
@@ -15147,7 +15987,7 @@
           <a:lstStyle/>
           <a:p>
             <a:r>
-              <a:rPr lang="ko-KR" altLang="en-US"/>
+              <a:rPr lang="ko-KR" altLang="en-US" smtClean="0"/>
               <a:t>찜하기</a:t>
             </a:r>
             <a:endParaRPr lang="ko-KR" altLang="en-US" dirty="0"/>
@@ -15164,6 +16004,13 @@
   <p:clrMapOvr>
     <a:masterClrMapping/>
   </p:clrMapOvr>
+  <p:timing>
+    <p:tnLst>
+      <p:par>
+        <p:cTn id="1" dur="indefinite" restart="never" nodeType="tmRoot"/>
+      </p:par>
+    </p:tnLst>
+  </p:timing>
 </p:sld>
 </file>
 
@@ -15272,9 +16119,10 @@
           <a:p>
             <a:pPr algn="ctr"/>
             <a:r>
-              <a:rPr lang="ko-KR" altLang="en-US" dirty="0"/>
+              <a:rPr lang="ko-KR" altLang="en-US" dirty="0" smtClean="0"/>
               <a:t>아이콘</a:t>
             </a:r>
+            <a:endParaRPr lang="ko-KR" altLang="en-US" dirty="0"/>
           </a:p>
         </p:txBody>
       </p:sp>
@@ -15315,9 +16163,10 @@
           <a:p>
             <a:pPr algn="ctr"/>
             <a:r>
-              <a:rPr lang="ko-KR" altLang="en-US" sz="1200" dirty="0"/>
+              <a:rPr lang="ko-KR" altLang="en-US" sz="1200" dirty="0" smtClean="0"/>
               <a:t>로그아웃</a:t>
             </a:r>
+            <a:endParaRPr lang="ko-KR" altLang="en-US" sz="1200" dirty="0"/>
           </a:p>
         </p:txBody>
       </p:sp>
@@ -15841,9 +16690,10 @@
           <a:p>
             <a:pPr algn="ctr"/>
             <a:r>
-              <a:rPr lang="ko-KR" altLang="en-US" sz="1200" dirty="0"/>
+              <a:rPr lang="ko-KR" altLang="en-US" sz="1200" dirty="0" smtClean="0"/>
               <a:t>김태민</a:t>
             </a:r>
+            <a:endParaRPr lang="ko-KR" altLang="en-US" sz="1200" dirty="0"/>
           </a:p>
         </p:txBody>
       </p:sp>
@@ -16000,9 +16850,10 @@
           <a:p>
             <a:pPr algn="ctr"/>
             <a:r>
-              <a:rPr lang="ko-KR" altLang="en-US" sz="1200" dirty="0"/>
+              <a:rPr lang="ko-KR" altLang="en-US" sz="1200" dirty="0" smtClean="0"/>
               <a:t>김태민</a:t>
             </a:r>
+            <a:endParaRPr lang="ko-KR" altLang="en-US" sz="1200" dirty="0"/>
           </a:p>
         </p:txBody>
       </p:sp>
@@ -16159,9 +17010,10 @@
           <a:p>
             <a:pPr algn="ctr"/>
             <a:r>
-              <a:rPr lang="ko-KR" altLang="en-US" sz="1200" dirty="0"/>
+              <a:rPr lang="ko-KR" altLang="en-US" sz="1200" dirty="0" smtClean="0"/>
               <a:t>김태민</a:t>
             </a:r>
+            <a:endParaRPr lang="ko-KR" altLang="en-US" sz="1200" dirty="0"/>
           </a:p>
         </p:txBody>
       </p:sp>
@@ -16318,9 +17170,10 @@
           <a:p>
             <a:pPr algn="ctr"/>
             <a:r>
-              <a:rPr lang="ko-KR" altLang="en-US" sz="1200" dirty="0"/>
+              <a:rPr lang="ko-KR" altLang="en-US" sz="1200" dirty="0" smtClean="0"/>
               <a:t>김태민</a:t>
             </a:r>
+            <a:endParaRPr lang="ko-KR" altLang="en-US" sz="1200" dirty="0"/>
           </a:p>
         </p:txBody>
       </p:sp>
@@ -16439,9 +17292,10 @@
           <a:p>
             <a:pPr algn="ctr"/>
             <a:r>
-              <a:rPr lang="ko-KR" altLang="en-US" sz="800" dirty="0"/>
+              <a:rPr lang="ko-KR" altLang="en-US" sz="800" dirty="0" smtClean="0"/>
               <a:t>좋아요</a:t>
             </a:r>
+            <a:endParaRPr lang="ko-KR" altLang="en-US" sz="800" dirty="0"/>
           </a:p>
         </p:txBody>
       </p:sp>
@@ -16468,21 +17322,22 @@
           <a:lstStyle/>
           <a:p>
             <a:r>
-              <a:rPr lang="en-US" altLang="ko-KR" sz="1200" dirty="0"/>
+              <a:rPr lang="en-US" altLang="ko-KR" sz="1200" dirty="0" smtClean="0"/>
               <a:t># </a:t>
             </a:r>
             <a:r>
-              <a:rPr lang="ko-KR" altLang="en-US" sz="1200" dirty="0"/>
+              <a:rPr lang="ko-KR" altLang="en-US" sz="1200" dirty="0" smtClean="0"/>
               <a:t>제주도 </a:t>
             </a:r>
             <a:r>
-              <a:rPr lang="en-US" altLang="ko-KR" sz="1200" dirty="0"/>
+              <a:rPr lang="en-US" altLang="ko-KR" sz="1200" dirty="0" smtClean="0"/>
               <a:t>#</a:t>
             </a:r>
             <a:r>
-              <a:rPr lang="ko-KR" altLang="en-US" sz="1200" dirty="0"/>
+              <a:rPr lang="ko-KR" altLang="en-US" sz="1200" dirty="0" smtClean="0"/>
               <a:t>여행</a:t>
             </a:r>
+            <a:endParaRPr lang="ko-KR" altLang="en-US" sz="1200" dirty="0"/>
           </a:p>
         </p:txBody>
       </p:sp>
@@ -16509,21 +17364,22 @@
           <a:lstStyle/>
           <a:p>
             <a:r>
-              <a:rPr lang="en-US" altLang="ko-KR" sz="1200" dirty="0"/>
+              <a:rPr lang="en-US" altLang="ko-KR" sz="1200" dirty="0" smtClean="0"/>
               <a:t># </a:t>
             </a:r>
             <a:r>
-              <a:rPr lang="ko-KR" altLang="en-US" sz="1200" dirty="0"/>
+              <a:rPr lang="ko-KR" altLang="en-US" sz="1200" dirty="0" smtClean="0"/>
               <a:t>제주도 </a:t>
             </a:r>
             <a:r>
-              <a:rPr lang="en-US" altLang="ko-KR" sz="1200" dirty="0"/>
+              <a:rPr lang="en-US" altLang="ko-KR" sz="1200" dirty="0" smtClean="0"/>
               <a:t>#</a:t>
             </a:r>
             <a:r>
-              <a:rPr lang="ko-KR" altLang="en-US" sz="1200" dirty="0"/>
+              <a:rPr lang="ko-KR" altLang="en-US" sz="1200" dirty="0" smtClean="0"/>
               <a:t>여행</a:t>
             </a:r>
+            <a:endParaRPr lang="ko-KR" altLang="en-US" sz="1200" dirty="0"/>
           </a:p>
         </p:txBody>
       </p:sp>
@@ -16550,21 +17406,22 @@
           <a:lstStyle/>
           <a:p>
             <a:r>
-              <a:rPr lang="en-US" altLang="ko-KR" sz="1200" dirty="0"/>
+              <a:rPr lang="en-US" altLang="ko-KR" sz="1200" dirty="0" smtClean="0"/>
               <a:t># </a:t>
             </a:r>
             <a:r>
-              <a:rPr lang="ko-KR" altLang="en-US" sz="1200" dirty="0"/>
+              <a:rPr lang="ko-KR" altLang="en-US" sz="1200" dirty="0" smtClean="0"/>
               <a:t>제주도 </a:t>
             </a:r>
             <a:r>
-              <a:rPr lang="en-US" altLang="ko-KR" sz="1200" dirty="0"/>
+              <a:rPr lang="en-US" altLang="ko-KR" sz="1200" dirty="0" smtClean="0"/>
               <a:t>#</a:t>
             </a:r>
             <a:r>
-              <a:rPr lang="ko-KR" altLang="en-US" sz="1200" dirty="0"/>
+              <a:rPr lang="ko-KR" altLang="en-US" sz="1200" dirty="0" smtClean="0"/>
               <a:t>여행</a:t>
             </a:r>
+            <a:endParaRPr lang="ko-KR" altLang="en-US" sz="1200" dirty="0"/>
           </a:p>
         </p:txBody>
       </p:sp>
@@ -16603,9 +17460,10 @@
           <a:p>
             <a:pPr algn="ctr"/>
             <a:r>
-              <a:rPr lang="ko-KR" altLang="en-US" sz="800" dirty="0"/>
+              <a:rPr lang="ko-KR" altLang="en-US" sz="800" dirty="0" smtClean="0"/>
               <a:t>좋아요</a:t>
             </a:r>
+            <a:endParaRPr lang="ko-KR" altLang="en-US" sz="800" dirty="0"/>
           </a:p>
         </p:txBody>
       </p:sp>
@@ -16644,9 +17502,10 @@
           <a:p>
             <a:pPr algn="ctr"/>
             <a:r>
-              <a:rPr lang="ko-KR" altLang="en-US" sz="800" dirty="0"/>
+              <a:rPr lang="ko-KR" altLang="en-US" sz="800" dirty="0" smtClean="0"/>
               <a:t>좋아요</a:t>
             </a:r>
+            <a:endParaRPr lang="ko-KR" altLang="en-US" sz="800" dirty="0"/>
           </a:p>
         </p:txBody>
       </p:sp>
@@ -16769,9 +17628,10 @@
           <a:p>
             <a:pPr algn="ctr"/>
             <a:r>
-              <a:rPr lang="ko-KR" altLang="en-US"/>
+              <a:rPr lang="ko-KR" altLang="en-US" smtClean="0"/>
               <a:t>사진</a:t>
             </a:r>
+            <a:endParaRPr lang="ko-KR" altLang="en-US"/>
           </a:p>
         </p:txBody>
       </p:sp>
@@ -16810,9 +17670,10 @@
           <a:p>
             <a:pPr algn="ctr"/>
             <a:r>
-              <a:rPr lang="ko-KR" altLang="en-US" dirty="0"/>
+              <a:rPr lang="ko-KR" altLang="en-US" dirty="0" smtClean="0"/>
               <a:t>댓글</a:t>
             </a:r>
+            <a:endParaRPr lang="ko-KR" altLang="en-US" dirty="0"/>
           </a:p>
         </p:txBody>
       </p:sp>
@@ -16851,9 +17712,10 @@
           <a:p>
             <a:pPr algn="ctr"/>
             <a:r>
-              <a:rPr lang="ko-KR" altLang="en-US" dirty="0"/>
+              <a:rPr lang="ko-KR" altLang="en-US" dirty="0" smtClean="0"/>
               <a:t>댓글 쓰기</a:t>
             </a:r>
+            <a:endParaRPr lang="ko-KR" altLang="en-US" dirty="0"/>
           </a:p>
         </p:txBody>
       </p:sp>
@@ -16892,9 +17754,10 @@
           <a:p>
             <a:pPr algn="ctr"/>
             <a:r>
-              <a:rPr lang="ko-KR" altLang="en-US" dirty="0"/>
+              <a:rPr lang="ko-KR" altLang="en-US" dirty="0" smtClean="0"/>
               <a:t>좋아요</a:t>
             </a:r>
+            <a:endParaRPr lang="ko-KR" altLang="en-US" dirty="0"/>
           </a:p>
         </p:txBody>
       </p:sp>
@@ -16935,9 +17798,10 @@
           <a:p>
             <a:pPr algn="ctr"/>
             <a:r>
-              <a:rPr lang="ko-KR" altLang="en-US"/>
+              <a:rPr lang="ko-KR" altLang="en-US" smtClean="0"/>
               <a:t>닫기</a:t>
             </a:r>
+            <a:endParaRPr lang="ko-KR" altLang="en-US"/>
           </a:p>
         </p:txBody>
       </p:sp>
@@ -16976,9 +17840,10 @@
           <a:p>
             <a:pPr algn="ctr"/>
             <a:r>
-              <a:rPr lang="ko-KR" altLang="en-US" dirty="0"/>
+              <a:rPr lang="ko-KR" altLang="en-US" dirty="0" smtClean="0"/>
               <a:t>내용</a:t>
             </a:r>
+            <a:endParaRPr lang="ko-KR" altLang="en-US" dirty="0"/>
           </a:p>
         </p:txBody>
       </p:sp>
@@ -17017,9 +17882,10 @@
           <a:p>
             <a:pPr algn="ctr"/>
             <a:r>
-              <a:rPr lang="ko-KR" altLang="en-US" dirty="0"/>
+              <a:rPr lang="ko-KR" altLang="en-US" dirty="0" smtClean="0"/>
               <a:t>찜</a:t>
             </a:r>
+            <a:endParaRPr lang="ko-KR" altLang="en-US" dirty="0"/>
           </a:p>
         </p:txBody>
       </p:sp>
@@ -17031,7 +17897,7 @@
         </p:nvSpPr>
         <p:spPr>
           <a:xfrm>
-            <a:off x="9937930" y="1068717"/>
+            <a:off x="2860093" y="1509076"/>
             <a:ext cx="547072" cy="478386"/>
           </a:xfrm>
           <a:prstGeom prst="ellipse">
@@ -17060,17 +17926,18 @@
           <a:p>
             <a:pPr algn="ctr"/>
             <a:r>
-              <a:rPr lang="ko-KR" altLang="en-US" sz="800" dirty="0"/>
+              <a:rPr lang="ko-KR" altLang="en-US" sz="800" dirty="0" smtClean="0"/>
               <a:t>수정</a:t>
             </a:r>
-            <a:endParaRPr lang="en-US" altLang="ko-KR" sz="800" dirty="0"/>
-          </a:p>
-          <a:p>
-            <a:pPr algn="ctr"/>
-            <a:r>
-              <a:rPr lang="ko-KR" altLang="en-US" sz="800" dirty="0"/>
+            <a:endParaRPr lang="en-US" altLang="ko-KR" sz="800" dirty="0" smtClean="0"/>
+          </a:p>
+          <a:p>
+            <a:pPr algn="ctr"/>
+            <a:r>
+              <a:rPr lang="ko-KR" altLang="en-US" sz="800" dirty="0" smtClean="0"/>
               <a:t>삭제</a:t>
             </a:r>
+            <a:endParaRPr lang="ko-KR" altLang="en-US" sz="800" dirty="0"/>
           </a:p>
         </p:txBody>
       </p:sp>
@@ -17119,9 +17986,10 @@
           <a:p>
             <a:pPr algn="ctr"/>
             <a:r>
-              <a:rPr lang="ko-KR" altLang="en-US" sz="800" dirty="0"/>
+              <a:rPr lang="ko-KR" altLang="en-US" sz="800" dirty="0" smtClean="0"/>
               <a:t>신고</a:t>
             </a:r>
+            <a:endParaRPr lang="ko-KR" altLang="en-US" sz="800" dirty="0"/>
           </a:p>
         </p:txBody>
       </p:sp>
@@ -17135,6 +18003,13 @@
   <p:clrMapOvr>
     <a:masterClrMapping/>
   </p:clrMapOvr>
+  <p:timing>
+    <p:tnLst>
+      <p:par>
+        <p:cTn id="1" dur="indefinite" restart="never" nodeType="tmRoot"/>
+      </p:par>
+    </p:tnLst>
+  </p:timing>
 </p:sld>
 </file>
 
@@ -17157,6 +18032,58 @@
       </p:grpSpPr>
       <p:sp>
         <p:nvSpPr>
+          <p:cNvPr id="78" name="타원 77"/>
+          <p:cNvSpPr/>
+          <p:nvPr/>
+        </p:nvSpPr>
+        <p:spPr>
+          <a:xfrm>
+            <a:off x="105364" y="3685709"/>
+            <a:ext cx="1022466" cy="955964"/>
+          </a:xfrm>
+          <a:prstGeom prst="ellipse">
+            <a:avLst/>
+          </a:prstGeom>
+        </p:spPr>
+        <p:style>
+          <a:lnRef idx="2">
+            <a:schemeClr val="accent6">
+              <a:shade val="50000"/>
+            </a:schemeClr>
+          </a:lnRef>
+          <a:fillRef idx="1">
+            <a:schemeClr val="accent6"/>
+          </a:fillRef>
+          <a:effectRef idx="0">
+            <a:schemeClr val="accent6"/>
+          </a:effectRef>
+          <a:fontRef idx="minor">
+            <a:schemeClr val="lt1"/>
+          </a:fontRef>
+        </p:style>
+        <p:txBody>
+          <a:bodyPr rtlCol="0" anchor="ctr"/>
+          <a:lstStyle/>
+          <a:p>
+            <a:pPr algn="ctr"/>
+            <a:r>
+              <a:rPr lang="ko-KR" altLang="en-US" dirty="0" smtClean="0"/>
+              <a:t>글</a:t>
+            </a:r>
+            <a:endParaRPr lang="en-US" altLang="ko-KR" dirty="0" smtClean="0"/>
+          </a:p>
+          <a:p>
+            <a:pPr algn="ctr"/>
+            <a:r>
+              <a:rPr lang="ko-KR" altLang="en-US" dirty="0" smtClean="0"/>
+              <a:t>쓰기</a:t>
+            </a:r>
+            <a:endParaRPr lang="ko-KR" altLang="en-US" dirty="0"/>
+          </a:p>
+        </p:txBody>
+      </p:sp>
+      <p:sp>
+        <p:nvSpPr>
           <p:cNvPr id="4" name="모서리가 둥근 직사각형 3"/>
           <p:cNvSpPr/>
           <p:nvPr/>
@@ -17235,9 +18162,10 @@
           <a:p>
             <a:pPr algn="ctr"/>
             <a:r>
-              <a:rPr lang="ko-KR" altLang="en-US" dirty="0"/>
+              <a:rPr lang="ko-KR" altLang="en-US" dirty="0" smtClean="0"/>
               <a:t>아이콘</a:t>
             </a:r>
+            <a:endParaRPr lang="ko-KR" altLang="en-US" dirty="0"/>
           </a:p>
         </p:txBody>
       </p:sp>
@@ -17278,9 +18206,10 @@
           <a:p>
             <a:pPr algn="ctr"/>
             <a:r>
-              <a:rPr lang="ko-KR" altLang="en-US" sz="1200" dirty="0"/>
+              <a:rPr lang="ko-KR" altLang="en-US" sz="1200" dirty="0" smtClean="0"/>
               <a:t>로그아웃</a:t>
             </a:r>
+            <a:endParaRPr lang="ko-KR" altLang="en-US" sz="1200" dirty="0"/>
           </a:p>
         </p:txBody>
       </p:sp>
@@ -17561,9 +18490,10 @@
           <a:p>
             <a:pPr algn="ctr"/>
             <a:r>
-              <a:rPr lang="ko-KR" altLang="en-US" sz="1200" dirty="0"/>
+              <a:rPr lang="ko-KR" altLang="en-US" sz="1200" dirty="0" smtClean="0"/>
               <a:t>김태민</a:t>
             </a:r>
+            <a:endParaRPr lang="ko-KR" altLang="en-US" sz="1200" dirty="0"/>
           </a:p>
         </p:txBody>
       </p:sp>
@@ -17720,9 +18650,10 @@
           <a:p>
             <a:pPr algn="ctr"/>
             <a:r>
-              <a:rPr lang="ko-KR" altLang="en-US" sz="1200" dirty="0"/>
+              <a:rPr lang="ko-KR" altLang="en-US" sz="1200" dirty="0" smtClean="0"/>
               <a:t>김태민</a:t>
             </a:r>
+            <a:endParaRPr lang="ko-KR" altLang="en-US" sz="1200" dirty="0"/>
           </a:p>
         </p:txBody>
       </p:sp>
@@ -17879,9 +18810,10 @@
           <a:p>
             <a:pPr algn="ctr"/>
             <a:r>
-              <a:rPr lang="ko-KR" altLang="en-US" sz="1200" dirty="0"/>
+              <a:rPr lang="ko-KR" altLang="en-US" sz="1200" dirty="0" smtClean="0"/>
               <a:t>김태민</a:t>
             </a:r>
+            <a:endParaRPr lang="ko-KR" altLang="en-US" sz="1200" dirty="0"/>
           </a:p>
         </p:txBody>
       </p:sp>
@@ -18000,9 +18932,10 @@
           <a:p>
             <a:pPr algn="ctr"/>
             <a:r>
-              <a:rPr lang="ko-KR" altLang="en-US" sz="800" dirty="0"/>
+              <a:rPr lang="ko-KR" altLang="en-US" sz="800" dirty="0" smtClean="0"/>
               <a:t>좋아요</a:t>
             </a:r>
+            <a:endParaRPr lang="ko-KR" altLang="en-US" sz="800" dirty="0"/>
           </a:p>
         </p:txBody>
       </p:sp>
@@ -18029,21 +18962,22 @@
           <a:lstStyle/>
           <a:p>
             <a:r>
-              <a:rPr lang="en-US" altLang="ko-KR" sz="1200" dirty="0"/>
+              <a:rPr lang="en-US" altLang="ko-KR" sz="1200" dirty="0" smtClean="0"/>
               <a:t># </a:t>
             </a:r>
             <a:r>
-              <a:rPr lang="ko-KR" altLang="en-US" sz="1200" dirty="0"/>
+              <a:rPr lang="ko-KR" altLang="en-US" sz="1200" dirty="0" smtClean="0"/>
               <a:t>제주도 </a:t>
             </a:r>
             <a:r>
-              <a:rPr lang="en-US" altLang="ko-KR" sz="1200" dirty="0"/>
+              <a:rPr lang="en-US" altLang="ko-KR" sz="1200" dirty="0" smtClean="0"/>
               <a:t>#</a:t>
             </a:r>
             <a:r>
-              <a:rPr lang="ko-KR" altLang="en-US" sz="1200" dirty="0"/>
+              <a:rPr lang="ko-KR" altLang="en-US" sz="1200" dirty="0" smtClean="0"/>
               <a:t>여행</a:t>
             </a:r>
+            <a:endParaRPr lang="ko-KR" altLang="en-US" sz="1200" dirty="0"/>
           </a:p>
         </p:txBody>
       </p:sp>
@@ -18070,21 +19004,22 @@
           <a:lstStyle/>
           <a:p>
             <a:r>
-              <a:rPr lang="en-US" altLang="ko-KR" sz="1200" dirty="0"/>
+              <a:rPr lang="en-US" altLang="ko-KR" sz="1200" dirty="0" smtClean="0"/>
               <a:t># </a:t>
             </a:r>
             <a:r>
-              <a:rPr lang="ko-KR" altLang="en-US" sz="1200" dirty="0"/>
+              <a:rPr lang="ko-KR" altLang="en-US" sz="1200" dirty="0" smtClean="0"/>
               <a:t>제주도 </a:t>
             </a:r>
             <a:r>
-              <a:rPr lang="en-US" altLang="ko-KR" sz="1200" dirty="0"/>
+              <a:rPr lang="en-US" altLang="ko-KR" sz="1200" dirty="0" smtClean="0"/>
               <a:t>#</a:t>
             </a:r>
             <a:r>
-              <a:rPr lang="ko-KR" altLang="en-US" sz="1200" dirty="0"/>
+              <a:rPr lang="ko-KR" altLang="en-US" sz="1200" dirty="0" smtClean="0"/>
               <a:t>여행</a:t>
             </a:r>
+            <a:endParaRPr lang="ko-KR" altLang="en-US" sz="1200" dirty="0"/>
           </a:p>
         </p:txBody>
       </p:sp>
@@ -18111,21 +19046,22 @@
           <a:lstStyle/>
           <a:p>
             <a:r>
-              <a:rPr lang="en-US" altLang="ko-KR" sz="1200" dirty="0"/>
+              <a:rPr lang="en-US" altLang="ko-KR" sz="1200" dirty="0" smtClean="0"/>
               <a:t># </a:t>
             </a:r>
             <a:r>
-              <a:rPr lang="ko-KR" altLang="en-US" sz="1200" dirty="0"/>
+              <a:rPr lang="ko-KR" altLang="en-US" sz="1200" dirty="0" smtClean="0"/>
               <a:t>제주도 </a:t>
             </a:r>
             <a:r>
-              <a:rPr lang="en-US" altLang="ko-KR" sz="1200" dirty="0"/>
+              <a:rPr lang="en-US" altLang="ko-KR" sz="1200" dirty="0" smtClean="0"/>
               <a:t>#</a:t>
             </a:r>
             <a:r>
-              <a:rPr lang="ko-KR" altLang="en-US" sz="1200" dirty="0"/>
+              <a:rPr lang="ko-KR" altLang="en-US" sz="1200" dirty="0" smtClean="0"/>
               <a:t>여행</a:t>
             </a:r>
+            <a:endParaRPr lang="ko-KR" altLang="en-US" sz="1200" dirty="0"/>
           </a:p>
         </p:txBody>
       </p:sp>
@@ -18164,9 +19100,10 @@
           <a:p>
             <a:pPr algn="ctr"/>
             <a:r>
-              <a:rPr lang="ko-KR" altLang="en-US" sz="800" dirty="0"/>
+              <a:rPr lang="ko-KR" altLang="en-US" sz="800" dirty="0" smtClean="0"/>
               <a:t>좋아요</a:t>
             </a:r>
+            <a:endParaRPr lang="ko-KR" altLang="en-US" sz="800" dirty="0"/>
           </a:p>
         </p:txBody>
       </p:sp>
@@ -18205,9 +19142,10 @@
           <a:p>
             <a:pPr algn="ctr"/>
             <a:r>
-              <a:rPr lang="ko-KR" altLang="en-US" sz="800" dirty="0"/>
+              <a:rPr lang="ko-KR" altLang="en-US" sz="800" dirty="0" smtClean="0"/>
               <a:t>좋아요</a:t>
             </a:r>
+            <a:endParaRPr lang="ko-KR" altLang="en-US" sz="800" dirty="0"/>
           </a:p>
         </p:txBody>
       </p:sp>
@@ -18219,7 +19157,7 @@
         </p:nvSpPr>
         <p:spPr>
           <a:xfrm>
-            <a:off x="3663909" y="178557"/>
+            <a:off x="2018689" y="187852"/>
             <a:ext cx="1509377" cy="307571"/>
           </a:xfrm>
           <a:prstGeom prst="roundRect">
@@ -18246,13 +19184,14 @@
           <a:p>
             <a:pPr algn="ctr"/>
             <a:r>
-              <a:rPr lang="ko-KR" altLang="en-US"/>
+              <a:rPr lang="ko-KR" altLang="en-US" smtClean="0"/>
               <a:t>찜한</a:t>
             </a:r>
             <a:r>
-              <a:rPr lang="ko-KR" altLang="en-US" dirty="0"/>
+              <a:rPr lang="ko-KR" altLang="en-US" dirty="0" smtClean="0"/>
               <a:t> 게시물</a:t>
             </a:r>
+            <a:endParaRPr lang="ko-KR" altLang="en-US" dirty="0"/>
           </a:p>
         </p:txBody>
       </p:sp>
@@ -18331,9 +19270,10 @@
           <a:p>
             <a:pPr algn="ctr"/>
             <a:r>
-              <a:rPr lang="ko-KR" altLang="en-US"/>
+              <a:rPr lang="ko-KR" altLang="en-US" smtClean="0"/>
               <a:t>프로필사진</a:t>
             </a:r>
+            <a:endParaRPr lang="ko-KR" altLang="en-US"/>
           </a:p>
         </p:txBody>
       </p:sp>
@@ -18390,7 +19330,7 @@
           <a:lstStyle/>
           <a:p>
             <a:r>
-              <a:rPr lang="ko-KR" altLang="en-US"/>
+              <a:rPr lang="ko-KR" altLang="en-US" smtClean="0"/>
               <a:t>배경사진</a:t>
             </a:r>
             <a:endParaRPr lang="ko-KR" altLang="en-US" dirty="0"/>
@@ -18420,9 +19360,10 @@
           <a:lstStyle/>
           <a:p>
             <a:r>
-              <a:rPr lang="ko-KR" altLang="en-US"/>
+              <a:rPr lang="ko-KR" altLang="en-US" smtClean="0"/>
               <a:t>김태민</a:t>
             </a:r>
+            <a:endParaRPr lang="ko-KR" altLang="en-US"/>
           </a:p>
         </p:txBody>
       </p:sp>
@@ -18449,9 +19390,10 @@
           <a:lstStyle/>
           <a:p>
             <a:r>
-              <a:rPr lang="ko-KR" altLang="en-US"/>
+              <a:rPr lang="ko-KR" altLang="en-US" smtClean="0"/>
               <a:t>하고싶은 간단한 자기 소개</a:t>
             </a:r>
+            <a:endParaRPr lang="ko-KR" altLang="en-US"/>
           </a:p>
         </p:txBody>
       </p:sp>
@@ -18463,7 +19405,7 @@
         </p:nvSpPr>
         <p:spPr>
           <a:xfrm>
-            <a:off x="5320144" y="169020"/>
+            <a:off x="3674924" y="178315"/>
             <a:ext cx="1284937" cy="317108"/>
           </a:xfrm>
           <a:prstGeom prst="roundRect">
@@ -18490,9 +19432,10 @@
           <a:p>
             <a:pPr algn="ctr"/>
             <a:r>
-              <a:rPr lang="ko-KR" altLang="en-US" dirty="0"/>
-              <a:t>글쓰기</a:t>
-            </a:r>
+              <a:rPr lang="ko-KR" altLang="en-US" dirty="0" err="1" smtClean="0"/>
+              <a:t>사이트맵</a:t>
+            </a:r>
+            <a:endParaRPr lang="ko-KR" altLang="en-US" dirty="0"/>
           </a:p>
         </p:txBody>
       </p:sp>
@@ -18504,7 +19447,7 @@
         </p:nvSpPr>
         <p:spPr>
           <a:xfrm>
-            <a:off x="8839819" y="2882292"/>
+            <a:off x="6908006" y="2832199"/>
             <a:ext cx="698437" cy="657972"/>
           </a:xfrm>
           <a:prstGeom prst="ellipse">
@@ -18531,154 +19474,10 @@
           <a:p>
             <a:pPr algn="ctr"/>
             <a:r>
-              <a:rPr lang="ko-KR" altLang="en-US" sz="800" dirty="0" err="1"/>
+              <a:rPr lang="ko-KR" altLang="en-US" sz="800" dirty="0" err="1" smtClean="0"/>
               <a:t>엠블럼</a:t>
             </a:r>
             <a:endParaRPr lang="ko-KR" altLang="en-US" sz="800" dirty="0"/>
-          </a:p>
-        </p:txBody>
-      </p:sp>
-      <p:sp>
-        <p:nvSpPr>
-          <p:cNvPr id="63" name="타원 62"/>
-          <p:cNvSpPr/>
-          <p:nvPr/>
-        </p:nvSpPr>
-        <p:spPr>
-          <a:xfrm>
-            <a:off x="9594277" y="2884745"/>
-            <a:ext cx="698437" cy="657972"/>
-          </a:xfrm>
-          <a:prstGeom prst="ellipse">
-            <a:avLst/>
-          </a:prstGeom>
-        </p:spPr>
-        <p:style>
-          <a:lnRef idx="2">
-            <a:schemeClr val="accent1"/>
-          </a:lnRef>
-          <a:fillRef idx="1">
-            <a:schemeClr val="lt1"/>
-          </a:fillRef>
-          <a:effectRef idx="0">
-            <a:schemeClr val="accent1"/>
-          </a:effectRef>
-          <a:fontRef idx="minor">
-            <a:schemeClr val="dk1"/>
-          </a:fontRef>
-        </p:style>
-        <p:txBody>
-          <a:bodyPr rtlCol="0" anchor="ctr"/>
-          <a:lstStyle/>
-          <a:p>
-            <a:pPr algn="ctr"/>
-            <a:r>
-              <a:rPr lang="ko-KR" altLang="en-US" sz="800" dirty="0"/>
-              <a:t>달력</a:t>
-            </a:r>
-          </a:p>
-        </p:txBody>
-      </p:sp>
-      <p:sp>
-        <p:nvSpPr>
-          <p:cNvPr id="64" name="타원 63"/>
-          <p:cNvSpPr/>
-          <p:nvPr/>
-        </p:nvSpPr>
-        <p:spPr>
-          <a:xfrm>
-            <a:off x="8085361" y="2896882"/>
-            <a:ext cx="698437" cy="657972"/>
-          </a:xfrm>
-          <a:prstGeom prst="ellipse">
-            <a:avLst/>
-          </a:prstGeom>
-        </p:spPr>
-        <p:style>
-          <a:lnRef idx="2">
-            <a:schemeClr val="accent1"/>
-          </a:lnRef>
-          <a:fillRef idx="1">
-            <a:schemeClr val="lt1"/>
-          </a:fillRef>
-          <a:effectRef idx="0">
-            <a:schemeClr val="accent1"/>
-          </a:effectRef>
-          <a:fontRef idx="minor">
-            <a:schemeClr val="dk1"/>
-          </a:fontRef>
-        </p:style>
-        <p:txBody>
-          <a:bodyPr rtlCol="0" anchor="ctr"/>
-          <a:lstStyle/>
-          <a:p>
-            <a:pPr algn="ctr"/>
-            <a:r>
-              <a:rPr lang="ko-KR" altLang="en-US" sz="800" dirty="0"/>
-              <a:t>글쓰기</a:t>
-            </a:r>
-          </a:p>
-        </p:txBody>
-      </p:sp>
-      <p:cxnSp>
-        <p:nvCxnSpPr>
-          <p:cNvPr id="65" name="직선 화살표 연결선 64"/>
-          <p:cNvCxnSpPr/>
-          <p:nvPr/>
-        </p:nvCxnSpPr>
-        <p:spPr>
-          <a:xfrm flipH="1" flipV="1">
-            <a:off x="7918315" y="2320047"/>
-            <a:ext cx="435908" cy="758231"/>
-          </a:xfrm>
-          <a:prstGeom prst="straightConnector1">
-            <a:avLst/>
-          </a:prstGeom>
-          <a:ln>
-            <a:tailEnd type="triangle"/>
-          </a:ln>
-        </p:spPr>
-        <p:style>
-          <a:lnRef idx="3">
-            <a:schemeClr val="accent2"/>
-          </a:lnRef>
-          <a:fillRef idx="0">
-            <a:schemeClr val="accent2"/>
-          </a:fillRef>
-          <a:effectRef idx="2">
-            <a:schemeClr val="accent2"/>
-          </a:effectRef>
-          <a:fontRef idx="minor">
-            <a:schemeClr val="tx1"/>
-          </a:fontRef>
-        </p:style>
-      </p:cxnSp>
-      <p:sp>
-        <p:nvSpPr>
-          <p:cNvPr id="66" name="TextBox 65"/>
-          <p:cNvSpPr txBox="1"/>
-          <p:nvPr/>
-        </p:nvSpPr>
-        <p:spPr>
-          <a:xfrm>
-            <a:off x="6925498" y="1992633"/>
-            <a:ext cx="1651414" cy="369332"/>
-          </a:xfrm>
-          <a:prstGeom prst="rect">
-            <a:avLst/>
-          </a:prstGeom>
-          <a:noFill/>
-        </p:spPr>
-        <p:txBody>
-          <a:bodyPr wrap="none" rtlCol="0">
-            <a:spAutoFit/>
-          </a:bodyPr>
-          <a:lstStyle/>
-          <a:p>
-            <a:r>
-              <a:rPr lang="ko-KR" altLang="en-US" dirty="0"/>
-              <a:t>글쓰기 페이지</a:t>
-            </a:r>
           </a:p>
         </p:txBody>
       </p:sp>
@@ -18689,9 +19488,9 @@
           <p:nvPr/>
         </p:nvCxnSpPr>
         <p:spPr>
-          <a:xfrm flipH="1">
-            <a:off x="8496924" y="3367978"/>
-            <a:ext cx="670645" cy="552269"/>
+          <a:xfrm>
+            <a:off x="7448106" y="3282943"/>
+            <a:ext cx="378753" cy="625129"/>
           </a:xfrm>
           <a:prstGeom prst="straightConnector1">
             <a:avLst/>
@@ -18738,117 +19537,14 @@
           <a:lstStyle/>
           <a:p>
             <a:r>
-              <a:rPr lang="ko-KR" altLang="en-US" dirty="0" err="1"/>
+              <a:rPr lang="ko-KR" altLang="en-US" dirty="0" err="1" smtClean="0"/>
               <a:t>엠블럼</a:t>
             </a:r>
             <a:r>
-              <a:rPr lang="ko-KR" altLang="en-US" dirty="0"/>
+              <a:rPr lang="ko-KR" altLang="en-US" dirty="0" smtClean="0"/>
               <a:t> 페이지</a:t>
             </a:r>
-          </a:p>
-        </p:txBody>
-      </p:sp>
-      <p:cxnSp>
-        <p:nvCxnSpPr>
-          <p:cNvPr id="71" name="직선 화살표 연결선 70"/>
-          <p:cNvCxnSpPr/>
-          <p:nvPr/>
-        </p:nvCxnSpPr>
-        <p:spPr>
-          <a:xfrm>
-            <a:off x="10066165" y="3262944"/>
-            <a:ext cx="721809" cy="0"/>
-          </a:xfrm>
-          <a:prstGeom prst="straightConnector1">
-            <a:avLst/>
-          </a:prstGeom>
-          <a:ln>
-            <a:tailEnd type="triangle"/>
-          </a:ln>
-        </p:spPr>
-        <p:style>
-          <a:lnRef idx="3">
-            <a:schemeClr val="accent2"/>
-          </a:lnRef>
-          <a:fillRef idx="0">
-            <a:schemeClr val="accent2"/>
-          </a:fillRef>
-          <a:effectRef idx="2">
-            <a:schemeClr val="accent2"/>
-          </a:effectRef>
-          <a:fontRef idx="minor">
-            <a:schemeClr val="tx1"/>
-          </a:fontRef>
-        </p:style>
-      </p:cxnSp>
-      <p:sp>
-        <p:nvSpPr>
-          <p:cNvPr id="72" name="TextBox 71"/>
-          <p:cNvSpPr txBox="1"/>
-          <p:nvPr/>
-        </p:nvSpPr>
-        <p:spPr>
-          <a:xfrm>
-            <a:off x="10787974" y="3084291"/>
-            <a:ext cx="1107996" cy="369332"/>
-          </a:xfrm>
-          <a:prstGeom prst="rect">
-            <a:avLst/>
-          </a:prstGeom>
-          <a:noFill/>
-        </p:spPr>
-        <p:txBody>
-          <a:bodyPr wrap="none" rtlCol="0">
-            <a:spAutoFit/>
-          </a:bodyPr>
-          <a:lstStyle/>
-          <a:p>
-            <a:r>
-              <a:rPr lang="ko-KR" altLang="en-US" dirty="0" err="1"/>
-              <a:t>달력보기</a:t>
-            </a:r>
             <a:endParaRPr lang="ko-KR" altLang="en-US" dirty="0"/>
-          </a:p>
-        </p:txBody>
-      </p:sp>
-      <p:sp>
-        <p:nvSpPr>
-          <p:cNvPr id="75" name="타원 74"/>
-          <p:cNvSpPr/>
-          <p:nvPr/>
-        </p:nvSpPr>
-        <p:spPr>
-          <a:xfrm>
-            <a:off x="9588977" y="2869472"/>
-            <a:ext cx="698437" cy="657972"/>
-          </a:xfrm>
-          <a:prstGeom prst="ellipse">
-            <a:avLst/>
-          </a:prstGeom>
-        </p:spPr>
-        <p:style>
-          <a:lnRef idx="2">
-            <a:schemeClr val="accent1"/>
-          </a:lnRef>
-          <a:fillRef idx="1">
-            <a:schemeClr val="lt1"/>
-          </a:fillRef>
-          <a:effectRef idx="0">
-            <a:schemeClr val="accent1"/>
-          </a:effectRef>
-          <a:fontRef idx="minor">
-            <a:schemeClr val="dk1"/>
-          </a:fontRef>
-        </p:style>
-        <p:txBody>
-          <a:bodyPr rtlCol="0" anchor="ctr"/>
-          <a:lstStyle/>
-          <a:p>
-            <a:pPr algn="ctr"/>
-            <a:r>
-              <a:rPr lang="ko-KR" altLang="en-US" sz="800" dirty="0"/>
-              <a:t>달력</a:t>
-            </a:r>
           </a:p>
         </p:txBody>
       </p:sp>
@@ -18889,9 +19585,10 @@
           <a:p>
             <a:pPr algn="ctr"/>
             <a:r>
-              <a:rPr lang="ko-KR" altLang="en-US" sz="1000" dirty="0"/>
+              <a:rPr lang="ko-KR" altLang="en-US" sz="1000" dirty="0" smtClean="0"/>
               <a:t>정렬</a:t>
             </a:r>
+            <a:endParaRPr lang="ko-KR" altLang="en-US" sz="1000" dirty="0"/>
           </a:p>
         </p:txBody>
       </p:sp>
@@ -18932,9 +19629,10 @@
           <a:p>
             <a:pPr algn="ctr"/>
             <a:r>
-              <a:rPr lang="ko-KR" altLang="en-US" sz="1000" dirty="0"/>
+              <a:rPr lang="ko-KR" altLang="en-US" sz="1000" dirty="0" smtClean="0"/>
               <a:t>정렬</a:t>
             </a:r>
+            <a:endParaRPr lang="ko-KR" altLang="en-US" sz="1000" dirty="0"/>
           </a:p>
         </p:txBody>
       </p:sp>
@@ -18975,9 +19673,10 @@
           <a:p>
             <a:pPr algn="ctr"/>
             <a:r>
-              <a:rPr lang="ko-KR" altLang="en-US" sz="1000" dirty="0"/>
+              <a:rPr lang="ko-KR" altLang="en-US" sz="1000" dirty="0" smtClean="0"/>
               <a:t>정렬</a:t>
             </a:r>
+            <a:endParaRPr lang="ko-KR" altLang="en-US" sz="1000" dirty="0"/>
           </a:p>
         </p:txBody>
       </p:sp>
@@ -19054,9 +19753,10 @@
           <a:p>
             <a:pPr algn="ctr"/>
             <a:r>
-              <a:rPr lang="ko-KR" altLang="en-US" sz="1200" dirty="0"/>
+              <a:rPr lang="ko-KR" altLang="en-US" sz="1200" dirty="0" smtClean="0"/>
               <a:t>김태민</a:t>
             </a:r>
+            <a:endParaRPr lang="ko-KR" altLang="en-US" sz="1200" dirty="0"/>
           </a:p>
         </p:txBody>
       </p:sp>
@@ -19175,7 +19875,7 @@
           <a:p>
             <a:pPr algn="ctr"/>
             <a:r>
-              <a:rPr lang="ko-KR" altLang="en-US" sz="1200" dirty="0" err="1"/>
+              <a:rPr lang="ko-KR" altLang="en-US" sz="1200" dirty="0" err="1" smtClean="0"/>
               <a:t>내정보</a:t>
             </a:r>
             <a:endParaRPr lang="ko-KR" altLang="en-US" sz="1200" dirty="0"/>
@@ -19284,9 +19984,10 @@
           <a:lstStyle/>
           <a:p>
             <a:r>
-              <a:rPr lang="ko-KR" altLang="en-US"/>
+              <a:rPr lang="ko-KR" altLang="en-US" smtClean="0"/>
               <a:t>프로필 사진 변경</a:t>
             </a:r>
+            <a:endParaRPr lang="ko-KR" altLang="en-US"/>
           </a:p>
         </p:txBody>
       </p:sp>
@@ -19298,7 +19999,7 @@
         </p:nvSpPr>
         <p:spPr>
           <a:xfrm>
-            <a:off x="9865044" y="2118043"/>
+            <a:off x="9815935" y="930421"/>
             <a:ext cx="500459" cy="439704"/>
           </a:xfrm>
           <a:prstGeom prst="ellipse">
@@ -19339,13 +20040,15 @@
       <p:cxnSp>
         <p:nvCxnSpPr>
           <p:cNvPr id="96" name="직선 화살표 연결선 95"/>
-          <p:cNvCxnSpPr/>
+          <p:cNvCxnSpPr>
+            <a:stCxn id="94" idx="5"/>
+          </p:cNvCxnSpPr>
           <p:nvPr/>
         </p:nvCxnSpPr>
         <p:spPr>
-          <a:xfrm flipV="1">
-            <a:off x="10184099" y="1900913"/>
-            <a:ext cx="823588" cy="445061"/>
+          <a:xfrm>
+            <a:off x="10243103" y="1305732"/>
+            <a:ext cx="764584" cy="595182"/>
           </a:xfrm>
           <a:prstGeom prst="straightConnector1">
             <a:avLst/>
@@ -19392,16 +20095,17 @@
           <a:lstStyle/>
           <a:p>
             <a:r>
-              <a:rPr lang="ko-KR" altLang="en-US" dirty="0" err="1"/>
+              <a:rPr lang="ko-KR" altLang="en-US" dirty="0" err="1" smtClean="0"/>
               <a:t>배경사진</a:t>
             </a:r>
             <a:endParaRPr lang="en-US" altLang="ko-KR" dirty="0"/>
           </a:p>
           <a:p>
             <a:r>
-              <a:rPr lang="ko-KR" altLang="en-US" dirty="0"/>
+              <a:rPr lang="ko-KR" altLang="en-US" dirty="0" smtClean="0"/>
               <a:t>변경</a:t>
             </a:r>
+            <a:endParaRPr lang="ko-KR" altLang="en-US" dirty="0"/>
           </a:p>
         </p:txBody>
       </p:sp>
@@ -19509,112 +20213,10 @@
           <a:lstStyle/>
           <a:p>
             <a:r>
-              <a:rPr lang="ko-KR" altLang="en-US"/>
+              <a:rPr lang="ko-KR" altLang="en-US" smtClean="0"/>
               <a:t>자기소개 수정</a:t>
             </a:r>
-          </a:p>
-        </p:txBody>
-      </p:sp>
-      <p:sp>
-        <p:nvSpPr>
-          <p:cNvPr id="67" name="타원 66"/>
-          <p:cNvSpPr/>
-          <p:nvPr/>
-        </p:nvSpPr>
-        <p:spPr>
-          <a:xfrm>
-            <a:off x="7290060" y="2901159"/>
-            <a:ext cx="698437" cy="657972"/>
-          </a:xfrm>
-          <a:prstGeom prst="ellipse">
-            <a:avLst/>
-          </a:prstGeom>
-        </p:spPr>
-        <p:style>
-          <a:lnRef idx="2">
-            <a:schemeClr val="accent1"/>
-          </a:lnRef>
-          <a:fillRef idx="1">
-            <a:schemeClr val="lt1"/>
-          </a:fillRef>
-          <a:effectRef idx="0">
-            <a:schemeClr val="accent1"/>
-          </a:effectRef>
-          <a:fontRef idx="minor">
-            <a:schemeClr val="dk1"/>
-          </a:fontRef>
-        </p:style>
-        <p:txBody>
-          <a:bodyPr rtlCol="0" anchor="ctr"/>
-          <a:lstStyle/>
-          <a:p>
-            <a:pPr algn="ctr"/>
-            <a:r>
-              <a:rPr lang="ko-KR" altLang="en-US" sz="800" dirty="0"/>
-              <a:t>지도</a:t>
-            </a:r>
-          </a:p>
-        </p:txBody>
-      </p:sp>
-      <p:cxnSp>
-        <p:nvCxnSpPr>
-          <p:cNvPr id="70" name="직선 화살표 연결선 69"/>
-          <p:cNvCxnSpPr/>
-          <p:nvPr/>
-        </p:nvCxnSpPr>
-        <p:spPr>
-          <a:xfrm flipH="1" flipV="1">
-            <a:off x="6464198" y="2581177"/>
-            <a:ext cx="995384" cy="607633"/>
-          </a:xfrm>
-          <a:prstGeom prst="straightConnector1">
-            <a:avLst/>
-          </a:prstGeom>
-          <a:ln>
-            <a:tailEnd type="triangle"/>
-          </a:ln>
-        </p:spPr>
-        <p:style>
-          <a:lnRef idx="3">
-            <a:schemeClr val="accent2"/>
-          </a:lnRef>
-          <a:fillRef idx="0">
-            <a:schemeClr val="accent2"/>
-          </a:fillRef>
-          <a:effectRef idx="2">
-            <a:schemeClr val="accent2"/>
-          </a:effectRef>
-          <a:fontRef idx="minor">
-            <a:schemeClr val="tx1"/>
-          </a:fontRef>
-        </p:style>
-      </p:cxnSp>
-      <p:sp>
-        <p:nvSpPr>
-          <p:cNvPr id="73" name="TextBox 72"/>
-          <p:cNvSpPr txBox="1"/>
-          <p:nvPr/>
-        </p:nvSpPr>
-        <p:spPr>
-          <a:xfrm>
-            <a:off x="5978602" y="2286319"/>
-            <a:ext cx="646331" cy="369332"/>
-          </a:xfrm>
-          <a:prstGeom prst="rect">
-            <a:avLst/>
-          </a:prstGeom>
-          <a:noFill/>
-        </p:spPr>
-        <p:txBody>
-          <a:bodyPr wrap="none" rtlCol="0">
-            <a:spAutoFit/>
-          </a:bodyPr>
-          <a:lstStyle/>
-          <a:p>
-            <a:r>
-              <a:rPr lang="ko-KR" altLang="en-US" dirty="0"/>
-              <a:t>지도</a:t>
-            </a:r>
+            <a:endParaRPr lang="ko-KR" altLang="en-US"/>
           </a:p>
         </p:txBody>
       </p:sp>
@@ -19655,13 +20257,14 @@
           <a:p>
             <a:pPr algn="ctr"/>
             <a:r>
-              <a:rPr lang="en-US" altLang="ko-KR" dirty="0"/>
+              <a:rPr lang="en-US" altLang="ko-KR" dirty="0" smtClean="0"/>
               <a:t>1:1 </a:t>
             </a:r>
             <a:r>
-              <a:rPr lang="ko-KR" altLang="en-US" dirty="0"/>
+              <a:rPr lang="ko-KR" altLang="en-US" dirty="0" smtClean="0"/>
               <a:t>채팅</a:t>
             </a:r>
+            <a:endParaRPr lang="ko-KR" altLang="en-US" dirty="0"/>
           </a:p>
         </p:txBody>
       </p:sp>
@@ -19702,8 +20305,92 @@
           <a:p>
             <a:pPr algn="ctr"/>
             <a:r>
-              <a:rPr lang="ko-KR" altLang="en-US"/>
+              <a:rPr lang="ko-KR" altLang="en-US" smtClean="0"/>
               <a:t>다크모드</a:t>
+            </a:r>
+            <a:endParaRPr lang="ko-KR" altLang="en-US" dirty="0"/>
+          </a:p>
+        </p:txBody>
+      </p:sp>
+      <p:sp>
+        <p:nvSpPr>
+          <p:cNvPr id="10" name="모서리가 둥근 직사각형 9"/>
+          <p:cNvSpPr/>
+          <p:nvPr/>
+        </p:nvSpPr>
+        <p:spPr>
+          <a:xfrm>
+            <a:off x="10675527" y="2720441"/>
+            <a:ext cx="1280160" cy="1208880"/>
+          </a:xfrm>
+          <a:prstGeom prst="roundRect">
+            <a:avLst/>
+          </a:prstGeom>
+        </p:spPr>
+        <p:style>
+          <a:lnRef idx="2">
+            <a:schemeClr val="accent1"/>
+          </a:lnRef>
+          <a:fillRef idx="1">
+            <a:schemeClr val="lt1"/>
+          </a:fillRef>
+          <a:effectRef idx="0">
+            <a:schemeClr val="accent1"/>
+          </a:effectRef>
+          <a:fontRef idx="minor">
+            <a:schemeClr val="dk1"/>
+          </a:fontRef>
+        </p:style>
+        <p:txBody>
+          <a:bodyPr rtlCol="0" anchor="ctr"/>
+          <a:lstStyle/>
+          <a:p>
+            <a:pPr algn="ctr"/>
+            <a:r>
+              <a:rPr lang="ko-KR" altLang="en-US" dirty="0" smtClean="0"/>
+              <a:t>지도</a:t>
+            </a:r>
+            <a:endParaRPr lang="ko-KR" altLang="en-US" dirty="0"/>
+          </a:p>
+        </p:txBody>
+      </p:sp>
+      <p:sp>
+        <p:nvSpPr>
+          <p:cNvPr id="81" name="모서리가 둥근 직사각형 80"/>
+          <p:cNvSpPr/>
+          <p:nvPr/>
+        </p:nvSpPr>
+        <p:spPr>
+          <a:xfrm>
+            <a:off x="10643689" y="4124871"/>
+            <a:ext cx="1280160" cy="1208880"/>
+          </a:xfrm>
+          <a:prstGeom prst="roundRect">
+            <a:avLst/>
+          </a:prstGeom>
+        </p:spPr>
+        <p:style>
+          <a:lnRef idx="2">
+            <a:schemeClr val="accent1"/>
+          </a:lnRef>
+          <a:fillRef idx="1">
+            <a:schemeClr val="lt1"/>
+          </a:fillRef>
+          <a:effectRef idx="0">
+            <a:schemeClr val="accent1"/>
+          </a:effectRef>
+          <a:fontRef idx="minor">
+            <a:schemeClr val="dk1"/>
+          </a:fontRef>
+        </p:style>
+        <p:txBody>
+          <a:bodyPr rtlCol="0" anchor="ctr"/>
+          <a:lstStyle/>
+          <a:p>
+            <a:pPr algn="ctr"/>
+            <a:r>
+              <a:rPr lang="ko-KR" altLang="en-US" dirty="0" smtClean="0"/>
+              <a:t>달력</a:t>
             </a:r>
             <a:endParaRPr lang="ko-KR" altLang="en-US" dirty="0"/>
           </a:p>
@@ -19719,6 +20406,13 @@
   <p:clrMapOvr>
     <a:masterClrMapping/>
   </p:clrMapOvr>
+  <p:timing>
+    <p:tnLst>
+      <p:par>
+        <p:cTn id="1" dur="indefinite" restart="never" nodeType="tmRoot"/>
+      </p:par>
+    </p:tnLst>
+  </p:timing>
 </p:sld>
 </file>
 
@@ -19819,9 +20513,10 @@
           <a:p>
             <a:pPr algn="ctr"/>
             <a:r>
-              <a:rPr lang="ko-KR" altLang="en-US" dirty="0"/>
+              <a:rPr lang="ko-KR" altLang="en-US" dirty="0" smtClean="0"/>
               <a:t>아이콘</a:t>
             </a:r>
+            <a:endParaRPr lang="ko-KR" altLang="en-US" dirty="0"/>
           </a:p>
         </p:txBody>
       </p:sp>
@@ -19862,9 +20557,10 @@
           <a:p>
             <a:pPr algn="ctr"/>
             <a:r>
-              <a:rPr lang="ko-KR" altLang="en-US" sz="1200" dirty="0"/>
+              <a:rPr lang="ko-KR" altLang="en-US" sz="1200" dirty="0" smtClean="0"/>
               <a:t>로그아웃</a:t>
             </a:r>
+            <a:endParaRPr lang="ko-KR" altLang="en-US" sz="1200" dirty="0"/>
           </a:p>
         </p:txBody>
       </p:sp>
@@ -20145,9 +20841,10 @@
           <a:p>
             <a:pPr algn="ctr"/>
             <a:r>
-              <a:rPr lang="ko-KR" altLang="en-US" sz="1200" dirty="0"/>
+              <a:rPr lang="ko-KR" altLang="en-US" sz="1200" dirty="0" smtClean="0"/>
               <a:t>김태민</a:t>
             </a:r>
+            <a:endParaRPr lang="ko-KR" altLang="en-US" sz="1200" dirty="0"/>
           </a:p>
         </p:txBody>
       </p:sp>
@@ -20304,9 +21001,10 @@
           <a:p>
             <a:pPr algn="ctr"/>
             <a:r>
-              <a:rPr lang="ko-KR" altLang="en-US" sz="1200" dirty="0"/>
+              <a:rPr lang="ko-KR" altLang="en-US" sz="1200" dirty="0" smtClean="0"/>
               <a:t>김태민</a:t>
             </a:r>
+            <a:endParaRPr lang="ko-KR" altLang="en-US" sz="1200" dirty="0"/>
           </a:p>
         </p:txBody>
       </p:sp>
@@ -20463,9 +21161,10 @@
           <a:p>
             <a:pPr algn="ctr"/>
             <a:r>
-              <a:rPr lang="ko-KR" altLang="en-US" sz="1200" dirty="0"/>
+              <a:rPr lang="ko-KR" altLang="en-US" sz="1200" dirty="0" smtClean="0"/>
               <a:t>김태민</a:t>
             </a:r>
+            <a:endParaRPr lang="ko-KR" altLang="en-US" sz="1200" dirty="0"/>
           </a:p>
         </p:txBody>
       </p:sp>
@@ -20622,9 +21321,10 @@
           <a:p>
             <a:pPr algn="ctr"/>
             <a:r>
-              <a:rPr lang="ko-KR" altLang="en-US" sz="1200" dirty="0"/>
+              <a:rPr lang="ko-KR" altLang="en-US" sz="1200" dirty="0" smtClean="0"/>
               <a:t>김태민</a:t>
             </a:r>
+            <a:endParaRPr lang="ko-KR" altLang="en-US" sz="1200" dirty="0"/>
           </a:p>
         </p:txBody>
       </p:sp>
@@ -20743,9 +21443,10 @@
           <a:p>
             <a:pPr algn="ctr"/>
             <a:r>
-              <a:rPr lang="ko-KR" altLang="en-US" sz="800" dirty="0"/>
+              <a:rPr lang="ko-KR" altLang="en-US" sz="800" dirty="0" smtClean="0"/>
               <a:t>좋아요</a:t>
             </a:r>
+            <a:endParaRPr lang="ko-KR" altLang="en-US" sz="800" dirty="0"/>
           </a:p>
         </p:txBody>
       </p:sp>
@@ -20772,21 +21473,22 @@
           <a:lstStyle/>
           <a:p>
             <a:r>
-              <a:rPr lang="en-US" altLang="ko-KR" sz="1200" dirty="0"/>
+              <a:rPr lang="en-US" altLang="ko-KR" sz="1200" dirty="0" smtClean="0"/>
               <a:t># </a:t>
             </a:r>
             <a:r>
-              <a:rPr lang="ko-KR" altLang="en-US" sz="1200" dirty="0"/>
+              <a:rPr lang="ko-KR" altLang="en-US" sz="1200" dirty="0" smtClean="0"/>
               <a:t>제주도 </a:t>
             </a:r>
             <a:r>
-              <a:rPr lang="en-US" altLang="ko-KR" sz="1200" dirty="0"/>
+              <a:rPr lang="en-US" altLang="ko-KR" sz="1200" dirty="0" smtClean="0"/>
               <a:t>#</a:t>
             </a:r>
             <a:r>
-              <a:rPr lang="ko-KR" altLang="en-US" sz="1200" dirty="0"/>
+              <a:rPr lang="ko-KR" altLang="en-US" sz="1200" dirty="0" smtClean="0"/>
               <a:t>여행</a:t>
             </a:r>
+            <a:endParaRPr lang="ko-KR" altLang="en-US" sz="1200" dirty="0"/>
           </a:p>
         </p:txBody>
       </p:sp>
@@ -20813,21 +21515,22 @@
           <a:lstStyle/>
           <a:p>
             <a:r>
-              <a:rPr lang="en-US" altLang="ko-KR" sz="1200" dirty="0"/>
+              <a:rPr lang="en-US" altLang="ko-KR" sz="1200" dirty="0" smtClean="0"/>
               <a:t># </a:t>
             </a:r>
             <a:r>
-              <a:rPr lang="ko-KR" altLang="en-US" sz="1200" dirty="0"/>
+              <a:rPr lang="ko-KR" altLang="en-US" sz="1200" dirty="0" smtClean="0"/>
               <a:t>제주도 </a:t>
             </a:r>
             <a:r>
-              <a:rPr lang="en-US" altLang="ko-KR" sz="1200" dirty="0"/>
+              <a:rPr lang="en-US" altLang="ko-KR" sz="1200" dirty="0" smtClean="0"/>
               <a:t>#</a:t>
             </a:r>
             <a:r>
-              <a:rPr lang="ko-KR" altLang="en-US" sz="1200" dirty="0"/>
+              <a:rPr lang="ko-KR" altLang="en-US" sz="1200" dirty="0" smtClean="0"/>
               <a:t>여행</a:t>
             </a:r>
+            <a:endParaRPr lang="ko-KR" altLang="en-US" sz="1200" dirty="0"/>
           </a:p>
         </p:txBody>
       </p:sp>
@@ -20854,21 +21557,22 @@
           <a:lstStyle/>
           <a:p>
             <a:r>
-              <a:rPr lang="en-US" altLang="ko-KR" sz="1200" dirty="0"/>
+              <a:rPr lang="en-US" altLang="ko-KR" sz="1200" dirty="0" smtClean="0"/>
               <a:t># </a:t>
             </a:r>
             <a:r>
-              <a:rPr lang="ko-KR" altLang="en-US" sz="1200" dirty="0"/>
+              <a:rPr lang="ko-KR" altLang="en-US" sz="1200" dirty="0" smtClean="0"/>
               <a:t>제주도 </a:t>
             </a:r>
             <a:r>
-              <a:rPr lang="en-US" altLang="ko-KR" sz="1200" dirty="0"/>
+              <a:rPr lang="en-US" altLang="ko-KR" sz="1200" dirty="0" smtClean="0"/>
               <a:t>#</a:t>
             </a:r>
             <a:r>
-              <a:rPr lang="ko-KR" altLang="en-US" sz="1200" dirty="0"/>
+              <a:rPr lang="ko-KR" altLang="en-US" sz="1200" dirty="0" smtClean="0"/>
               <a:t>여행</a:t>
             </a:r>
+            <a:endParaRPr lang="ko-KR" altLang="en-US" sz="1200" dirty="0"/>
           </a:p>
         </p:txBody>
       </p:sp>
@@ -20907,9 +21611,10 @@
           <a:p>
             <a:pPr algn="ctr"/>
             <a:r>
-              <a:rPr lang="ko-KR" altLang="en-US" sz="800" dirty="0"/>
+              <a:rPr lang="ko-KR" altLang="en-US" sz="800" dirty="0" smtClean="0"/>
               <a:t>좋아요</a:t>
             </a:r>
+            <a:endParaRPr lang="ko-KR" altLang="en-US" sz="800" dirty="0"/>
           </a:p>
         </p:txBody>
       </p:sp>
@@ -20948,9 +21653,10 @@
           <a:p>
             <a:pPr algn="ctr"/>
             <a:r>
-              <a:rPr lang="ko-KR" altLang="en-US" sz="800" dirty="0"/>
+              <a:rPr lang="ko-KR" altLang="en-US" sz="800" dirty="0" smtClean="0"/>
               <a:t>좋아요</a:t>
             </a:r>
+            <a:endParaRPr lang="ko-KR" altLang="en-US" sz="800" dirty="0"/>
           </a:p>
         </p:txBody>
       </p:sp>
@@ -20989,9 +21695,10 @@
           <a:p>
             <a:pPr algn="ctr"/>
             <a:r>
-              <a:rPr lang="ko-KR" altLang="en-US" dirty="0"/>
+              <a:rPr lang="ko-KR" altLang="en-US" dirty="0" smtClean="0"/>
               <a:t>문의하기</a:t>
             </a:r>
+            <a:endParaRPr lang="ko-KR" altLang="en-US" dirty="0"/>
           </a:p>
         </p:txBody>
       </p:sp>
@@ -21030,13 +21737,14 @@
           <a:p>
             <a:pPr algn="ctr"/>
             <a:r>
-              <a:rPr lang="ko-KR" altLang="en-US"/>
+              <a:rPr lang="ko-KR" altLang="en-US" smtClean="0"/>
               <a:t>찜한</a:t>
             </a:r>
             <a:r>
-              <a:rPr lang="ko-KR" altLang="en-US" dirty="0"/>
+              <a:rPr lang="ko-KR" altLang="en-US" dirty="0" smtClean="0"/>
               <a:t> 게시물</a:t>
             </a:r>
+            <a:endParaRPr lang="ko-KR" altLang="en-US" dirty="0"/>
           </a:p>
         </p:txBody>
       </p:sp>
@@ -21115,9 +21823,10 @@
           <a:p>
             <a:pPr algn="ctr"/>
             <a:r>
-              <a:rPr lang="ko-KR" altLang="en-US"/>
+              <a:rPr lang="ko-KR" altLang="en-US" smtClean="0"/>
               <a:t>프로필사진</a:t>
             </a:r>
+            <a:endParaRPr lang="ko-KR" altLang="en-US"/>
           </a:p>
         </p:txBody>
       </p:sp>
@@ -21174,7 +21883,7 @@
           <a:lstStyle/>
           <a:p>
             <a:r>
-              <a:rPr lang="ko-KR" altLang="en-US"/>
+              <a:rPr lang="ko-KR" altLang="en-US" smtClean="0"/>
               <a:t>배경사진</a:t>
             </a:r>
             <a:endParaRPr lang="ko-KR" altLang="en-US" dirty="0"/>
@@ -21204,9 +21913,10 @@
           <a:lstStyle/>
           <a:p>
             <a:r>
-              <a:rPr lang="ko-KR" altLang="en-US"/>
+              <a:rPr lang="ko-KR" altLang="en-US" smtClean="0"/>
               <a:t>김태민</a:t>
             </a:r>
+            <a:endParaRPr lang="ko-KR" altLang="en-US"/>
           </a:p>
         </p:txBody>
       </p:sp>
@@ -21233,9 +21943,10 @@
           <a:lstStyle/>
           <a:p>
             <a:r>
-              <a:rPr lang="ko-KR" altLang="en-US"/>
+              <a:rPr lang="ko-KR" altLang="en-US" smtClean="0"/>
               <a:t>하고싶은 간단한 자기 소개</a:t>
             </a:r>
+            <a:endParaRPr lang="ko-KR" altLang="en-US"/>
           </a:p>
         </p:txBody>
       </p:sp>
@@ -21274,9 +21985,10 @@
           <a:p>
             <a:pPr algn="ctr"/>
             <a:r>
-              <a:rPr lang="ko-KR" altLang="en-US" dirty="0"/>
+              <a:rPr lang="ko-KR" altLang="en-US" dirty="0" smtClean="0"/>
               <a:t>글쓰기</a:t>
             </a:r>
+            <a:endParaRPr lang="ko-KR" altLang="en-US" dirty="0"/>
           </a:p>
         </p:txBody>
       </p:sp>
@@ -21315,7 +22027,7 @@
           <a:p>
             <a:pPr algn="ctr"/>
             <a:r>
-              <a:rPr lang="ko-KR" altLang="en-US" sz="800" dirty="0" err="1"/>
+              <a:rPr lang="ko-KR" altLang="en-US" sz="800" dirty="0" err="1" smtClean="0"/>
               <a:t>엠블럼</a:t>
             </a:r>
             <a:endParaRPr lang="ko-KR" altLang="en-US" sz="800" dirty="0"/>
@@ -21357,9 +22069,10 @@
           <a:p>
             <a:pPr algn="ctr"/>
             <a:r>
-              <a:rPr lang="ko-KR" altLang="en-US" sz="800" dirty="0"/>
+              <a:rPr lang="ko-KR" altLang="en-US" sz="800" dirty="0" smtClean="0"/>
               <a:t>달력</a:t>
             </a:r>
+            <a:endParaRPr lang="ko-KR" altLang="en-US" sz="800" dirty="0"/>
           </a:p>
         </p:txBody>
       </p:sp>
@@ -21398,9 +22111,10 @@
           <a:p>
             <a:pPr algn="ctr"/>
             <a:r>
-              <a:rPr lang="ko-KR" altLang="en-US" sz="800" dirty="0"/>
+              <a:rPr lang="ko-KR" altLang="en-US" sz="800" dirty="0" smtClean="0"/>
               <a:t>글쓰기</a:t>
             </a:r>
+            <a:endParaRPr lang="ko-KR" altLang="en-US" sz="800" dirty="0"/>
           </a:p>
         </p:txBody>
       </p:sp>
@@ -21460,9 +22174,10 @@
           <a:lstStyle/>
           <a:p>
             <a:r>
-              <a:rPr lang="ko-KR" altLang="en-US"/>
+              <a:rPr lang="ko-KR" altLang="en-US" smtClean="0"/>
               <a:t>글쓰기 페이지</a:t>
             </a:r>
+            <a:endParaRPr lang="ko-KR" altLang="en-US"/>
           </a:p>
         </p:txBody>
       </p:sp>
@@ -21522,13 +22237,14 @@
           <a:lstStyle/>
           <a:p>
             <a:r>
-              <a:rPr lang="ko-KR" altLang="en-US" dirty="0" err="1"/>
+              <a:rPr lang="ko-KR" altLang="en-US" dirty="0" err="1" smtClean="0"/>
               <a:t>엠블럼</a:t>
             </a:r>
             <a:r>
-              <a:rPr lang="ko-KR" altLang="en-US" dirty="0"/>
+              <a:rPr lang="ko-KR" altLang="en-US" dirty="0" smtClean="0"/>
               <a:t> 페이지</a:t>
             </a:r>
+            <a:endParaRPr lang="ko-KR" altLang="en-US" dirty="0"/>
           </a:p>
         </p:txBody>
       </p:sp>
@@ -21588,7 +22304,7 @@
           <a:lstStyle/>
           <a:p>
             <a:r>
-              <a:rPr lang="ko-KR" altLang="en-US" dirty="0" err="1"/>
+              <a:rPr lang="ko-KR" altLang="en-US" dirty="0" err="1" smtClean="0"/>
               <a:t>달력보기</a:t>
             </a:r>
             <a:endParaRPr lang="ko-KR" altLang="en-US" dirty="0"/>
@@ -21630,9 +22346,10 @@
           <a:p>
             <a:pPr algn="ctr"/>
             <a:r>
-              <a:rPr lang="ko-KR" altLang="en-US" sz="800" dirty="0"/>
+              <a:rPr lang="ko-KR" altLang="en-US" sz="800" dirty="0" smtClean="0"/>
               <a:t>달력</a:t>
             </a:r>
+            <a:endParaRPr lang="ko-KR" altLang="en-US" sz="800" dirty="0"/>
           </a:p>
         </p:txBody>
       </p:sp>
@@ -22106,9 +22823,10 @@
           <a:p>
             <a:pPr algn="ctr"/>
             <a:r>
-              <a:rPr lang="ko-KR" altLang="en-US" dirty="0"/>
+              <a:rPr lang="ko-KR" altLang="en-US" dirty="0" smtClean="0"/>
               <a:t>닫기</a:t>
             </a:r>
+            <a:endParaRPr lang="ko-KR" altLang="en-US" dirty="0"/>
           </a:p>
         </p:txBody>
       </p:sp>
@@ -22122,6 +22840,13 @@
   <p:clrMapOvr>
     <a:masterClrMapping/>
   </p:clrMapOvr>
+  <p:timing>
+    <p:tnLst>
+      <p:par>
+        <p:cTn id="1" dur="indefinite" restart="never" nodeType="tmRoot"/>
+      </p:par>
+    </p:tnLst>
+  </p:timing>
 </p:sld>
 </file>
 
@@ -22222,9 +22947,10 @@
           <a:p>
             <a:pPr algn="ctr"/>
             <a:r>
-              <a:rPr lang="ko-KR" altLang="en-US" dirty="0"/>
+              <a:rPr lang="ko-KR" altLang="en-US" dirty="0" smtClean="0"/>
               <a:t>아이콘</a:t>
             </a:r>
+            <a:endParaRPr lang="ko-KR" altLang="en-US" dirty="0"/>
           </a:p>
         </p:txBody>
       </p:sp>
@@ -22265,9 +22991,10 @@
           <a:p>
             <a:pPr algn="ctr"/>
             <a:r>
-              <a:rPr lang="ko-KR" altLang="en-US" sz="1200" dirty="0"/>
+              <a:rPr lang="ko-KR" altLang="en-US" sz="1200" dirty="0" smtClean="0"/>
               <a:t>로그아웃</a:t>
             </a:r>
+            <a:endParaRPr lang="ko-KR" altLang="en-US" sz="1200" dirty="0"/>
           </a:p>
         </p:txBody>
       </p:sp>
@@ -22548,9 +23275,10 @@
           <a:p>
             <a:pPr algn="ctr"/>
             <a:r>
-              <a:rPr lang="ko-KR" altLang="en-US" sz="1200" dirty="0"/>
+              <a:rPr lang="ko-KR" altLang="en-US" sz="1200" dirty="0" smtClean="0"/>
               <a:t>김태민</a:t>
             </a:r>
+            <a:endParaRPr lang="ko-KR" altLang="en-US" sz="1200" dirty="0"/>
           </a:p>
         </p:txBody>
       </p:sp>
@@ -22707,9 +23435,10 @@
           <a:p>
             <a:pPr algn="ctr"/>
             <a:r>
-              <a:rPr lang="ko-KR" altLang="en-US" sz="1200" dirty="0"/>
+              <a:rPr lang="ko-KR" altLang="en-US" sz="1200" dirty="0" smtClean="0"/>
               <a:t>김태민</a:t>
             </a:r>
+            <a:endParaRPr lang="ko-KR" altLang="en-US" sz="1200" dirty="0"/>
           </a:p>
         </p:txBody>
       </p:sp>
@@ -22866,9 +23595,10 @@
           <a:p>
             <a:pPr algn="ctr"/>
             <a:r>
-              <a:rPr lang="ko-KR" altLang="en-US" sz="1200" dirty="0"/>
+              <a:rPr lang="ko-KR" altLang="en-US" sz="1200" dirty="0" smtClean="0"/>
               <a:t>김태민</a:t>
             </a:r>
+            <a:endParaRPr lang="ko-KR" altLang="en-US" sz="1200" dirty="0"/>
           </a:p>
         </p:txBody>
       </p:sp>
@@ -23025,9 +23755,10 @@
           <a:p>
             <a:pPr algn="ctr"/>
             <a:r>
-              <a:rPr lang="ko-KR" altLang="en-US" sz="1200" dirty="0"/>
+              <a:rPr lang="ko-KR" altLang="en-US" sz="1200" dirty="0" smtClean="0"/>
               <a:t>김태민</a:t>
             </a:r>
+            <a:endParaRPr lang="ko-KR" altLang="en-US" sz="1200" dirty="0"/>
           </a:p>
         </p:txBody>
       </p:sp>
@@ -23146,9 +23877,10 @@
           <a:p>
             <a:pPr algn="ctr"/>
             <a:r>
-              <a:rPr lang="ko-KR" altLang="en-US" sz="800" dirty="0"/>
+              <a:rPr lang="ko-KR" altLang="en-US" sz="800" dirty="0" smtClean="0"/>
               <a:t>좋아요</a:t>
             </a:r>
+            <a:endParaRPr lang="ko-KR" altLang="en-US" sz="800" dirty="0"/>
           </a:p>
         </p:txBody>
       </p:sp>
@@ -23175,21 +23907,22 @@
           <a:lstStyle/>
           <a:p>
             <a:r>
-              <a:rPr lang="en-US" altLang="ko-KR" sz="1200" dirty="0"/>
+              <a:rPr lang="en-US" altLang="ko-KR" sz="1200" dirty="0" smtClean="0"/>
               <a:t># </a:t>
             </a:r>
             <a:r>
-              <a:rPr lang="ko-KR" altLang="en-US" sz="1200" dirty="0"/>
+              <a:rPr lang="ko-KR" altLang="en-US" sz="1200" dirty="0" smtClean="0"/>
               <a:t>제주도 </a:t>
             </a:r>
             <a:r>
-              <a:rPr lang="en-US" altLang="ko-KR" sz="1200" dirty="0"/>
+              <a:rPr lang="en-US" altLang="ko-KR" sz="1200" dirty="0" smtClean="0"/>
               <a:t>#</a:t>
             </a:r>
             <a:r>
-              <a:rPr lang="ko-KR" altLang="en-US" sz="1200" dirty="0"/>
+              <a:rPr lang="ko-KR" altLang="en-US" sz="1200" dirty="0" smtClean="0"/>
               <a:t>여행</a:t>
             </a:r>
+            <a:endParaRPr lang="ko-KR" altLang="en-US" sz="1200" dirty="0"/>
           </a:p>
         </p:txBody>
       </p:sp>
@@ -23216,21 +23949,22 @@
           <a:lstStyle/>
           <a:p>
             <a:r>
-              <a:rPr lang="en-US" altLang="ko-KR" sz="1200" dirty="0"/>
+              <a:rPr lang="en-US" altLang="ko-KR" sz="1200" dirty="0" smtClean="0"/>
               <a:t># </a:t>
             </a:r>
             <a:r>
-              <a:rPr lang="ko-KR" altLang="en-US" sz="1200" dirty="0"/>
+              <a:rPr lang="ko-KR" altLang="en-US" sz="1200" dirty="0" smtClean="0"/>
               <a:t>제주도 </a:t>
             </a:r>
             <a:r>
-              <a:rPr lang="en-US" altLang="ko-KR" sz="1200" dirty="0"/>
+              <a:rPr lang="en-US" altLang="ko-KR" sz="1200" dirty="0" smtClean="0"/>
               <a:t>#</a:t>
             </a:r>
             <a:r>
-              <a:rPr lang="ko-KR" altLang="en-US" sz="1200" dirty="0"/>
+              <a:rPr lang="ko-KR" altLang="en-US" sz="1200" dirty="0" smtClean="0"/>
               <a:t>여행</a:t>
             </a:r>
+            <a:endParaRPr lang="ko-KR" altLang="en-US" sz="1200" dirty="0"/>
           </a:p>
         </p:txBody>
       </p:sp>
@@ -23257,21 +23991,22 @@
           <a:lstStyle/>
           <a:p>
             <a:r>
-              <a:rPr lang="en-US" altLang="ko-KR" sz="1200" dirty="0"/>
+              <a:rPr lang="en-US" altLang="ko-KR" sz="1200" dirty="0" smtClean="0"/>
               <a:t># </a:t>
             </a:r>
             <a:r>
-              <a:rPr lang="ko-KR" altLang="en-US" sz="1200" dirty="0"/>
+              <a:rPr lang="ko-KR" altLang="en-US" sz="1200" dirty="0" smtClean="0"/>
               <a:t>제주도 </a:t>
             </a:r>
             <a:r>
-              <a:rPr lang="en-US" altLang="ko-KR" sz="1200" dirty="0"/>
+              <a:rPr lang="en-US" altLang="ko-KR" sz="1200" dirty="0" smtClean="0"/>
               <a:t>#</a:t>
             </a:r>
             <a:r>
-              <a:rPr lang="ko-KR" altLang="en-US" sz="1200" dirty="0"/>
+              <a:rPr lang="ko-KR" altLang="en-US" sz="1200" dirty="0" smtClean="0"/>
               <a:t>여행</a:t>
             </a:r>
+            <a:endParaRPr lang="ko-KR" altLang="en-US" sz="1200" dirty="0"/>
           </a:p>
         </p:txBody>
       </p:sp>
@@ -23310,9 +24045,10 @@
           <a:p>
             <a:pPr algn="ctr"/>
             <a:r>
-              <a:rPr lang="ko-KR" altLang="en-US" sz="800" dirty="0"/>
+              <a:rPr lang="ko-KR" altLang="en-US" sz="800" dirty="0" smtClean="0"/>
               <a:t>좋아요</a:t>
             </a:r>
+            <a:endParaRPr lang="ko-KR" altLang="en-US" sz="800" dirty="0"/>
           </a:p>
         </p:txBody>
       </p:sp>
@@ -23351,9 +24087,10 @@
           <a:p>
             <a:pPr algn="ctr"/>
             <a:r>
-              <a:rPr lang="ko-KR" altLang="en-US" sz="800" dirty="0"/>
+              <a:rPr lang="ko-KR" altLang="en-US" sz="800" dirty="0" smtClean="0"/>
               <a:t>좋아요</a:t>
             </a:r>
+            <a:endParaRPr lang="ko-KR" altLang="en-US" sz="800" dirty="0"/>
           </a:p>
         </p:txBody>
       </p:sp>
@@ -23392,9 +24129,10 @@
           <a:p>
             <a:pPr algn="ctr"/>
             <a:r>
-              <a:rPr lang="ko-KR" altLang="en-US" dirty="0"/>
+              <a:rPr lang="ko-KR" altLang="en-US" dirty="0" smtClean="0"/>
               <a:t>문의하기</a:t>
             </a:r>
+            <a:endParaRPr lang="ko-KR" altLang="en-US" dirty="0"/>
           </a:p>
         </p:txBody>
       </p:sp>
@@ -23433,13 +24171,14 @@
           <a:p>
             <a:pPr algn="ctr"/>
             <a:r>
-              <a:rPr lang="ko-KR" altLang="en-US"/>
+              <a:rPr lang="ko-KR" altLang="en-US" smtClean="0"/>
               <a:t>찜한</a:t>
             </a:r>
             <a:r>
-              <a:rPr lang="ko-KR" altLang="en-US" dirty="0"/>
+              <a:rPr lang="ko-KR" altLang="en-US" dirty="0" smtClean="0"/>
               <a:t> 게시물</a:t>
             </a:r>
+            <a:endParaRPr lang="ko-KR" altLang="en-US" dirty="0"/>
           </a:p>
         </p:txBody>
       </p:sp>
@@ -23518,9 +24257,10 @@
           <a:p>
             <a:pPr algn="ctr"/>
             <a:r>
-              <a:rPr lang="ko-KR" altLang="en-US"/>
+              <a:rPr lang="ko-KR" altLang="en-US" smtClean="0"/>
               <a:t>프로필사진</a:t>
             </a:r>
+            <a:endParaRPr lang="ko-KR" altLang="en-US"/>
           </a:p>
         </p:txBody>
       </p:sp>
@@ -23577,7 +24317,7 @@
           <a:lstStyle/>
           <a:p>
             <a:r>
-              <a:rPr lang="ko-KR" altLang="en-US"/>
+              <a:rPr lang="ko-KR" altLang="en-US" smtClean="0"/>
               <a:t>배경사진</a:t>
             </a:r>
             <a:endParaRPr lang="ko-KR" altLang="en-US" dirty="0"/>
@@ -23607,9 +24347,10 @@
           <a:lstStyle/>
           <a:p>
             <a:r>
-              <a:rPr lang="ko-KR" altLang="en-US"/>
+              <a:rPr lang="ko-KR" altLang="en-US" smtClean="0"/>
               <a:t>김태민</a:t>
             </a:r>
+            <a:endParaRPr lang="ko-KR" altLang="en-US"/>
           </a:p>
         </p:txBody>
       </p:sp>
@@ -23636,9 +24377,10 @@
           <a:lstStyle/>
           <a:p>
             <a:r>
-              <a:rPr lang="ko-KR" altLang="en-US"/>
+              <a:rPr lang="ko-KR" altLang="en-US" smtClean="0"/>
               <a:t>하고싶은 간단한 자기 소개</a:t>
             </a:r>
+            <a:endParaRPr lang="ko-KR" altLang="en-US"/>
           </a:p>
         </p:txBody>
       </p:sp>
@@ -23677,9 +24419,10 @@
           <a:p>
             <a:pPr algn="ctr"/>
             <a:r>
-              <a:rPr lang="ko-KR" altLang="en-US" dirty="0"/>
+              <a:rPr lang="ko-KR" altLang="en-US" dirty="0" smtClean="0"/>
               <a:t>글쓰기</a:t>
             </a:r>
+            <a:endParaRPr lang="ko-KR" altLang="en-US" dirty="0"/>
           </a:p>
         </p:txBody>
       </p:sp>
@@ -23718,7 +24461,7 @@
           <a:p>
             <a:pPr algn="ctr"/>
             <a:r>
-              <a:rPr lang="ko-KR" altLang="en-US" sz="800" dirty="0" err="1"/>
+              <a:rPr lang="ko-KR" altLang="en-US" sz="800" dirty="0" err="1" smtClean="0"/>
               <a:t>엠블럼</a:t>
             </a:r>
             <a:endParaRPr lang="ko-KR" altLang="en-US" sz="800" dirty="0"/>
@@ -23760,9 +24503,10 @@
           <a:p>
             <a:pPr algn="ctr"/>
             <a:r>
-              <a:rPr lang="ko-KR" altLang="en-US" sz="800" dirty="0"/>
+              <a:rPr lang="ko-KR" altLang="en-US" sz="800" dirty="0" smtClean="0"/>
               <a:t>달력</a:t>
             </a:r>
+            <a:endParaRPr lang="ko-KR" altLang="en-US" sz="800" dirty="0"/>
           </a:p>
         </p:txBody>
       </p:sp>
@@ -23801,9 +24545,10 @@
           <a:p>
             <a:pPr algn="ctr"/>
             <a:r>
-              <a:rPr lang="ko-KR" altLang="en-US" sz="800" dirty="0"/>
+              <a:rPr lang="ko-KR" altLang="en-US" sz="800" dirty="0" smtClean="0"/>
               <a:t>글쓰기</a:t>
             </a:r>
+            <a:endParaRPr lang="ko-KR" altLang="en-US" sz="800" dirty="0"/>
           </a:p>
         </p:txBody>
       </p:sp>
@@ -23863,9 +24608,10 @@
           <a:lstStyle/>
           <a:p>
             <a:r>
-              <a:rPr lang="ko-KR" altLang="en-US"/>
+              <a:rPr lang="ko-KR" altLang="en-US" smtClean="0"/>
               <a:t>글쓰기 페이지</a:t>
             </a:r>
+            <a:endParaRPr lang="ko-KR" altLang="en-US"/>
           </a:p>
         </p:txBody>
       </p:sp>
@@ -23925,13 +24671,14 @@
           <a:lstStyle/>
           <a:p>
             <a:r>
-              <a:rPr lang="ko-KR" altLang="en-US" dirty="0" err="1"/>
+              <a:rPr lang="ko-KR" altLang="en-US" dirty="0" err="1" smtClean="0"/>
               <a:t>엠블럼</a:t>
             </a:r>
             <a:r>
-              <a:rPr lang="ko-KR" altLang="en-US" dirty="0"/>
+              <a:rPr lang="ko-KR" altLang="en-US" dirty="0" smtClean="0"/>
               <a:t> 페이지</a:t>
             </a:r>
+            <a:endParaRPr lang="ko-KR" altLang="en-US" dirty="0"/>
           </a:p>
         </p:txBody>
       </p:sp>
@@ -23991,7 +24738,7 @@
           <a:lstStyle/>
           <a:p>
             <a:r>
-              <a:rPr lang="ko-KR" altLang="en-US" dirty="0" err="1"/>
+              <a:rPr lang="ko-KR" altLang="en-US" dirty="0" err="1" smtClean="0"/>
               <a:t>달력보기</a:t>
             </a:r>
             <a:endParaRPr lang="ko-KR" altLang="en-US" dirty="0"/>
@@ -24033,9 +24780,10 @@
           <a:p>
             <a:pPr algn="ctr"/>
             <a:r>
-              <a:rPr lang="ko-KR" altLang="en-US" sz="800" dirty="0"/>
+              <a:rPr lang="ko-KR" altLang="en-US" sz="800" dirty="0" smtClean="0"/>
               <a:t>달력</a:t>
             </a:r>
+            <a:endParaRPr lang="ko-KR" altLang="en-US" sz="800" dirty="0"/>
           </a:p>
         </p:txBody>
       </p:sp>
@@ -24509,9 +25257,10 @@
           <a:p>
             <a:pPr algn="ctr"/>
             <a:r>
-              <a:rPr lang="ko-KR" altLang="en-US" dirty="0"/>
+              <a:rPr lang="ko-KR" altLang="en-US" dirty="0" smtClean="0"/>
               <a:t>닫기</a:t>
             </a:r>
+            <a:endParaRPr lang="ko-KR" altLang="en-US" dirty="0"/>
           </a:p>
         </p:txBody>
       </p:sp>
@@ -24550,39 +25299,39 @@
           <a:p>
             <a:pPr algn="ctr"/>
             <a:r>
-              <a:rPr lang="ko-KR" altLang="en-US" dirty="0"/>
+              <a:rPr lang="ko-KR" altLang="en-US" dirty="0" smtClean="0"/>
               <a:t>얻지 못한 </a:t>
             </a:r>
             <a:r>
-              <a:rPr lang="ko-KR" altLang="en-US" dirty="0" err="1"/>
+              <a:rPr lang="ko-KR" altLang="en-US" dirty="0" err="1" smtClean="0"/>
               <a:t>엠블럼</a:t>
             </a:r>
-            <a:endParaRPr lang="en-US" altLang="ko-KR" dirty="0"/>
-          </a:p>
-          <a:p>
-            <a:pPr algn="ctr"/>
-            <a:r>
-              <a:rPr lang="ko-KR" altLang="en-US" dirty="0" err="1"/>
+            <a:endParaRPr lang="en-US" altLang="ko-KR" dirty="0" smtClean="0"/>
+          </a:p>
+          <a:p>
+            <a:pPr algn="ctr"/>
+            <a:r>
+              <a:rPr lang="ko-KR" altLang="en-US" dirty="0" err="1" smtClean="0"/>
               <a:t>엠블럼</a:t>
             </a:r>
             <a:r>
-              <a:rPr lang="ko-KR" altLang="en-US" dirty="0"/>
+              <a:rPr lang="ko-KR" altLang="en-US" dirty="0" smtClean="0"/>
               <a:t> 이름</a:t>
             </a:r>
-            <a:endParaRPr lang="en-US" altLang="ko-KR" dirty="0"/>
-          </a:p>
-          <a:p>
-            <a:pPr algn="ctr"/>
-            <a:r>
-              <a:rPr lang="ko-KR" altLang="en-US" dirty="0" err="1"/>
+            <a:endParaRPr lang="en-US" altLang="ko-KR" dirty="0" smtClean="0"/>
+          </a:p>
+          <a:p>
+            <a:pPr algn="ctr"/>
+            <a:r>
+              <a:rPr lang="ko-KR" altLang="en-US" dirty="0" err="1" smtClean="0"/>
               <a:t>획득조건</a:t>
             </a:r>
             <a:r>
-              <a:rPr lang="ko-KR" altLang="en-US" dirty="0"/>
+              <a:rPr lang="ko-KR" altLang="en-US" dirty="0" smtClean="0"/>
               <a:t> </a:t>
             </a:r>
             <a:r>
-              <a:rPr lang="en-US" altLang="ko-KR" dirty="0"/>
+              <a:rPr lang="en-US" altLang="ko-KR" dirty="0" smtClean="0"/>
               <a:t>: </a:t>
             </a:r>
             <a:endParaRPr lang="ko-KR" altLang="en-US" dirty="0"/>
@@ -24624,35 +25373,35 @@
           <a:p>
             <a:pPr algn="ctr"/>
             <a:r>
-              <a:rPr lang="ko-KR" altLang="en-US" dirty="0"/>
+              <a:rPr lang="ko-KR" altLang="en-US" dirty="0" smtClean="0"/>
               <a:t>갖고있는 </a:t>
             </a:r>
             <a:r>
-              <a:rPr lang="ko-KR" altLang="en-US" dirty="0" err="1"/>
+              <a:rPr lang="ko-KR" altLang="en-US" dirty="0" err="1" smtClean="0"/>
               <a:t>엠블럼</a:t>
             </a:r>
-            <a:endParaRPr lang="en-US" altLang="ko-KR" dirty="0"/>
-          </a:p>
-          <a:p>
-            <a:pPr algn="ctr"/>
-            <a:r>
-              <a:rPr lang="ko-KR" altLang="en-US" dirty="0" err="1"/>
+            <a:endParaRPr lang="en-US" altLang="ko-KR" dirty="0" smtClean="0"/>
+          </a:p>
+          <a:p>
+            <a:pPr algn="ctr"/>
+            <a:r>
+              <a:rPr lang="ko-KR" altLang="en-US" dirty="0" err="1" smtClean="0"/>
               <a:t>엠블럼</a:t>
             </a:r>
             <a:r>
-              <a:rPr lang="ko-KR" altLang="en-US" dirty="0"/>
+              <a:rPr lang="ko-KR" altLang="en-US" dirty="0" smtClean="0"/>
               <a:t> 이름</a:t>
             </a:r>
-            <a:endParaRPr lang="en-US" altLang="ko-KR" dirty="0"/>
-          </a:p>
-          <a:p>
-            <a:pPr algn="ctr"/>
-            <a:r>
-              <a:rPr lang="ko-KR" altLang="en-US" dirty="0"/>
+            <a:endParaRPr lang="en-US" altLang="ko-KR" dirty="0" smtClean="0"/>
+          </a:p>
+          <a:p>
+            <a:pPr algn="ctr"/>
+            <a:r>
+              <a:rPr lang="ko-KR" altLang="en-US" dirty="0" smtClean="0"/>
               <a:t>획득 날짜</a:t>
             </a:r>
             <a:r>
-              <a:rPr lang="en-US" altLang="ko-KR" dirty="0"/>
+              <a:rPr lang="en-US" altLang="ko-KR" dirty="0" smtClean="0"/>
               <a:t>: </a:t>
             </a:r>
           </a:p>
@@ -24699,9 +25448,10 @@
           <a:p>
             <a:pPr algn="ctr"/>
             <a:r>
-              <a:rPr lang="ko-KR" altLang="en-US"/>
+              <a:rPr lang="ko-KR" altLang="en-US" smtClean="0"/>
               <a:t>대표 설정</a:t>
             </a:r>
+            <a:endParaRPr lang="ko-KR" altLang="en-US"/>
           </a:p>
         </p:txBody>
       </p:sp>
@@ -24781,6 +25531,13 @@
   <p:clrMapOvr>
     <a:masterClrMapping/>
   </p:clrMapOvr>
+  <p:timing>
+    <p:tnLst>
+      <p:par>
+        <p:cTn id="1" dur="indefinite" restart="never" nodeType="tmRoot"/>
+      </p:par>
+    </p:tnLst>
+  </p:timing>
 </p:sld>
 </file>
 
@@ -24881,9 +25638,10 @@
           <a:p>
             <a:pPr algn="ctr"/>
             <a:r>
-              <a:rPr lang="ko-KR" altLang="en-US" dirty="0"/>
+              <a:rPr lang="ko-KR" altLang="en-US" dirty="0" smtClean="0"/>
               <a:t>아이콘</a:t>
             </a:r>
+            <a:endParaRPr lang="ko-KR" altLang="en-US" dirty="0"/>
           </a:p>
         </p:txBody>
       </p:sp>
@@ -24924,9 +25682,10 @@
           <a:p>
             <a:pPr algn="ctr"/>
             <a:r>
-              <a:rPr lang="ko-KR" altLang="en-US" sz="1200" dirty="0"/>
+              <a:rPr lang="ko-KR" altLang="en-US" sz="1200" dirty="0" smtClean="0"/>
               <a:t>로그아웃</a:t>
             </a:r>
+            <a:endParaRPr lang="ko-KR" altLang="en-US" sz="1200" dirty="0"/>
           </a:p>
         </p:txBody>
       </p:sp>
@@ -25207,9 +25966,10 @@
           <a:p>
             <a:pPr algn="ctr"/>
             <a:r>
-              <a:rPr lang="ko-KR" altLang="en-US" sz="1200" dirty="0"/>
+              <a:rPr lang="ko-KR" altLang="en-US" sz="1200" dirty="0" smtClean="0"/>
               <a:t>김태민</a:t>
             </a:r>
+            <a:endParaRPr lang="ko-KR" altLang="en-US" sz="1200" dirty="0"/>
           </a:p>
         </p:txBody>
       </p:sp>
@@ -25366,9 +26126,10 @@
           <a:p>
             <a:pPr algn="ctr"/>
             <a:r>
-              <a:rPr lang="ko-KR" altLang="en-US" sz="1200" dirty="0"/>
+              <a:rPr lang="ko-KR" altLang="en-US" sz="1200" dirty="0" smtClean="0"/>
               <a:t>김태민</a:t>
             </a:r>
+            <a:endParaRPr lang="ko-KR" altLang="en-US" sz="1200" dirty="0"/>
           </a:p>
         </p:txBody>
       </p:sp>
@@ -25525,9 +26286,10 @@
           <a:p>
             <a:pPr algn="ctr"/>
             <a:r>
-              <a:rPr lang="ko-KR" altLang="en-US" sz="1200" dirty="0"/>
+              <a:rPr lang="ko-KR" altLang="en-US" sz="1200" dirty="0" smtClean="0"/>
               <a:t>김태민</a:t>
             </a:r>
+            <a:endParaRPr lang="ko-KR" altLang="en-US" sz="1200" dirty="0"/>
           </a:p>
         </p:txBody>
       </p:sp>
@@ -25684,9 +26446,10 @@
           <a:p>
             <a:pPr algn="ctr"/>
             <a:r>
-              <a:rPr lang="ko-KR" altLang="en-US" sz="1200" dirty="0"/>
+              <a:rPr lang="ko-KR" altLang="en-US" sz="1200" dirty="0" smtClean="0"/>
               <a:t>김태민</a:t>
             </a:r>
+            <a:endParaRPr lang="ko-KR" altLang="en-US" sz="1200" dirty="0"/>
           </a:p>
         </p:txBody>
       </p:sp>
@@ -25805,9 +26568,10 @@
           <a:p>
             <a:pPr algn="ctr"/>
             <a:r>
-              <a:rPr lang="ko-KR" altLang="en-US" sz="800" dirty="0"/>
+              <a:rPr lang="ko-KR" altLang="en-US" sz="800" dirty="0" smtClean="0"/>
               <a:t>좋아요</a:t>
             </a:r>
+            <a:endParaRPr lang="ko-KR" altLang="en-US" sz="800" dirty="0"/>
           </a:p>
         </p:txBody>
       </p:sp>
@@ -25834,21 +26598,22 @@
           <a:lstStyle/>
           <a:p>
             <a:r>
-              <a:rPr lang="en-US" altLang="ko-KR" sz="1200" dirty="0"/>
+              <a:rPr lang="en-US" altLang="ko-KR" sz="1200" dirty="0" smtClean="0"/>
               <a:t># </a:t>
             </a:r>
             <a:r>
-              <a:rPr lang="ko-KR" altLang="en-US" sz="1200" dirty="0"/>
+              <a:rPr lang="ko-KR" altLang="en-US" sz="1200" dirty="0" smtClean="0"/>
               <a:t>제주도 </a:t>
             </a:r>
             <a:r>
-              <a:rPr lang="en-US" altLang="ko-KR" sz="1200" dirty="0"/>
+              <a:rPr lang="en-US" altLang="ko-KR" sz="1200" dirty="0" smtClean="0"/>
               <a:t>#</a:t>
             </a:r>
             <a:r>
-              <a:rPr lang="ko-KR" altLang="en-US" sz="1200" dirty="0"/>
+              <a:rPr lang="ko-KR" altLang="en-US" sz="1200" dirty="0" smtClean="0"/>
               <a:t>여행</a:t>
             </a:r>
+            <a:endParaRPr lang="ko-KR" altLang="en-US" sz="1200" dirty="0"/>
           </a:p>
         </p:txBody>
       </p:sp>
@@ -25875,21 +26640,22 @@
           <a:lstStyle/>
           <a:p>
             <a:r>
-              <a:rPr lang="en-US" altLang="ko-KR" sz="1200" dirty="0"/>
+              <a:rPr lang="en-US" altLang="ko-KR" sz="1200" dirty="0" smtClean="0"/>
               <a:t># </a:t>
             </a:r>
             <a:r>
-              <a:rPr lang="ko-KR" altLang="en-US" sz="1200" dirty="0"/>
+              <a:rPr lang="ko-KR" altLang="en-US" sz="1200" dirty="0" smtClean="0"/>
               <a:t>제주도 </a:t>
             </a:r>
             <a:r>
-              <a:rPr lang="en-US" altLang="ko-KR" sz="1200" dirty="0"/>
+              <a:rPr lang="en-US" altLang="ko-KR" sz="1200" dirty="0" smtClean="0"/>
               <a:t>#</a:t>
             </a:r>
             <a:r>
-              <a:rPr lang="ko-KR" altLang="en-US" sz="1200" dirty="0"/>
+              <a:rPr lang="ko-KR" altLang="en-US" sz="1200" dirty="0" smtClean="0"/>
               <a:t>여행</a:t>
             </a:r>
+            <a:endParaRPr lang="ko-KR" altLang="en-US" sz="1200" dirty="0"/>
           </a:p>
         </p:txBody>
       </p:sp>
@@ -25916,21 +26682,22 @@
           <a:lstStyle/>
           <a:p>
             <a:r>
-              <a:rPr lang="en-US" altLang="ko-KR" sz="1200" dirty="0"/>
+              <a:rPr lang="en-US" altLang="ko-KR" sz="1200" dirty="0" smtClean="0"/>
               <a:t># </a:t>
             </a:r>
             <a:r>
-              <a:rPr lang="ko-KR" altLang="en-US" sz="1200" dirty="0"/>
+              <a:rPr lang="ko-KR" altLang="en-US" sz="1200" dirty="0" smtClean="0"/>
               <a:t>제주도 </a:t>
             </a:r>
             <a:r>
-              <a:rPr lang="en-US" altLang="ko-KR" sz="1200" dirty="0"/>
+              <a:rPr lang="en-US" altLang="ko-KR" sz="1200" dirty="0" smtClean="0"/>
               <a:t>#</a:t>
             </a:r>
             <a:r>
-              <a:rPr lang="ko-KR" altLang="en-US" sz="1200" dirty="0"/>
+              <a:rPr lang="ko-KR" altLang="en-US" sz="1200" dirty="0" smtClean="0"/>
               <a:t>여행</a:t>
             </a:r>
+            <a:endParaRPr lang="ko-KR" altLang="en-US" sz="1200" dirty="0"/>
           </a:p>
         </p:txBody>
       </p:sp>
@@ -25969,9 +26736,10 @@
           <a:p>
             <a:pPr algn="ctr"/>
             <a:r>
-              <a:rPr lang="ko-KR" altLang="en-US" sz="800" dirty="0"/>
+              <a:rPr lang="ko-KR" altLang="en-US" sz="800" dirty="0" smtClean="0"/>
               <a:t>좋아요</a:t>
             </a:r>
+            <a:endParaRPr lang="ko-KR" altLang="en-US" sz="800" dirty="0"/>
           </a:p>
         </p:txBody>
       </p:sp>
@@ -26010,9 +26778,10 @@
           <a:p>
             <a:pPr algn="ctr"/>
             <a:r>
-              <a:rPr lang="ko-KR" altLang="en-US" sz="800" dirty="0"/>
+              <a:rPr lang="ko-KR" altLang="en-US" sz="800" dirty="0" smtClean="0"/>
               <a:t>좋아요</a:t>
             </a:r>
+            <a:endParaRPr lang="ko-KR" altLang="en-US" sz="800" dirty="0"/>
           </a:p>
         </p:txBody>
       </p:sp>
@@ -26051,9 +26820,10 @@
           <a:p>
             <a:pPr algn="ctr"/>
             <a:r>
-              <a:rPr lang="ko-KR" altLang="en-US" dirty="0"/>
+              <a:rPr lang="ko-KR" altLang="en-US" dirty="0" smtClean="0"/>
               <a:t>문의하기</a:t>
             </a:r>
+            <a:endParaRPr lang="ko-KR" altLang="en-US" dirty="0"/>
           </a:p>
         </p:txBody>
       </p:sp>
@@ -26092,13 +26862,14 @@
           <a:p>
             <a:pPr algn="ctr"/>
             <a:r>
-              <a:rPr lang="ko-KR" altLang="en-US"/>
+              <a:rPr lang="ko-KR" altLang="en-US" smtClean="0"/>
               <a:t>찜한</a:t>
             </a:r>
             <a:r>
-              <a:rPr lang="ko-KR" altLang="en-US" dirty="0"/>
+              <a:rPr lang="ko-KR" altLang="en-US" dirty="0" smtClean="0"/>
               <a:t> 게시물</a:t>
             </a:r>
+            <a:endParaRPr lang="ko-KR" altLang="en-US" dirty="0"/>
           </a:p>
         </p:txBody>
       </p:sp>
@@ -26177,9 +26948,10 @@
           <a:p>
             <a:pPr algn="ctr"/>
             <a:r>
-              <a:rPr lang="ko-KR" altLang="en-US"/>
+              <a:rPr lang="ko-KR" altLang="en-US" smtClean="0"/>
               <a:t>프로필사진</a:t>
             </a:r>
+            <a:endParaRPr lang="ko-KR" altLang="en-US"/>
           </a:p>
         </p:txBody>
       </p:sp>
@@ -26236,7 +27008,7 @@
           <a:lstStyle/>
           <a:p>
             <a:r>
-              <a:rPr lang="ko-KR" altLang="en-US"/>
+              <a:rPr lang="ko-KR" altLang="en-US" smtClean="0"/>
               <a:t>배경사진</a:t>
             </a:r>
             <a:endParaRPr lang="ko-KR" altLang="en-US" dirty="0"/>
@@ -26266,9 +27038,10 @@
           <a:lstStyle/>
           <a:p>
             <a:r>
-              <a:rPr lang="ko-KR" altLang="en-US"/>
+              <a:rPr lang="ko-KR" altLang="en-US" smtClean="0"/>
               <a:t>김태민</a:t>
             </a:r>
+            <a:endParaRPr lang="ko-KR" altLang="en-US"/>
           </a:p>
         </p:txBody>
       </p:sp>
@@ -26295,9 +27068,10 @@
           <a:lstStyle/>
           <a:p>
             <a:r>
-              <a:rPr lang="ko-KR" altLang="en-US"/>
+              <a:rPr lang="ko-KR" altLang="en-US" smtClean="0"/>
               <a:t>하고싶은 간단한 자기 소개</a:t>
             </a:r>
+            <a:endParaRPr lang="ko-KR" altLang="en-US"/>
           </a:p>
         </p:txBody>
       </p:sp>
@@ -26336,9 +27110,10 @@
           <a:p>
             <a:pPr algn="ctr"/>
             <a:r>
-              <a:rPr lang="ko-KR" altLang="en-US" dirty="0"/>
+              <a:rPr lang="ko-KR" altLang="en-US" dirty="0" smtClean="0"/>
               <a:t>글쓰기</a:t>
             </a:r>
+            <a:endParaRPr lang="ko-KR" altLang="en-US" dirty="0"/>
           </a:p>
         </p:txBody>
       </p:sp>
@@ -26377,7 +27152,7 @@
           <a:p>
             <a:pPr algn="ctr"/>
             <a:r>
-              <a:rPr lang="ko-KR" altLang="en-US" sz="800" dirty="0" err="1"/>
+              <a:rPr lang="ko-KR" altLang="en-US" sz="800" dirty="0" err="1" smtClean="0"/>
               <a:t>엠블럼</a:t>
             </a:r>
             <a:endParaRPr lang="ko-KR" altLang="en-US" sz="800" dirty="0"/>
@@ -26419,9 +27194,10 @@
           <a:p>
             <a:pPr algn="ctr"/>
             <a:r>
-              <a:rPr lang="ko-KR" altLang="en-US" sz="800" dirty="0"/>
+              <a:rPr lang="ko-KR" altLang="en-US" sz="800" dirty="0" smtClean="0"/>
               <a:t>달력</a:t>
             </a:r>
+            <a:endParaRPr lang="ko-KR" altLang="en-US" sz="800" dirty="0"/>
           </a:p>
         </p:txBody>
       </p:sp>
@@ -26460,9 +27236,10 @@
           <a:p>
             <a:pPr algn="ctr"/>
             <a:r>
-              <a:rPr lang="ko-KR" altLang="en-US" sz="800" dirty="0"/>
+              <a:rPr lang="ko-KR" altLang="en-US" sz="800" dirty="0" smtClean="0"/>
               <a:t>글쓰기</a:t>
             </a:r>
+            <a:endParaRPr lang="ko-KR" altLang="en-US" sz="800" dirty="0"/>
           </a:p>
         </p:txBody>
       </p:sp>
@@ -26522,9 +27299,10 @@
           <a:lstStyle/>
           <a:p>
             <a:r>
-              <a:rPr lang="ko-KR" altLang="en-US"/>
+              <a:rPr lang="ko-KR" altLang="en-US" smtClean="0"/>
               <a:t>글쓰기 페이지</a:t>
             </a:r>
+            <a:endParaRPr lang="ko-KR" altLang="en-US"/>
           </a:p>
         </p:txBody>
       </p:sp>
@@ -26584,13 +27362,14 @@
           <a:lstStyle/>
           <a:p>
             <a:r>
-              <a:rPr lang="ko-KR" altLang="en-US" dirty="0" err="1"/>
+              <a:rPr lang="ko-KR" altLang="en-US" dirty="0" err="1" smtClean="0"/>
               <a:t>엠블럼</a:t>
             </a:r>
             <a:r>
-              <a:rPr lang="ko-KR" altLang="en-US" dirty="0"/>
+              <a:rPr lang="ko-KR" altLang="en-US" dirty="0" smtClean="0"/>
               <a:t> 페이지</a:t>
             </a:r>
+            <a:endParaRPr lang="ko-KR" altLang="en-US" dirty="0"/>
           </a:p>
         </p:txBody>
       </p:sp>
@@ -26650,7 +27429,7 @@
           <a:lstStyle/>
           <a:p>
             <a:r>
-              <a:rPr lang="ko-KR" altLang="en-US" dirty="0" err="1"/>
+              <a:rPr lang="ko-KR" altLang="en-US" dirty="0" err="1" smtClean="0"/>
               <a:t>달력보기</a:t>
             </a:r>
             <a:endParaRPr lang="ko-KR" altLang="en-US" dirty="0"/>
@@ -26692,9 +27471,10 @@
           <a:p>
             <a:pPr algn="ctr"/>
             <a:r>
-              <a:rPr lang="ko-KR" altLang="en-US" sz="800" dirty="0"/>
+              <a:rPr lang="ko-KR" altLang="en-US" sz="800" dirty="0" smtClean="0"/>
               <a:t>달력</a:t>
             </a:r>
+            <a:endParaRPr lang="ko-KR" altLang="en-US" sz="800" dirty="0"/>
           </a:p>
         </p:txBody>
       </p:sp>
@@ -26826,9 +27606,10 @@
           <a:p>
             <a:pPr algn="ctr"/>
             <a:r>
-              <a:rPr lang="ko-KR" altLang="en-US" dirty="0"/>
+              <a:rPr lang="ko-KR" altLang="en-US" dirty="0" smtClean="0"/>
               <a:t>닫기</a:t>
             </a:r>
+            <a:endParaRPr lang="ko-KR" altLang="en-US" dirty="0"/>
           </a:p>
         </p:txBody>
       </p:sp>
@@ -26866,6 +27647,13 @@
   <p:clrMapOvr>
     <a:masterClrMapping/>
   </p:clrMapOvr>
+  <p:timing>
+    <p:tnLst>
+      <p:par>
+        <p:cTn id="1" dur="indefinite" restart="never" nodeType="tmRoot"/>
+      </p:par>
+    </p:tnLst>
+  </p:timing>
 </p:sld>
 </file>
 
@@ -26966,9 +27754,10 @@
           <a:p>
             <a:pPr algn="ctr"/>
             <a:r>
-              <a:rPr lang="ko-KR" altLang="en-US" dirty="0"/>
+              <a:rPr lang="ko-KR" altLang="en-US" dirty="0" smtClean="0"/>
               <a:t>아이콘</a:t>
             </a:r>
+            <a:endParaRPr lang="ko-KR" altLang="en-US" dirty="0"/>
           </a:p>
         </p:txBody>
       </p:sp>
@@ -27009,9 +27798,10 @@
           <a:p>
             <a:pPr algn="ctr"/>
             <a:r>
-              <a:rPr lang="ko-KR" altLang="en-US" sz="1200" dirty="0"/>
+              <a:rPr lang="ko-KR" altLang="en-US" sz="1200" dirty="0" smtClean="0"/>
               <a:t>로그아웃</a:t>
             </a:r>
+            <a:endParaRPr lang="ko-KR" altLang="en-US" sz="1200" dirty="0"/>
           </a:p>
         </p:txBody>
       </p:sp>
@@ -27292,9 +28082,10 @@
           <a:p>
             <a:pPr algn="ctr"/>
             <a:r>
-              <a:rPr lang="ko-KR" altLang="en-US" sz="1200" dirty="0"/>
+              <a:rPr lang="ko-KR" altLang="en-US" sz="1200" dirty="0" smtClean="0"/>
               <a:t>김태민</a:t>
             </a:r>
+            <a:endParaRPr lang="ko-KR" altLang="en-US" sz="1200" dirty="0"/>
           </a:p>
         </p:txBody>
       </p:sp>
@@ -27451,9 +28242,10 @@
           <a:p>
             <a:pPr algn="ctr"/>
             <a:r>
-              <a:rPr lang="ko-KR" altLang="en-US" sz="1200" dirty="0"/>
+              <a:rPr lang="ko-KR" altLang="en-US" sz="1200" dirty="0" smtClean="0"/>
               <a:t>김태민</a:t>
             </a:r>
+            <a:endParaRPr lang="ko-KR" altLang="en-US" sz="1200" dirty="0"/>
           </a:p>
         </p:txBody>
       </p:sp>
@@ -27610,9 +28402,10 @@
           <a:p>
             <a:pPr algn="ctr"/>
             <a:r>
-              <a:rPr lang="ko-KR" altLang="en-US" sz="1200" dirty="0"/>
+              <a:rPr lang="ko-KR" altLang="en-US" sz="1200" dirty="0" smtClean="0"/>
               <a:t>김태민</a:t>
             </a:r>
+            <a:endParaRPr lang="ko-KR" altLang="en-US" sz="1200" dirty="0"/>
           </a:p>
         </p:txBody>
       </p:sp>
@@ -27769,9 +28562,10 @@
           <a:p>
             <a:pPr algn="ctr"/>
             <a:r>
-              <a:rPr lang="ko-KR" altLang="en-US" sz="1200" dirty="0"/>
+              <a:rPr lang="ko-KR" altLang="en-US" sz="1200" dirty="0" smtClean="0"/>
               <a:t>김태민</a:t>
             </a:r>
+            <a:endParaRPr lang="ko-KR" altLang="en-US" sz="1200" dirty="0"/>
           </a:p>
         </p:txBody>
       </p:sp>
@@ -27890,9 +28684,10 @@
           <a:p>
             <a:pPr algn="ctr"/>
             <a:r>
-              <a:rPr lang="ko-KR" altLang="en-US" sz="800" dirty="0"/>
+              <a:rPr lang="ko-KR" altLang="en-US" sz="800" dirty="0" smtClean="0"/>
               <a:t>좋아요</a:t>
             </a:r>
+            <a:endParaRPr lang="ko-KR" altLang="en-US" sz="800" dirty="0"/>
           </a:p>
         </p:txBody>
       </p:sp>
@@ -27919,21 +28714,22 @@
           <a:lstStyle/>
           <a:p>
             <a:r>
-              <a:rPr lang="en-US" altLang="ko-KR" sz="1200" dirty="0"/>
+              <a:rPr lang="en-US" altLang="ko-KR" sz="1200" dirty="0" smtClean="0"/>
               <a:t># </a:t>
             </a:r>
             <a:r>
-              <a:rPr lang="ko-KR" altLang="en-US" sz="1200" dirty="0"/>
+              <a:rPr lang="ko-KR" altLang="en-US" sz="1200" dirty="0" smtClean="0"/>
               <a:t>제주도 </a:t>
             </a:r>
             <a:r>
-              <a:rPr lang="en-US" altLang="ko-KR" sz="1200" dirty="0"/>
+              <a:rPr lang="en-US" altLang="ko-KR" sz="1200" dirty="0" smtClean="0"/>
               <a:t>#</a:t>
             </a:r>
             <a:r>
-              <a:rPr lang="ko-KR" altLang="en-US" sz="1200" dirty="0"/>
+              <a:rPr lang="ko-KR" altLang="en-US" sz="1200" dirty="0" smtClean="0"/>
               <a:t>여행</a:t>
             </a:r>
+            <a:endParaRPr lang="ko-KR" altLang="en-US" sz="1200" dirty="0"/>
           </a:p>
         </p:txBody>
       </p:sp>
@@ -27960,21 +28756,22 @@
           <a:lstStyle/>
           <a:p>
             <a:r>
-              <a:rPr lang="en-US" altLang="ko-KR" sz="1200" dirty="0"/>
+              <a:rPr lang="en-US" altLang="ko-KR" sz="1200" dirty="0" smtClean="0"/>
               <a:t># </a:t>
             </a:r>
             <a:r>
-              <a:rPr lang="ko-KR" altLang="en-US" sz="1200" dirty="0"/>
+              <a:rPr lang="ko-KR" altLang="en-US" sz="1200" dirty="0" smtClean="0"/>
               <a:t>제주도 </a:t>
             </a:r>
             <a:r>
-              <a:rPr lang="en-US" altLang="ko-KR" sz="1200" dirty="0"/>
+              <a:rPr lang="en-US" altLang="ko-KR" sz="1200" dirty="0" smtClean="0"/>
               <a:t>#</a:t>
             </a:r>
             <a:r>
-              <a:rPr lang="ko-KR" altLang="en-US" sz="1200" dirty="0"/>
+              <a:rPr lang="ko-KR" altLang="en-US" sz="1200" dirty="0" smtClean="0"/>
               <a:t>여행</a:t>
             </a:r>
+            <a:endParaRPr lang="ko-KR" altLang="en-US" sz="1200" dirty="0"/>
           </a:p>
         </p:txBody>
       </p:sp>
@@ -28001,21 +28798,22 @@
           <a:lstStyle/>
           <a:p>
             <a:r>
-              <a:rPr lang="en-US" altLang="ko-KR" sz="1200" dirty="0"/>
+              <a:rPr lang="en-US" altLang="ko-KR" sz="1200" dirty="0" smtClean="0"/>
               <a:t># </a:t>
             </a:r>
             <a:r>
-              <a:rPr lang="ko-KR" altLang="en-US" sz="1200" dirty="0"/>
+              <a:rPr lang="ko-KR" altLang="en-US" sz="1200" dirty="0" smtClean="0"/>
               <a:t>제주도 </a:t>
             </a:r>
             <a:r>
-              <a:rPr lang="en-US" altLang="ko-KR" sz="1200" dirty="0"/>
+              <a:rPr lang="en-US" altLang="ko-KR" sz="1200" dirty="0" smtClean="0"/>
               <a:t>#</a:t>
             </a:r>
             <a:r>
-              <a:rPr lang="ko-KR" altLang="en-US" sz="1200" dirty="0"/>
+              <a:rPr lang="ko-KR" altLang="en-US" sz="1200" dirty="0" smtClean="0"/>
               <a:t>여행</a:t>
             </a:r>
+            <a:endParaRPr lang="ko-KR" altLang="en-US" sz="1200" dirty="0"/>
           </a:p>
         </p:txBody>
       </p:sp>
@@ -28054,9 +28852,10 @@
           <a:p>
             <a:pPr algn="ctr"/>
             <a:r>
-              <a:rPr lang="ko-KR" altLang="en-US" sz="800" dirty="0"/>
+              <a:rPr lang="ko-KR" altLang="en-US" sz="800" dirty="0" smtClean="0"/>
               <a:t>좋아요</a:t>
             </a:r>
+            <a:endParaRPr lang="ko-KR" altLang="en-US" sz="800" dirty="0"/>
           </a:p>
         </p:txBody>
       </p:sp>
@@ -28095,9 +28894,10 @@
           <a:p>
             <a:pPr algn="ctr"/>
             <a:r>
-              <a:rPr lang="ko-KR" altLang="en-US" sz="800" dirty="0"/>
+              <a:rPr lang="ko-KR" altLang="en-US" sz="800" dirty="0" smtClean="0"/>
               <a:t>좋아요</a:t>
             </a:r>
+            <a:endParaRPr lang="ko-KR" altLang="en-US" sz="800" dirty="0"/>
           </a:p>
         </p:txBody>
       </p:sp>
@@ -28136,9 +28936,10 @@
           <a:p>
             <a:pPr algn="ctr"/>
             <a:r>
-              <a:rPr lang="ko-KR" altLang="en-US" dirty="0"/>
+              <a:rPr lang="ko-KR" altLang="en-US" dirty="0" smtClean="0"/>
               <a:t>문의하기</a:t>
             </a:r>
+            <a:endParaRPr lang="ko-KR" altLang="en-US" dirty="0"/>
           </a:p>
         </p:txBody>
       </p:sp>
@@ -28177,13 +28978,14 @@
           <a:p>
             <a:pPr algn="ctr"/>
             <a:r>
-              <a:rPr lang="ko-KR" altLang="en-US"/>
+              <a:rPr lang="ko-KR" altLang="en-US" smtClean="0"/>
               <a:t>찜한</a:t>
             </a:r>
             <a:r>
-              <a:rPr lang="ko-KR" altLang="en-US" dirty="0"/>
+              <a:rPr lang="ko-KR" altLang="en-US" dirty="0" smtClean="0"/>
               <a:t> 게시물</a:t>
             </a:r>
+            <a:endParaRPr lang="ko-KR" altLang="en-US" dirty="0"/>
           </a:p>
         </p:txBody>
       </p:sp>
@@ -28262,9 +29064,10 @@
           <a:p>
             <a:pPr algn="ctr"/>
             <a:r>
-              <a:rPr lang="ko-KR" altLang="en-US"/>
+              <a:rPr lang="ko-KR" altLang="en-US" smtClean="0"/>
               <a:t>프로필사진</a:t>
             </a:r>
+            <a:endParaRPr lang="ko-KR" altLang="en-US"/>
           </a:p>
         </p:txBody>
       </p:sp>
@@ -28321,7 +29124,7 @@
           <a:lstStyle/>
           <a:p>
             <a:r>
-              <a:rPr lang="ko-KR" altLang="en-US"/>
+              <a:rPr lang="ko-KR" altLang="en-US" smtClean="0"/>
               <a:t>배경사진</a:t>
             </a:r>
             <a:endParaRPr lang="ko-KR" altLang="en-US" dirty="0"/>
@@ -28351,9 +29154,10 @@
           <a:lstStyle/>
           <a:p>
             <a:r>
-              <a:rPr lang="ko-KR" altLang="en-US"/>
+              <a:rPr lang="ko-KR" altLang="en-US" smtClean="0"/>
               <a:t>김태민</a:t>
             </a:r>
+            <a:endParaRPr lang="ko-KR" altLang="en-US"/>
           </a:p>
         </p:txBody>
       </p:sp>
@@ -28380,9 +29184,10 @@
           <a:lstStyle/>
           <a:p>
             <a:r>
-              <a:rPr lang="ko-KR" altLang="en-US"/>
+              <a:rPr lang="ko-KR" altLang="en-US" smtClean="0"/>
               <a:t>하고싶은 간단한 자기 소개</a:t>
             </a:r>
+            <a:endParaRPr lang="ko-KR" altLang="en-US"/>
           </a:p>
         </p:txBody>
       </p:sp>
@@ -28421,9 +29226,10 @@
           <a:p>
             <a:pPr algn="ctr"/>
             <a:r>
-              <a:rPr lang="ko-KR" altLang="en-US" dirty="0"/>
+              <a:rPr lang="ko-KR" altLang="en-US" dirty="0" smtClean="0"/>
               <a:t>글쓰기</a:t>
             </a:r>
+            <a:endParaRPr lang="ko-KR" altLang="en-US" dirty="0"/>
           </a:p>
         </p:txBody>
       </p:sp>
@@ -28462,7 +29268,7 @@
           <a:p>
             <a:pPr algn="ctr"/>
             <a:r>
-              <a:rPr lang="ko-KR" altLang="en-US" sz="800" dirty="0" err="1"/>
+              <a:rPr lang="ko-KR" altLang="en-US" sz="800" dirty="0" err="1" smtClean="0"/>
               <a:t>엠블럼</a:t>
             </a:r>
             <a:endParaRPr lang="ko-KR" altLang="en-US" sz="800" dirty="0"/>
@@ -28504,9 +29310,10 @@
           <a:p>
             <a:pPr algn="ctr"/>
             <a:r>
-              <a:rPr lang="ko-KR" altLang="en-US" sz="800" dirty="0"/>
+              <a:rPr lang="ko-KR" altLang="en-US" sz="800" dirty="0" smtClean="0"/>
               <a:t>달력</a:t>
             </a:r>
+            <a:endParaRPr lang="ko-KR" altLang="en-US" sz="800" dirty="0"/>
           </a:p>
         </p:txBody>
       </p:sp>
@@ -28545,9 +29352,10 @@
           <a:p>
             <a:pPr algn="ctr"/>
             <a:r>
-              <a:rPr lang="ko-KR" altLang="en-US" sz="800" dirty="0"/>
+              <a:rPr lang="ko-KR" altLang="en-US" sz="800" dirty="0" smtClean="0"/>
               <a:t>글쓰기</a:t>
             </a:r>
+            <a:endParaRPr lang="ko-KR" altLang="en-US" sz="800" dirty="0"/>
           </a:p>
         </p:txBody>
       </p:sp>
@@ -28607,9 +29415,10 @@
           <a:lstStyle/>
           <a:p>
             <a:r>
-              <a:rPr lang="ko-KR" altLang="en-US"/>
+              <a:rPr lang="ko-KR" altLang="en-US" smtClean="0"/>
               <a:t>글쓰기 페이지</a:t>
             </a:r>
+            <a:endParaRPr lang="ko-KR" altLang="en-US"/>
           </a:p>
         </p:txBody>
       </p:sp>
@@ -28669,13 +29478,14 @@
           <a:lstStyle/>
           <a:p>
             <a:r>
-              <a:rPr lang="ko-KR" altLang="en-US" dirty="0" err="1"/>
+              <a:rPr lang="ko-KR" altLang="en-US" dirty="0" err="1" smtClean="0"/>
               <a:t>엠블럼</a:t>
             </a:r>
             <a:r>
-              <a:rPr lang="ko-KR" altLang="en-US" dirty="0"/>
+              <a:rPr lang="ko-KR" altLang="en-US" dirty="0" smtClean="0"/>
               <a:t> 페이지</a:t>
             </a:r>
+            <a:endParaRPr lang="ko-KR" altLang="en-US" dirty="0"/>
           </a:p>
         </p:txBody>
       </p:sp>
@@ -28735,7 +29545,7 @@
           <a:lstStyle/>
           <a:p>
             <a:r>
-              <a:rPr lang="ko-KR" altLang="en-US" dirty="0" err="1"/>
+              <a:rPr lang="ko-KR" altLang="en-US" dirty="0" err="1" smtClean="0"/>
               <a:t>달력보기</a:t>
             </a:r>
             <a:endParaRPr lang="ko-KR" altLang="en-US" dirty="0"/>
@@ -28777,9 +29587,10 @@
           <a:p>
             <a:pPr algn="ctr"/>
             <a:r>
-              <a:rPr lang="ko-KR" altLang="en-US" sz="800" dirty="0"/>
+              <a:rPr lang="ko-KR" altLang="en-US" sz="800" dirty="0" smtClean="0"/>
               <a:t>달력</a:t>
             </a:r>
+            <a:endParaRPr lang="ko-KR" altLang="en-US" sz="800" dirty="0"/>
           </a:p>
         </p:txBody>
       </p:sp>
@@ -28911,9 +29722,10 @@
           <a:p>
             <a:pPr algn="ctr"/>
             <a:r>
-              <a:rPr lang="ko-KR" altLang="en-US" dirty="0"/>
+              <a:rPr lang="ko-KR" altLang="en-US" dirty="0" smtClean="0"/>
               <a:t>닫기</a:t>
             </a:r>
+            <a:endParaRPr lang="ko-KR" altLang="en-US" dirty="0"/>
           </a:p>
         </p:txBody>
       </p:sp>
@@ -29134,13 +29946,18 @@
           <a:lstStyle/>
           <a:p>
             <a:r>
-              <a:rPr lang="ko-KR" altLang="en-US" b="1" dirty="0">
+              <a:rPr lang="ko-KR" altLang="en-US" b="1" dirty="0" smtClean="0">
                 <a:solidFill>
                   <a:srgbClr val="FF0000"/>
                 </a:solidFill>
               </a:rPr>
               <a:t>해당 날짜 게시물 보기</a:t>
             </a:r>
+            <a:endParaRPr lang="ko-KR" altLang="en-US" b="1" dirty="0">
+              <a:solidFill>
+                <a:srgbClr val="FF0000"/>
+              </a:solidFill>
+            </a:endParaRPr>
           </a:p>
         </p:txBody>
       </p:sp>
@@ -29154,6 +29971,13 @@
   <p:clrMapOvr>
     <a:masterClrMapping/>
   </p:clrMapOvr>
+  <p:timing>
+    <p:tnLst>
+      <p:par>
+        <p:cTn id="1" dur="indefinite" restart="never" nodeType="tmRoot"/>
+      </p:par>
+    </p:tnLst>
+  </p:timing>
 </p:sld>
 </file>
 
@@ -29254,9 +30078,10 @@
           <a:p>
             <a:pPr algn="ctr"/>
             <a:r>
-              <a:rPr lang="ko-KR" altLang="en-US" dirty="0"/>
+              <a:rPr lang="ko-KR" altLang="en-US" dirty="0" smtClean="0"/>
               <a:t>아이콘</a:t>
             </a:r>
+            <a:endParaRPr lang="ko-KR" altLang="en-US" dirty="0"/>
           </a:p>
         </p:txBody>
       </p:sp>
@@ -29297,9 +30122,10 @@
           <a:p>
             <a:pPr algn="ctr"/>
             <a:r>
-              <a:rPr lang="ko-KR" altLang="en-US" sz="1200" dirty="0"/>
+              <a:rPr lang="ko-KR" altLang="en-US" sz="1200" dirty="0" smtClean="0"/>
               <a:t>로그아웃</a:t>
             </a:r>
+            <a:endParaRPr lang="ko-KR" altLang="en-US" sz="1200" dirty="0"/>
           </a:p>
         </p:txBody>
       </p:sp>
@@ -29338,13 +30164,14 @@
           <a:p>
             <a:pPr algn="ctr"/>
             <a:r>
-              <a:rPr lang="ko-KR" altLang="en-US"/>
+              <a:rPr lang="ko-KR" altLang="en-US" smtClean="0"/>
               <a:t>찜한</a:t>
             </a:r>
             <a:r>
-              <a:rPr lang="ko-KR" altLang="en-US" dirty="0"/>
+              <a:rPr lang="ko-KR" altLang="en-US" dirty="0" smtClean="0"/>
               <a:t> 게시물</a:t>
             </a:r>
+            <a:endParaRPr lang="ko-KR" altLang="en-US" dirty="0"/>
           </a:p>
         </p:txBody>
       </p:sp>
@@ -29383,9 +30210,10 @@
           <a:p>
             <a:pPr algn="ctr"/>
             <a:r>
-              <a:rPr lang="ko-KR" altLang="en-US" dirty="0"/>
+              <a:rPr lang="ko-KR" altLang="en-US" dirty="0" smtClean="0"/>
               <a:t>글쓰기</a:t>
             </a:r>
+            <a:endParaRPr lang="ko-KR" altLang="en-US" dirty="0"/>
           </a:p>
         </p:txBody>
       </p:sp>
@@ -29397,8 +30225,8 @@
         </p:nvSpPr>
         <p:spPr>
           <a:xfrm>
-            <a:off x="3868366" y="1941818"/>
-            <a:ext cx="4455268" cy="2087181"/>
+            <a:off x="3868367" y="1941818"/>
+            <a:ext cx="2233176" cy="2087181"/>
           </a:xfrm>
           <a:prstGeom prst="roundRect">
             <a:avLst/>
@@ -29424,20 +30252,12 @@
           <a:p>
             <a:pPr algn="ctr"/>
             <a:r>
-              <a:rPr lang="ko-KR" altLang="en-US" dirty="0"/>
-              <a:t>사진을 업로드 해주세요 </a:t>
-            </a:r>
-            <a:r>
-              <a:rPr lang="en-US" altLang="ko-KR" dirty="0"/>
-              <a:t>(</a:t>
-            </a:r>
-            <a:r>
-              <a:rPr lang="ko-KR" altLang="en-US" dirty="0"/>
-              <a:t>클릭</a:t>
-            </a:r>
-            <a:r>
-              <a:rPr lang="en-US" altLang="ko-KR" dirty="0"/>
-              <a:t>)</a:t>
+              <a:rPr lang="ko-KR" altLang="en-US" dirty="0" err="1" smtClean="0"/>
+              <a:t>썸네일</a:t>
+            </a:r>
+            <a:r>
+              <a:rPr lang="ko-KR" altLang="en-US" dirty="0" smtClean="0"/>
+              <a:t> 사진</a:t>
             </a:r>
             <a:endParaRPr lang="ko-KR" altLang="en-US" dirty="0"/>
           </a:p>
@@ -29542,13 +30362,14 @@
           <a:lstStyle/>
           <a:p>
             <a:r>
-              <a:rPr lang="en-US" altLang="ko-KR" dirty="0"/>
+              <a:rPr lang="en-US" altLang="ko-KR" dirty="0" smtClean="0"/>
               <a:t>#</a:t>
             </a:r>
             <a:r>
-              <a:rPr lang="ko-KR" altLang="en-US" sz="1200" dirty="0"/>
+              <a:rPr lang="ko-KR" altLang="en-US" sz="1200" dirty="0" smtClean="0"/>
               <a:t>태그</a:t>
             </a:r>
+            <a:endParaRPr lang="ko-KR" altLang="en-US" sz="1200" dirty="0"/>
           </a:p>
         </p:txBody>
       </p:sp>
@@ -29575,9 +30396,10 @@
           <a:lstStyle/>
           <a:p>
             <a:r>
-              <a:rPr lang="ko-KR" altLang="en-US"/>
+              <a:rPr lang="ko-KR" altLang="en-US" smtClean="0"/>
               <a:t>내용</a:t>
             </a:r>
+            <a:endParaRPr lang="ko-KR" altLang="en-US"/>
           </a:p>
         </p:txBody>
       </p:sp>
@@ -29624,9 +30446,10 @@
           <a:p>
             <a:pPr algn="ctr"/>
             <a:r>
-              <a:rPr lang="ko-KR" altLang="en-US" dirty="0"/>
+              <a:rPr lang="ko-KR" altLang="en-US" dirty="0" smtClean="0"/>
               <a:t>작성하기</a:t>
             </a:r>
+            <a:endParaRPr lang="ko-KR" altLang="en-US" dirty="0"/>
           </a:p>
         </p:txBody>
       </p:sp>
@@ -29673,9 +30496,10 @@
           <a:p>
             <a:pPr algn="ctr"/>
             <a:r>
-              <a:rPr lang="ko-KR" altLang="en-US" dirty="0"/>
+              <a:rPr lang="ko-KR" altLang="en-US" dirty="0" smtClean="0"/>
               <a:t>취소</a:t>
             </a:r>
+            <a:endParaRPr lang="ko-KR" altLang="en-US" dirty="0"/>
           </a:p>
         </p:txBody>
       </p:sp>
@@ -29735,9 +30559,10 @@
           <a:lstStyle/>
           <a:p>
             <a:r>
-              <a:rPr lang="ko-KR" altLang="en-US"/>
+              <a:rPr lang="ko-KR" altLang="en-US" smtClean="0"/>
               <a:t>글쓰기 요청</a:t>
             </a:r>
+            <a:endParaRPr lang="ko-KR" altLang="en-US"/>
           </a:p>
         </p:txBody>
       </p:sp>
@@ -29797,9 +30622,10 @@
           <a:lstStyle/>
           <a:p>
             <a:r>
-              <a:rPr lang="ko-KR" altLang="en-US" dirty="0"/>
+              <a:rPr lang="ko-KR" altLang="en-US" dirty="0" smtClean="0"/>
               <a:t>이전 페이지로 돌아가기</a:t>
             </a:r>
+            <a:endParaRPr lang="ko-KR" altLang="en-US" dirty="0"/>
           </a:p>
         </p:txBody>
       </p:sp>
@@ -29876,9 +30702,10 @@
           <a:p>
             <a:pPr algn="ctr"/>
             <a:r>
-              <a:rPr lang="ko-KR" altLang="en-US" sz="1200" dirty="0"/>
+              <a:rPr lang="ko-KR" altLang="en-US" sz="1200" dirty="0" smtClean="0"/>
               <a:t>김태민</a:t>
             </a:r>
+            <a:endParaRPr lang="ko-KR" altLang="en-US" sz="1200" dirty="0"/>
           </a:p>
         </p:txBody>
       </p:sp>
@@ -29997,7 +30824,7 @@
           <a:p>
             <a:pPr algn="ctr"/>
             <a:r>
-              <a:rPr lang="ko-KR" altLang="en-US" sz="1200" dirty="0" err="1"/>
+              <a:rPr lang="ko-KR" altLang="en-US" sz="1200" dirty="0" err="1" smtClean="0"/>
               <a:t>내정보</a:t>
             </a:r>
             <a:endParaRPr lang="ko-KR" altLang="en-US" sz="1200" dirty="0"/>
@@ -30041,13 +30868,14 @@
           <a:p>
             <a:pPr algn="ctr"/>
             <a:r>
-              <a:rPr lang="en-US" altLang="ko-KR" dirty="0"/>
+              <a:rPr lang="en-US" altLang="ko-KR" dirty="0" smtClean="0"/>
               <a:t>1:1 </a:t>
             </a:r>
             <a:r>
-              <a:rPr lang="ko-KR" altLang="en-US" dirty="0"/>
+              <a:rPr lang="ko-KR" altLang="en-US" dirty="0" smtClean="0"/>
               <a:t>채팅</a:t>
             </a:r>
+            <a:endParaRPr lang="ko-KR" altLang="en-US" dirty="0"/>
           </a:p>
         </p:txBody>
       </p:sp>
@@ -30088,7 +30916,7 @@
           <a:p>
             <a:pPr algn="ctr"/>
             <a:r>
-              <a:rPr lang="ko-KR" altLang="en-US"/>
+              <a:rPr lang="ko-KR" altLang="en-US" smtClean="0"/>
               <a:t>다크모드</a:t>
             </a:r>
             <a:endParaRPr lang="ko-KR" altLang="en-US" dirty="0"/>
@@ -30194,9 +31022,10 @@
           <a:lstStyle/>
           <a:p>
             <a:r>
-              <a:rPr lang="ko-KR" altLang="en-US"/>
+              <a:rPr lang="ko-KR" altLang="en-US" smtClean="0"/>
               <a:t>지역</a:t>
             </a:r>
+            <a:endParaRPr lang="ko-KR" altLang="en-US"/>
           </a:p>
         </p:txBody>
       </p:sp>
@@ -30223,9 +31052,64 @@
           <a:lstStyle/>
           <a:p>
             <a:r>
-              <a:rPr lang="ko-KR" altLang="en-US"/>
+              <a:rPr lang="ko-KR" altLang="en-US" smtClean="0"/>
               <a:t>여행 날짜</a:t>
             </a:r>
+            <a:endParaRPr lang="ko-KR" altLang="en-US"/>
+          </a:p>
+        </p:txBody>
+      </p:sp>
+      <p:sp>
+        <p:nvSpPr>
+          <p:cNvPr id="35" name="모서리가 둥근 직사각형 34"/>
+          <p:cNvSpPr/>
+          <p:nvPr/>
+        </p:nvSpPr>
+        <p:spPr>
+          <a:xfrm>
+            <a:off x="6346678" y="1953576"/>
+            <a:ext cx="2123991" cy="2087181"/>
+          </a:xfrm>
+          <a:prstGeom prst="roundRect">
+            <a:avLst/>
+          </a:prstGeom>
+        </p:spPr>
+        <p:style>
+          <a:lnRef idx="2">
+            <a:schemeClr val="accent1"/>
+          </a:lnRef>
+          <a:fillRef idx="1">
+            <a:schemeClr val="lt1"/>
+          </a:fillRef>
+          <a:effectRef idx="0">
+            <a:schemeClr val="accent1"/>
+          </a:effectRef>
+          <a:fontRef idx="minor">
+            <a:schemeClr val="dk1"/>
+          </a:fontRef>
+        </p:style>
+        <p:txBody>
+          <a:bodyPr rtlCol="0" anchor="ctr"/>
+          <a:lstStyle/>
+          <a:p>
+            <a:pPr algn="ctr"/>
+            <a:r>
+              <a:rPr lang="ko-KR" altLang="en-US" dirty="0" smtClean="0"/>
+              <a:t>사진을 업로드 해주세요 </a:t>
+            </a:r>
+            <a:r>
+              <a:rPr lang="en-US" altLang="ko-KR" dirty="0" smtClean="0"/>
+              <a:t>(</a:t>
+            </a:r>
+            <a:r>
+              <a:rPr lang="ko-KR" altLang="en-US" dirty="0" smtClean="0"/>
+              <a:t>클릭</a:t>
+            </a:r>
+            <a:r>
+              <a:rPr lang="en-US" altLang="ko-KR" dirty="0" smtClean="0"/>
+              <a:t>)</a:t>
+            </a:r>
+            <a:endParaRPr lang="ko-KR" altLang="en-US" dirty="0"/>
           </a:p>
         </p:txBody>
       </p:sp>
@@ -30239,6 +31123,13 @@
   <p:clrMapOvr>
     <a:masterClrMapping/>
   </p:clrMapOvr>
+  <p:timing>
+    <p:tnLst>
+      <p:par>
+        <p:cTn id="1" dur="indefinite" restart="never" nodeType="tmRoot"/>
+      </p:par>
+    </p:tnLst>
+  </p:timing>
 </p:sld>
 </file>
 
